--- a/js.pptx
+++ b/js.pptx
@@ -5,34 +5,35 @@
     <p:sldMasterId id="2147483648" r:id="rId1"/>
   </p:sldMasterIdLst>
   <p:notesMasterIdLst>
-    <p:notesMasterId r:id="rId20"/>
+    <p:notesMasterId r:id="rId25"/>
   </p:notesMasterIdLst>
   <p:handoutMasterIdLst>
     <p:handoutMasterId r:id="rId26"/>
   </p:handoutMasterIdLst>
   <p:sldIdLst>
-    <p:sldId id="340" r:id="rId3"/>
-    <p:sldId id="341" r:id="rId4"/>
-    <p:sldId id="344" r:id="rId5"/>
-    <p:sldId id="347" r:id="rId6"/>
-    <p:sldId id="348" r:id="rId7"/>
-    <p:sldId id="357" r:id="rId8"/>
-    <p:sldId id="359" r:id="rId9"/>
-    <p:sldId id="360" r:id="rId10"/>
-    <p:sldId id="358" r:id="rId11"/>
-    <p:sldId id="356" r:id="rId12"/>
-    <p:sldId id="363" r:id="rId13"/>
-    <p:sldId id="364" r:id="rId14"/>
-    <p:sldId id="361" r:id="rId15"/>
-    <p:sldId id="365" r:id="rId16"/>
-    <p:sldId id="362" r:id="rId17"/>
-    <p:sldId id="349" r:id="rId18"/>
-    <p:sldId id="350" r:id="rId19"/>
-    <p:sldId id="351" r:id="rId21"/>
-    <p:sldId id="354" r:id="rId22"/>
-    <p:sldId id="352" r:id="rId23"/>
-    <p:sldId id="353" r:id="rId24"/>
-    <p:sldId id="355" r:id="rId25"/>
+    <p:sldId id="340" r:id="rId2"/>
+    <p:sldId id="341" r:id="rId3"/>
+    <p:sldId id="344" r:id="rId4"/>
+    <p:sldId id="347" r:id="rId5"/>
+    <p:sldId id="348" r:id="rId6"/>
+    <p:sldId id="357" r:id="rId7"/>
+    <p:sldId id="359" r:id="rId8"/>
+    <p:sldId id="360" r:id="rId9"/>
+    <p:sldId id="358" r:id="rId10"/>
+    <p:sldId id="356" r:id="rId11"/>
+    <p:sldId id="363" r:id="rId12"/>
+    <p:sldId id="364" r:id="rId13"/>
+    <p:sldId id="361" r:id="rId14"/>
+    <p:sldId id="365" r:id="rId15"/>
+    <p:sldId id="362" r:id="rId16"/>
+    <p:sldId id="349" r:id="rId17"/>
+    <p:sldId id="350" r:id="rId18"/>
+    <p:sldId id="351" r:id="rId19"/>
+    <p:sldId id="354" r:id="rId20"/>
+    <p:sldId id="352" r:id="rId21"/>
+    <p:sldId id="353" r:id="rId22"/>
+    <p:sldId id="367" r:id="rId23"/>
+    <p:sldId id="368" r:id="rId24"/>
   </p:sldIdLst>
   <p:sldSz cx="12192000" cy="6858000"/>
   <p:notesSz cx="6858000" cy="9144000"/>
@@ -131,6 +132,11 @@
       </a:defRPr>
     </a:lvl9pPr>
   </p:defaultTextStyle>
+  <p:extLst>
+    <p:ext uri="{EFAFB233-063F-42B5-8137-9DF3F51BA10A}">
+      <p15:sldGuideLst xmlns:p15="http://schemas.microsoft.com/office/powerpoint/2012/main"/>
+    </p:ext>
+  </p:extLst>
 </p:presentation>
 </file>
 
@@ -216,6 +222,7 @@
           <a:p>
             <a:fld id="{696C064A-D61B-4B21-B757-51A9B82445B8}" type="datetimeFigureOut">
               <a:rPr lang="en-US" smtClean="0"/>
+              <a:t>8/3/2023</a:t>
             </a:fld>
             <a:endParaRPr lang="en-US"/>
           </a:p>
@@ -281,6 +288,7 @@
           <a:p>
             <a:fld id="{50305E07-67EA-4042-A3F6-853A8AD8D209}" type="slidenum">
               <a:rPr lang="en-US" smtClean="0"/>
+              <a:t>‹#›</a:t>
             </a:fld>
             <a:endParaRPr lang="en-US"/>
           </a:p>
@@ -374,6 +382,7 @@
           <a:p>
             <a:fld id="{3EFD42F7-718C-4B98-AAEC-167E6DDD60A7}" type="datetimeFigureOut">
               <a:rPr lang="en-US" smtClean="0"/>
+              <a:t>8/3/2023</a:t>
             </a:fld>
             <a:endParaRPr lang="en-US"/>
           </a:p>
@@ -440,7 +449,6 @@
               <a:rPr lang="en-US"/>
               <a:t>Click to edit Master text styles</a:t>
             </a:r>
-            <a:endParaRPr lang="en-US"/>
           </a:p>
           <a:p>
             <a:pPr lvl="1"/>
@@ -448,7 +456,6 @@
               <a:rPr lang="en-US"/>
               <a:t>Second level</a:t>
             </a:r>
-            <a:endParaRPr lang="en-US"/>
           </a:p>
           <a:p>
             <a:pPr lvl="2"/>
@@ -456,7 +463,6 @@
               <a:rPr lang="en-US"/>
               <a:t>Third level</a:t>
             </a:r>
-            <a:endParaRPr lang="en-US"/>
           </a:p>
           <a:p>
             <a:pPr lvl="3"/>
@@ -464,7 +470,6 @@
               <a:rPr lang="en-US"/>
               <a:t>Fourth level</a:t>
             </a:r>
-            <a:endParaRPr lang="en-US"/>
           </a:p>
           <a:p>
             <a:pPr lvl="4"/>
@@ -472,7 +477,6 @@
               <a:rPr lang="en-US"/>
               <a:t>Fifth level</a:t>
             </a:r>
-            <a:endParaRPr lang="en-US"/>
           </a:p>
         </p:txBody>
       </p:sp>
@@ -536,6 +540,7 @@
           <a:p>
             <a:fld id="{21B2AA4F-B828-4D7C-AFD3-893933DAFCB4}" type="slidenum">
               <a:rPr lang="en-US" smtClean="0"/>
+              <a:t>‹#›</a:t>
             </a:fld>
             <a:endParaRPr lang="en-US"/>
           </a:p>
@@ -648,11 +653,20 @@
         <p:cNvGrpSpPr/>
         <p:nvPr/>
       </p:nvGrpSpPr>
-      <p:grpSpPr/>
+      <p:grpSpPr>
+        <a:xfrm>
+          <a:off x="0" y="0"/>
+          <a:ext cx="0" cy="0"/>
+          <a:chOff x="0" y="0"/>
+          <a:chExt cx="0" cy="0"/>
+        </a:xfrm>
+      </p:grpSpPr>
       <p:sp>
         <p:nvSpPr>
           <p:cNvPr id="2" name="Slide Image Placeholder 1"/>
-          <p:cNvSpPr/>
+          <p:cNvSpPr>
+            <a:spLocks noGrp="1" noRot="1" noChangeAspect="1"/>
+          </p:cNvSpPr>
           <p:nvPr>
             <p:ph type="sldImg" idx="2"/>
           </p:nvPr>
@@ -662,7 +676,9 @@
       <p:sp>
         <p:nvSpPr>
           <p:cNvPr id="3" name="Text Placeholder 2"/>
-          <p:cNvSpPr/>
+          <p:cNvSpPr>
+            <a:spLocks noGrp="1"/>
+          </p:cNvSpPr>
           <p:nvPr>
             <p:ph type="body" idx="3"/>
           </p:nvPr>
@@ -670,6 +686,7 @@
         <p:spPr/>
         <p:txBody>
           <a:bodyPr/>
+          <a:lstStyle/>
           <a:p>
             <a:endParaRPr lang="en-US"/>
           </a:p>
@@ -748,6 +765,7 @@
           <a:p>
             <a:fld id="{21B2AA4F-B828-4D7C-AFD3-893933DAFCB4}" type="slidenum">
               <a:rPr lang="en-US" smtClean="0"/>
+              <a:t>21</a:t>
             </a:fld>
             <a:endParaRPr lang="en-US"/>
           </a:p>
@@ -762,7 +780,7 @@
 </file>
 
 <file path=ppt/slideLayouts/slideLayout1.xml><?xml version="1.0" encoding="utf-8"?>
-<p:sldLayout xmlns:a="http://schemas.openxmlformats.org/drawingml/2006/main" xmlns:r="http://schemas.openxmlformats.org/officeDocument/2006/relationships" xmlns:p="http://schemas.openxmlformats.org/presentationml/2006/main" type="title" preserve="1" showMasterSp="0">
+<p:sldLayout xmlns:a="http://schemas.openxmlformats.org/drawingml/2006/main" xmlns:r="http://schemas.openxmlformats.org/officeDocument/2006/relationships" xmlns:p="http://schemas.openxmlformats.org/presentationml/2006/main" showMasterSp="0" type="title" preserve="1">
   <p:cSld name="Title Slide">
     <p:spTree>
       <p:nvGrpSpPr>
@@ -1096,6 +1114,7 @@
           <a:p>
             <a:fld id="{B61BEF0D-F0BB-DE4B-95CE-6DB70DBA9567}" type="datetimeFigureOut">
               <a:rPr lang="en-US" dirty="0"/>
+              <a:t>8/3/2023</a:t>
             </a:fld>
             <a:endParaRPr lang="en-US" dirty="0"/>
           </a:p>
@@ -1147,6 +1166,7 @@
           <a:p>
             <a:fld id="{D57F1E4F-1CFF-5643-939E-217C01CDF565}" type="slidenum">
               <a:rPr lang="en-US" dirty="0"/>
+              <a:t>‹#›</a:t>
             </a:fld>
             <a:endParaRPr lang="en-US" dirty="0"/>
           </a:p>
@@ -1393,7 +1413,6 @@
               <a:rPr lang="en-US"/>
               <a:t>Edit Master text styles</a:t>
             </a:r>
-            <a:endParaRPr lang="en-US"/>
           </a:p>
         </p:txBody>
       </p:sp>
@@ -1414,6 +1433,7 @@
           <a:p>
             <a:fld id="{B61BEF0D-F0BB-DE4B-95CE-6DB70DBA9567}" type="datetimeFigureOut">
               <a:rPr lang="en-US" dirty="0"/>
+              <a:t>8/3/2023</a:t>
             </a:fld>
             <a:endParaRPr lang="en-US" dirty="0"/>
           </a:p>
@@ -1455,6 +1475,7 @@
           <a:p>
             <a:fld id="{D57F1E4F-1CFF-5643-939E-217C01CDF565}" type="slidenum">
               <a:rPr lang="en-US" dirty="0"/>
+              <a:t>‹#›</a:t>
             </a:fld>
             <a:endParaRPr lang="en-US" dirty="0"/>
           </a:p>
@@ -1635,7 +1656,6 @@
               <a:rPr lang="en-US"/>
               <a:t>Edit Master text styles</a:t>
             </a:r>
-            <a:endParaRPr lang="en-US"/>
           </a:p>
         </p:txBody>
       </p:sp>
@@ -1656,6 +1676,7 @@
           <a:p>
             <a:fld id="{B61BEF0D-F0BB-DE4B-95CE-6DB70DBA9567}" type="datetimeFigureOut">
               <a:rPr lang="en-US" dirty="0"/>
+              <a:t>8/3/2023</a:t>
             </a:fld>
             <a:endParaRPr lang="en-US" dirty="0"/>
           </a:p>
@@ -1697,6 +1718,7 @@
           <a:p>
             <a:fld id="{D57F1E4F-1CFF-5643-939E-217C01CDF565}" type="slidenum">
               <a:rPr lang="en-US" dirty="0"/>
+              <a:t>‹#›</a:t>
             </a:fld>
             <a:endParaRPr lang="en-US" dirty="0"/>
           </a:p>
@@ -1849,7 +1871,6 @@
               <a:rPr lang="en-US"/>
               <a:t>Edit Master text styles</a:t>
             </a:r>
-            <a:endParaRPr lang="en-US"/>
           </a:p>
         </p:txBody>
       </p:sp>
@@ -1969,7 +1990,6 @@
               <a:rPr lang="en-US"/>
               <a:t>Edit Master text styles</a:t>
             </a:r>
-            <a:endParaRPr lang="en-US"/>
           </a:p>
         </p:txBody>
       </p:sp>
@@ -1990,6 +2010,7 @@
           <a:p>
             <a:fld id="{B61BEF0D-F0BB-DE4B-95CE-6DB70DBA9567}" type="datetimeFigureOut">
               <a:rPr lang="en-US" dirty="0"/>
+              <a:t>8/3/2023</a:t>
             </a:fld>
             <a:endParaRPr lang="en-US" dirty="0"/>
           </a:p>
@@ -2031,6 +2052,7 @@
           <a:p>
             <a:fld id="{D57F1E4F-1CFF-5643-939E-217C01CDF565}" type="slidenum">
               <a:rPr lang="en-US" dirty="0"/>
+              <a:t>‹#›</a:t>
             </a:fld>
             <a:endParaRPr lang="en-US" dirty="0"/>
           </a:p>
@@ -2067,12 +2089,6 @@
               </a:rPr>
               <a:t>“</a:t>
             </a:r>
-            <a:endParaRPr lang="en-US" sz="8000" dirty="0">
-              <a:solidFill>
-                <a:schemeClr val="tx1"/>
-              </a:solidFill>
-              <a:effectLst/>
-            </a:endParaRPr>
           </a:p>
         </p:txBody>
       </p:sp>
@@ -2107,12 +2123,6 @@
               </a:rPr>
               <a:t>”</a:t>
             </a:r>
-            <a:endParaRPr lang="en-US" sz="8000" dirty="0">
-              <a:solidFill>
-                <a:schemeClr val="tx1"/>
-              </a:solidFill>
-              <a:effectLst/>
-            </a:endParaRPr>
           </a:p>
         </p:txBody>
       </p:sp>
@@ -2322,7 +2332,6 @@
               <a:rPr lang="en-US"/>
               <a:t>Edit Master text styles</a:t>
             </a:r>
-            <a:endParaRPr lang="en-US"/>
           </a:p>
         </p:txBody>
       </p:sp>
@@ -2343,6 +2352,7 @@
           <a:p>
             <a:fld id="{B61BEF0D-F0BB-DE4B-95CE-6DB70DBA9567}" type="datetimeFigureOut">
               <a:rPr lang="en-US" dirty="0"/>
+              <a:t>8/3/2023</a:t>
             </a:fld>
             <a:endParaRPr lang="en-US" dirty="0"/>
           </a:p>
@@ -2384,6 +2394,7 @@
           <a:p>
             <a:fld id="{D57F1E4F-1CFF-5643-939E-217C01CDF565}" type="slidenum">
               <a:rPr lang="en-US" dirty="0"/>
+              <a:t>‹#›</a:t>
             </a:fld>
             <a:endParaRPr lang="en-US" dirty="0"/>
           </a:p>
@@ -2571,7 +2582,6 @@
               <a:rPr lang="en-US"/>
               <a:t>Edit Master text styles</a:t>
             </a:r>
-            <a:endParaRPr lang="en-US"/>
           </a:p>
         </p:txBody>
       </p:sp>
@@ -2691,7 +2701,6 @@
               <a:rPr lang="en-US"/>
               <a:t>Edit Master text styles</a:t>
             </a:r>
-            <a:endParaRPr lang="en-US"/>
           </a:p>
         </p:txBody>
       </p:sp>
@@ -2712,6 +2721,7 @@
           <a:p>
             <a:fld id="{B61BEF0D-F0BB-DE4B-95CE-6DB70DBA9567}" type="datetimeFigureOut">
               <a:rPr lang="en-US" dirty="0"/>
+              <a:t>8/3/2023</a:t>
             </a:fld>
             <a:endParaRPr lang="en-US" dirty="0"/>
           </a:p>
@@ -2753,6 +2763,7 @@
           <a:p>
             <a:fld id="{D57F1E4F-1CFF-5643-939E-217C01CDF565}" type="slidenum">
               <a:rPr lang="en-US" dirty="0"/>
+              <a:t>‹#›</a:t>
             </a:fld>
             <a:endParaRPr lang="en-US" dirty="0"/>
           </a:p>
@@ -2789,12 +2800,6 @@
               </a:rPr>
               <a:t>“</a:t>
             </a:r>
-            <a:endParaRPr lang="en-US" sz="8000" dirty="0">
-              <a:solidFill>
-                <a:schemeClr val="tx1"/>
-              </a:solidFill>
-              <a:effectLst/>
-            </a:endParaRPr>
           </a:p>
         </p:txBody>
       </p:sp>
@@ -2829,12 +2834,6 @@
               </a:rPr>
               <a:t>”</a:t>
             </a:r>
-            <a:endParaRPr lang="en-US" sz="8000" dirty="0">
-              <a:solidFill>
-                <a:schemeClr val="tx1"/>
-              </a:solidFill>
-              <a:effectLst/>
-            </a:endParaRPr>
           </a:p>
         </p:txBody>
       </p:sp>
@@ -3048,7 +3047,6 @@
               <a:rPr lang="en-US"/>
               <a:t>Edit Master text styles</a:t>
             </a:r>
-            <a:endParaRPr lang="en-US"/>
           </a:p>
         </p:txBody>
       </p:sp>
@@ -3168,7 +3166,6 @@
               <a:rPr lang="en-US"/>
               <a:t>Edit Master text styles</a:t>
             </a:r>
-            <a:endParaRPr lang="en-US"/>
           </a:p>
         </p:txBody>
       </p:sp>
@@ -3189,6 +3186,7 @@
           <a:p>
             <a:fld id="{B61BEF0D-F0BB-DE4B-95CE-6DB70DBA9567}" type="datetimeFigureOut">
               <a:rPr lang="en-US" dirty="0"/>
+              <a:t>8/3/2023</a:t>
             </a:fld>
             <a:endParaRPr lang="en-US" dirty="0"/>
           </a:p>
@@ -3230,6 +3228,7 @@
           <a:p>
             <a:fld id="{D57F1E4F-1CFF-5643-939E-217C01CDF565}" type="slidenum">
               <a:rPr lang="en-US" dirty="0"/>
+              <a:t>‹#›</a:t>
             </a:fld>
             <a:endParaRPr lang="en-US" dirty="0"/>
           </a:p>
@@ -3338,7 +3337,6 @@
               <a:rPr lang="en-US"/>
               <a:t>Edit Master text styles</a:t>
             </a:r>
-            <a:endParaRPr lang="en-US"/>
           </a:p>
           <a:p>
             <a:pPr lvl="1"/>
@@ -3346,7 +3344,6 @@
               <a:rPr lang="en-US"/>
               <a:t>Second level</a:t>
             </a:r>
-            <a:endParaRPr lang="en-US"/>
           </a:p>
           <a:p>
             <a:pPr lvl="2"/>
@@ -3354,7 +3351,6 @@
               <a:rPr lang="en-US"/>
               <a:t>Third level</a:t>
             </a:r>
-            <a:endParaRPr lang="en-US"/>
           </a:p>
           <a:p>
             <a:pPr lvl="3"/>
@@ -3362,7 +3358,6 @@
               <a:rPr lang="en-US"/>
               <a:t>Fourth level</a:t>
             </a:r>
-            <a:endParaRPr lang="en-US"/>
           </a:p>
           <a:p>
             <a:pPr lvl="4"/>
@@ -3391,6 +3386,7 @@
           <a:p>
             <a:fld id="{B61BEF0D-F0BB-DE4B-95CE-6DB70DBA9567}" type="datetimeFigureOut">
               <a:rPr lang="en-US" dirty="0"/>
+              <a:t>8/3/2023</a:t>
             </a:fld>
             <a:endParaRPr lang="en-US" dirty="0"/>
           </a:p>
@@ -3432,6 +3428,7 @@
           <a:p>
             <a:fld id="{D57F1E4F-1CFF-5643-939E-217C01CDF565}" type="slidenum">
               <a:rPr lang="en-US" dirty="0"/>
+              <a:t>‹#›</a:t>
             </a:fld>
             <a:endParaRPr lang="en-US" dirty="0"/>
           </a:p>
@@ -3546,7 +3543,6 @@
               <a:rPr lang="en-US"/>
               <a:t>Edit Master text styles</a:t>
             </a:r>
-            <a:endParaRPr lang="en-US"/>
           </a:p>
           <a:p>
             <a:pPr lvl="1"/>
@@ -3554,7 +3550,6 @@
               <a:rPr lang="en-US"/>
               <a:t>Second level</a:t>
             </a:r>
-            <a:endParaRPr lang="en-US"/>
           </a:p>
           <a:p>
             <a:pPr lvl="2"/>
@@ -3562,7 +3557,6 @@
               <a:rPr lang="en-US"/>
               <a:t>Third level</a:t>
             </a:r>
-            <a:endParaRPr lang="en-US"/>
           </a:p>
           <a:p>
             <a:pPr lvl="3"/>
@@ -3570,7 +3564,6 @@
               <a:rPr lang="en-US"/>
               <a:t>Fourth level</a:t>
             </a:r>
-            <a:endParaRPr lang="en-US"/>
           </a:p>
           <a:p>
             <a:pPr lvl="4"/>
@@ -3599,6 +3592,7 @@
           <a:p>
             <a:fld id="{B61BEF0D-F0BB-DE4B-95CE-6DB70DBA9567}" type="datetimeFigureOut">
               <a:rPr lang="en-US" dirty="0"/>
+              <a:t>8/3/2023</a:t>
             </a:fld>
             <a:endParaRPr lang="en-US" dirty="0"/>
           </a:p>
@@ -3640,6 +3634,7 @@
           <a:p>
             <a:fld id="{D57F1E4F-1CFF-5643-939E-217C01CDF565}" type="slidenum">
               <a:rPr lang="en-US" dirty="0"/>
+              <a:t>‹#›</a:t>
             </a:fld>
             <a:endParaRPr lang="en-US" dirty="0"/>
           </a:p>
@@ -3775,7 +3770,6 @@
               <a:rPr lang="en-US"/>
               <a:t>Edit Master text styles</a:t>
             </a:r>
-            <a:endParaRPr lang="en-US"/>
           </a:p>
           <a:p>
             <a:pPr lvl="1"/>
@@ -3783,7 +3777,6 @@
               <a:rPr lang="en-US"/>
               <a:t>Second level</a:t>
             </a:r>
-            <a:endParaRPr lang="en-US"/>
           </a:p>
           <a:p>
             <a:pPr lvl="2"/>
@@ -3791,7 +3784,6 @@
               <a:rPr lang="en-US"/>
               <a:t>Third level</a:t>
             </a:r>
-            <a:endParaRPr lang="en-US"/>
           </a:p>
           <a:p>
             <a:pPr lvl="3"/>
@@ -3799,7 +3791,6 @@
               <a:rPr lang="en-US"/>
               <a:t>Fourth level</a:t>
             </a:r>
-            <a:endParaRPr lang="en-US"/>
           </a:p>
           <a:p>
             <a:pPr lvl="4"/>
@@ -3828,6 +3819,7 @@
           <a:p>
             <a:fld id="{52647F38-B617-4D2F-AE0A-013F0C4D2C57}" type="datetimeFigureOut">
               <a:rPr lang="en-US" dirty="0"/>
+              <a:t>8/3/2023</a:t>
             </a:fld>
             <a:endParaRPr lang="en-US" dirty="0"/>
           </a:p>
@@ -3869,6 +3861,7 @@
           <a:p>
             <a:fld id="{E97799C9-84D9-46D2-A11E-BCF8A720529D}" type="slidenum">
               <a:rPr lang="en-US" dirty="0"/>
+              <a:t>‹#›</a:t>
             </a:fld>
             <a:endParaRPr lang="en-US" dirty="0"/>
           </a:p>
@@ -4049,7 +4042,6 @@
               <a:rPr lang="en-US"/>
               <a:t>Edit Master text styles</a:t>
             </a:r>
-            <a:endParaRPr lang="en-US"/>
           </a:p>
         </p:txBody>
       </p:sp>
@@ -4070,6 +4062,7 @@
           <a:p>
             <a:fld id="{B61BEF0D-F0BB-DE4B-95CE-6DB70DBA9567}" type="datetimeFigureOut">
               <a:rPr lang="en-US" dirty="0"/>
+              <a:t>8/3/2023</a:t>
             </a:fld>
             <a:endParaRPr lang="en-US" dirty="0"/>
           </a:p>
@@ -4111,6 +4104,7 @@
           <a:p>
             <a:fld id="{D57F1E4F-1CFF-5643-939E-217C01CDF565}" type="slidenum">
               <a:rPr lang="en-US" dirty="0"/>
+              <a:t>‹#›</a:t>
             </a:fld>
             <a:endParaRPr lang="en-US" dirty="0"/>
           </a:p>
@@ -4253,7 +4247,6 @@
               <a:rPr lang="en-US"/>
               <a:t>Edit Master text styles</a:t>
             </a:r>
-            <a:endParaRPr lang="en-US"/>
           </a:p>
           <a:p>
             <a:pPr lvl="1"/>
@@ -4261,7 +4254,6 @@
               <a:rPr lang="en-US"/>
               <a:t>Second level</a:t>
             </a:r>
-            <a:endParaRPr lang="en-US"/>
           </a:p>
           <a:p>
             <a:pPr lvl="2"/>
@@ -4269,7 +4261,6 @@
               <a:rPr lang="en-US"/>
               <a:t>Third level</a:t>
             </a:r>
-            <a:endParaRPr lang="en-US"/>
           </a:p>
           <a:p>
             <a:pPr lvl="3"/>
@@ -4277,7 +4268,6 @@
               <a:rPr lang="en-US"/>
               <a:t>Fourth level</a:t>
             </a:r>
-            <a:endParaRPr lang="en-US"/>
           </a:p>
           <a:p>
             <a:pPr lvl="4"/>
@@ -4316,7 +4306,6 @@
               <a:rPr lang="en-US"/>
               <a:t>Edit Master text styles</a:t>
             </a:r>
-            <a:endParaRPr lang="en-US"/>
           </a:p>
           <a:p>
             <a:pPr lvl="1"/>
@@ -4324,7 +4313,6 @@
               <a:rPr lang="en-US"/>
               <a:t>Second level</a:t>
             </a:r>
-            <a:endParaRPr lang="en-US"/>
           </a:p>
           <a:p>
             <a:pPr lvl="2"/>
@@ -4332,7 +4320,6 @@
               <a:rPr lang="en-US"/>
               <a:t>Third level</a:t>
             </a:r>
-            <a:endParaRPr lang="en-US"/>
           </a:p>
           <a:p>
             <a:pPr lvl="3"/>
@@ -4340,7 +4327,6 @@
               <a:rPr lang="en-US"/>
               <a:t>Fourth level</a:t>
             </a:r>
-            <a:endParaRPr lang="en-US"/>
           </a:p>
           <a:p>
             <a:pPr lvl="4"/>
@@ -4369,6 +4355,7 @@
           <a:p>
             <a:fld id="{05BFA754-D5C3-4E66-96A6-867B257F58DC}" type="datetimeFigureOut">
               <a:rPr lang="en-US" dirty="0"/>
+              <a:t>8/3/2023</a:t>
             </a:fld>
             <a:endParaRPr lang="en-US" dirty="0"/>
           </a:p>
@@ -4410,6 +4397,7 @@
           <a:p>
             <a:fld id="{5D84065D-F351-4B03-BD91-D8A6B8D4B362}" type="slidenum">
               <a:rPr lang="en-US" dirty="0"/>
+              <a:t>‹#›</a:t>
             </a:fld>
             <a:endParaRPr lang="en-US" dirty="0"/>
           </a:p>
@@ -4541,7 +4529,6 @@
               <a:rPr lang="en-US"/>
               <a:t>Edit Master text styles</a:t>
             </a:r>
-            <a:endParaRPr lang="en-US"/>
           </a:p>
         </p:txBody>
       </p:sp>
@@ -4572,7 +4559,6 @@
               <a:rPr lang="en-US"/>
               <a:t>Edit Master text styles</a:t>
             </a:r>
-            <a:endParaRPr lang="en-US"/>
           </a:p>
           <a:p>
             <a:pPr lvl="1"/>
@@ -4580,7 +4566,6 @@
               <a:rPr lang="en-US"/>
               <a:t>Second level</a:t>
             </a:r>
-            <a:endParaRPr lang="en-US"/>
           </a:p>
           <a:p>
             <a:pPr lvl="2"/>
@@ -4588,7 +4573,6 @@
               <a:rPr lang="en-US"/>
               <a:t>Third level</a:t>
             </a:r>
-            <a:endParaRPr lang="en-US"/>
           </a:p>
           <a:p>
             <a:pPr lvl="3"/>
@@ -4596,7 +4580,6 @@
               <a:rPr lang="en-US"/>
               <a:t>Fourth level</a:t>
             </a:r>
-            <a:endParaRPr lang="en-US"/>
           </a:p>
           <a:p>
             <a:pPr lvl="4"/>
@@ -4682,7 +4665,6 @@
               <a:rPr lang="en-US"/>
               <a:t>Edit Master text styles</a:t>
             </a:r>
-            <a:endParaRPr lang="en-US"/>
           </a:p>
         </p:txBody>
       </p:sp>
@@ -4713,7 +4695,6 @@
               <a:rPr lang="en-US"/>
               <a:t>Edit Master text styles</a:t>
             </a:r>
-            <a:endParaRPr lang="en-US"/>
           </a:p>
           <a:p>
             <a:pPr lvl="1"/>
@@ -4721,7 +4702,6 @@
               <a:rPr lang="en-US"/>
               <a:t>Second level</a:t>
             </a:r>
-            <a:endParaRPr lang="en-US"/>
           </a:p>
           <a:p>
             <a:pPr lvl="2"/>
@@ -4729,7 +4709,6 @@
               <a:rPr lang="en-US"/>
               <a:t>Third level</a:t>
             </a:r>
-            <a:endParaRPr lang="en-US"/>
           </a:p>
           <a:p>
             <a:pPr lvl="3"/>
@@ -4737,7 +4716,6 @@
               <a:rPr lang="en-US"/>
               <a:t>Fourth level</a:t>
             </a:r>
-            <a:endParaRPr lang="en-US"/>
           </a:p>
           <a:p>
             <a:pPr lvl="4"/>
@@ -4766,6 +4744,7 @@
           <a:p>
             <a:fld id="{B61BEF0D-F0BB-DE4B-95CE-6DB70DBA9567}" type="datetimeFigureOut">
               <a:rPr lang="en-US" dirty="0"/>
+              <a:t>8/3/2023</a:t>
             </a:fld>
             <a:endParaRPr lang="en-US" dirty="0"/>
           </a:p>
@@ -4807,6 +4786,7 @@
           <a:p>
             <a:fld id="{D57F1E4F-1CFF-5643-939E-217C01CDF565}" type="slidenum">
               <a:rPr lang="en-US" dirty="0"/>
+              <a:t>‹#›</a:t>
             </a:fld>
             <a:endParaRPr lang="en-US" dirty="0"/>
           </a:p>
@@ -4908,6 +4888,7 @@
           <a:p>
             <a:fld id="{B61BEF0D-F0BB-DE4B-95CE-6DB70DBA9567}" type="datetimeFigureOut">
               <a:rPr lang="en-US" dirty="0"/>
+              <a:t>8/3/2023</a:t>
             </a:fld>
             <a:endParaRPr lang="en-US" dirty="0"/>
           </a:p>
@@ -4949,6 +4930,7 @@
           <a:p>
             <a:fld id="{D57F1E4F-1CFF-5643-939E-217C01CDF565}" type="slidenum">
               <a:rPr lang="en-US" dirty="0"/>
+              <a:t>‹#›</a:t>
             </a:fld>
             <a:endParaRPr lang="en-US" dirty="0"/>
           </a:p>
@@ -5027,6 +5009,7 @@
           <a:p>
             <a:fld id="{B61BEF0D-F0BB-DE4B-95CE-6DB70DBA9567}" type="datetimeFigureOut">
               <a:rPr lang="en-US" dirty="0"/>
+              <a:t>8/3/2023</a:t>
             </a:fld>
             <a:endParaRPr lang="en-US" dirty="0"/>
           </a:p>
@@ -5068,6 +5051,7 @@
           <a:p>
             <a:fld id="{D57F1E4F-1CFF-5643-939E-217C01CDF565}" type="slidenum">
               <a:rPr lang="en-US" dirty="0"/>
+              <a:t>‹#›</a:t>
             </a:fld>
             <a:endParaRPr lang="en-US" dirty="0"/>
           </a:p>
@@ -5159,7 +5143,6 @@
               <a:rPr lang="en-US"/>
               <a:t>Edit Master text styles</a:t>
             </a:r>
-            <a:endParaRPr lang="en-US"/>
           </a:p>
           <a:p>
             <a:pPr lvl="1"/>
@@ -5167,7 +5150,6 @@
               <a:rPr lang="en-US"/>
               <a:t>Second level</a:t>
             </a:r>
-            <a:endParaRPr lang="en-US"/>
           </a:p>
           <a:p>
             <a:pPr lvl="2"/>
@@ -5175,7 +5157,6 @@
               <a:rPr lang="en-US"/>
               <a:t>Third level</a:t>
             </a:r>
-            <a:endParaRPr lang="en-US"/>
           </a:p>
           <a:p>
             <a:pPr lvl="3"/>
@@ -5183,7 +5164,6 @@
               <a:rPr lang="en-US"/>
               <a:t>Fourth level</a:t>
             </a:r>
-            <a:endParaRPr lang="en-US"/>
           </a:p>
           <a:p>
             <a:pPr lvl="4"/>
@@ -5259,7 +5239,6 @@
               <a:rPr lang="en-US"/>
               <a:t>Edit Master text styles</a:t>
             </a:r>
-            <a:endParaRPr lang="en-US"/>
           </a:p>
         </p:txBody>
       </p:sp>
@@ -5280,6 +5259,7 @@
           <a:p>
             <a:fld id="{B61BEF0D-F0BB-DE4B-95CE-6DB70DBA9567}" type="datetimeFigureOut">
               <a:rPr lang="en-US" dirty="0"/>
+              <a:t>8/3/2023</a:t>
             </a:fld>
             <a:endParaRPr lang="en-US" dirty="0"/>
           </a:p>
@@ -5321,6 +5301,7 @@
           <a:p>
             <a:fld id="{D57F1E4F-1CFF-5643-939E-217C01CDF565}" type="slidenum">
               <a:rPr lang="en-US" dirty="0"/>
+              <a:t>‹#›</a:t>
             </a:fld>
             <a:endParaRPr lang="en-US" dirty="0"/>
           </a:p>
@@ -5568,7 +5549,6 @@
               <a:rPr lang="en-US"/>
               <a:t>Edit Master text styles</a:t>
             </a:r>
-            <a:endParaRPr lang="en-US"/>
           </a:p>
         </p:txBody>
       </p:sp>
@@ -5589,6 +5569,7 @@
           <a:p>
             <a:fld id="{B61BEF0D-F0BB-DE4B-95CE-6DB70DBA9567}" type="datetimeFigureOut">
               <a:rPr lang="en-US" dirty="0"/>
+              <a:t>8/3/2023</a:t>
             </a:fld>
             <a:endParaRPr lang="en-US" dirty="0"/>
           </a:p>
@@ -5630,6 +5611,7 @@
           <a:p>
             <a:fld id="{D57F1E4F-1CFF-5643-939E-217C01CDF565}" type="slidenum">
               <a:rPr lang="en-US" dirty="0"/>
+              <a:t>‹#›</a:t>
             </a:fld>
             <a:endParaRPr lang="en-US" dirty="0"/>
           </a:p>
@@ -5688,7 +5670,7 @@
             <p:nvPr/>
           </p:nvPicPr>
           <p:blipFill>
-            <a:blip r:embed="rId18">
+            <a:blip r:embed="rId19">
               <a:extLst>
                 <a:ext uri="{28A0092B-C50C-407E-A947-70E740481C1C}">
                   <a14:useLocalDpi xmlns:a14="http://schemas.microsoft.com/office/drawing/2010/main" val="0"/>
@@ -5752,7 +5734,7 @@
             <p:nvPr/>
           </p:nvPicPr>
           <p:blipFill rotWithShape="1">
-            <a:blip r:embed="rId19">
+            <a:blip r:embed="rId20">
               <a:extLst>
                 <a:ext uri="{28A0092B-C50C-407E-A947-70E740481C1C}">
                   <a14:useLocalDpi xmlns:a14="http://schemas.microsoft.com/office/drawing/2010/main" val="0"/>
@@ -5783,7 +5765,7 @@
             <p:nvPr/>
           </p:nvPicPr>
           <p:blipFill rotWithShape="1">
-            <a:blip r:embed="rId19">
+            <a:blip r:embed="rId20">
               <a:extLst>
                 <a:ext uri="{28A0092B-C50C-407E-A947-70E740481C1C}">
                   <a14:useLocalDpi xmlns:a14="http://schemas.microsoft.com/office/drawing/2010/main" val="0"/>
@@ -5870,7 +5852,6 @@
               <a:rPr lang="en-US"/>
               <a:t>Edit Master text styles</a:t>
             </a:r>
-            <a:endParaRPr lang="en-US"/>
           </a:p>
           <a:p>
             <a:pPr lvl="1"/>
@@ -5878,7 +5859,6 @@
               <a:rPr lang="en-US"/>
               <a:t>Second level</a:t>
             </a:r>
-            <a:endParaRPr lang="en-US"/>
           </a:p>
           <a:p>
             <a:pPr lvl="2"/>
@@ -5886,7 +5866,6 @@
               <a:rPr lang="en-US"/>
               <a:t>Third level</a:t>
             </a:r>
-            <a:endParaRPr lang="en-US"/>
           </a:p>
           <a:p>
             <a:pPr lvl="3"/>
@@ -5894,7 +5873,6 @@
               <a:rPr lang="en-US"/>
               <a:t>Fourth level</a:t>
             </a:r>
-            <a:endParaRPr lang="en-US"/>
           </a:p>
           <a:p>
             <a:pPr lvl="4"/>
@@ -5941,6 +5919,7 @@
           <a:p>
             <a:fld id="{B61BEF0D-F0BB-DE4B-95CE-6DB70DBA9567}" type="datetimeFigureOut">
               <a:rPr lang="en-US" dirty="0"/>
+              <a:t>8/3/2023</a:t>
             </a:fld>
             <a:endParaRPr lang="en-US" dirty="0"/>
           </a:p>
@@ -6018,6 +5997,7 @@
           <a:p>
             <a:fld id="{D57F1E4F-1CFF-5643-939E-217C01CDF565}" type="slidenum">
               <a:rPr lang="en-US" dirty="0"/>
+              <a:t>‹#›</a:t>
             </a:fld>
             <a:endParaRPr lang="en-US" dirty="0"/>
           </a:p>
@@ -6500,7 +6480,6 @@
               <a:rPr lang="en-US" dirty="0"/>
               <a:t> (JS)</a:t>
             </a:r>
-            <a:endParaRPr lang="en-US" dirty="0"/>
           </a:p>
         </p:txBody>
       </p:sp>
@@ -6548,7 +6527,6 @@
               <a:rPr lang="en-US" dirty="0"/>
               <a:t>Primitive Datatypes</a:t>
             </a:r>
-            <a:endParaRPr lang="en-US" dirty="0"/>
           </a:p>
         </p:txBody>
       </p:sp>
@@ -6573,8 +6551,20 @@
                 <a:tableStyleId>{5C22544A-7EE6-4342-B048-85BDC9FD1C3A}</a:tableStyleId>
               </a:tblPr>
               <a:tblGrid>
-                <a:gridCol w="2060986"/>
-                <a:gridCol w="5970494"/>
+                <a:gridCol w="2060986">
+                  <a:extLst>
+                    <a:ext uri="{9D8B030D-6E8A-4147-A177-3AD203B41FA5}">
+                      <a16:colId xmlns:a16="http://schemas.microsoft.com/office/drawing/2014/main" val="20000"/>
+                    </a:ext>
+                  </a:extLst>
+                </a:gridCol>
+                <a:gridCol w="5970494">
+                  <a:extLst>
+                    <a:ext uri="{9D8B030D-6E8A-4147-A177-3AD203B41FA5}">
+                      <a16:colId xmlns:a16="http://schemas.microsoft.com/office/drawing/2014/main" val="20001"/>
+                    </a:ext>
+                  </a:extLst>
+                </a:gridCol>
               </a:tblGrid>
               <a:tr h="247957">
                 <a:tc>
@@ -6586,7 +6576,6 @@
                         <a:rPr lang="en-US" dirty="0"/>
                         <a:t>Data Type	</a:t>
                       </a:r>
-                      <a:endParaRPr lang="en-US" dirty="0"/>
                     </a:p>
                   </a:txBody>
                   <a:tcPr/>
@@ -6600,11 +6589,15 @@
                         <a:rPr lang="en-US" dirty="0"/>
                         <a:t>Description</a:t>
                       </a:r>
-                      <a:endParaRPr lang="en-US" dirty="0"/>
                     </a:p>
                   </a:txBody>
                   <a:tcPr/>
                 </a:tc>
+                <a:extLst>
+                  <a:ext uri="{0D108BD9-81ED-4DB2-BD59-A6C34878D82A}">
+                    <a16:rowId xmlns:a16="http://schemas.microsoft.com/office/drawing/2014/main" val="10000"/>
+                  </a:ext>
+                </a:extLst>
               </a:tr>
               <a:tr h="398201">
                 <a:tc>
@@ -6616,7 +6609,6 @@
                         <a:rPr lang="en-US" dirty="0"/>
                         <a:t>String</a:t>
                       </a:r>
-                      <a:endParaRPr lang="en-US" dirty="0"/>
                     </a:p>
                   </a:txBody>
                   <a:tcPr/>
@@ -6646,11 +6638,15 @@
                         <a:rPr lang="en-US" dirty="0"/>
                         <a:t>represents sequence of characters e.g. “hello”</a:t>
                       </a:r>
-                      <a:endParaRPr lang="en-US" dirty="0"/>
                     </a:p>
                   </a:txBody>
                   <a:tcPr/>
                 </a:tc>
+                <a:extLst>
+                  <a:ext uri="{0D108BD9-81ED-4DB2-BD59-A6C34878D82A}">
+                    <a16:rowId xmlns:a16="http://schemas.microsoft.com/office/drawing/2014/main" val="10001"/>
+                  </a:ext>
+                </a:extLst>
               </a:tr>
               <a:tr h="427980">
                 <a:tc>
@@ -6662,7 +6658,6 @@
                         <a:rPr lang="en-US" dirty="0"/>
                         <a:t>Number</a:t>
                       </a:r>
-                      <a:endParaRPr lang="en-US" dirty="0"/>
                     </a:p>
                   </a:txBody>
                   <a:tcPr/>
@@ -6692,11 +6687,15 @@
                         <a:rPr lang="en-US" dirty="0"/>
                         <a:t>represents numeric values e.g. 100</a:t>
                       </a:r>
-                      <a:endParaRPr lang="en-US" dirty="0"/>
                     </a:p>
                   </a:txBody>
                   <a:tcPr/>
                 </a:tc>
+                <a:extLst>
+                  <a:ext uri="{0D108BD9-81ED-4DB2-BD59-A6C34878D82A}">
+                    <a16:rowId xmlns:a16="http://schemas.microsoft.com/office/drawing/2014/main" val="10002"/>
+                  </a:ext>
+                </a:extLst>
               </a:tr>
               <a:tr h="457710">
                 <a:tc>
@@ -6708,7 +6707,6 @@
                         <a:rPr lang="en-US" dirty="0"/>
                         <a:t>Boolean</a:t>
                       </a:r>
-                      <a:endParaRPr lang="en-US" dirty="0"/>
                     </a:p>
                   </a:txBody>
                   <a:tcPr/>
@@ -6746,11 +6744,15 @@
                         <a:rPr lang="en-US" dirty="0"/>
                         <a:t> value either false or true</a:t>
                       </a:r>
-                      <a:endParaRPr lang="en-US" dirty="0"/>
                     </a:p>
                   </a:txBody>
                   <a:tcPr/>
                 </a:tc>
+                <a:extLst>
+                  <a:ext uri="{0D108BD9-81ED-4DB2-BD59-A6C34878D82A}">
+                    <a16:rowId xmlns:a16="http://schemas.microsoft.com/office/drawing/2014/main" val="10003"/>
+                  </a:ext>
+                </a:extLst>
               </a:tr>
               <a:tr h="427980">
                 <a:tc>
@@ -6762,7 +6764,6 @@
                         <a:rPr lang="en-US" dirty="0"/>
                         <a:t>Undefined</a:t>
                       </a:r>
-                      <a:endParaRPr lang="en-US" dirty="0"/>
                     </a:p>
                   </a:txBody>
                   <a:tcPr/>
@@ -6792,11 +6793,15 @@
                         <a:rPr lang="en-US" dirty="0"/>
                         <a:t>represents undefined value</a:t>
                       </a:r>
-                      <a:endParaRPr lang="en-US" dirty="0"/>
                     </a:p>
                   </a:txBody>
                   <a:tcPr/>
                 </a:tc>
+                <a:extLst>
+                  <a:ext uri="{0D108BD9-81ED-4DB2-BD59-A6C34878D82A}">
+                    <a16:rowId xmlns:a16="http://schemas.microsoft.com/office/drawing/2014/main" val="10004"/>
+                  </a:ext>
+                </a:extLst>
               </a:tr>
               <a:tr h="427980">
                 <a:tc>
@@ -6808,7 +6813,6 @@
                         <a:rPr lang="en-US" dirty="0"/>
                         <a:t>Null</a:t>
                       </a:r>
-                      <a:endParaRPr lang="en-US" dirty="0"/>
                     </a:p>
                   </a:txBody>
                   <a:tcPr/>
@@ -6838,11 +6842,15 @@
                         <a:rPr lang="en-US" dirty="0"/>
                         <a:t>represents null i.e. no value at all</a:t>
                       </a:r>
-                      <a:endParaRPr lang="en-US" dirty="0"/>
                     </a:p>
                   </a:txBody>
                   <a:tcPr/>
                 </a:tc>
+                <a:extLst>
+                  <a:ext uri="{0D108BD9-81ED-4DB2-BD59-A6C34878D82A}">
+                    <a16:rowId xmlns:a16="http://schemas.microsoft.com/office/drawing/2014/main" val="10005"/>
+                  </a:ext>
+                </a:extLst>
               </a:tr>
               <a:tr h="427980">
                 <a:tc>
@@ -6900,11 +6908,15 @@
                         <a:rPr lang="en-US" dirty="0"/>
                         <a:t>(“543”)</a:t>
                       </a:r>
-                      <a:endParaRPr lang="en-US" dirty="0"/>
                     </a:p>
                   </a:txBody>
                   <a:tcPr/>
                 </a:tc>
+                <a:extLst>
+                  <a:ext uri="{0D108BD9-81ED-4DB2-BD59-A6C34878D82A}">
+                    <a16:rowId xmlns:a16="http://schemas.microsoft.com/office/drawing/2014/main" val="10006"/>
+                  </a:ext>
+                </a:extLst>
               </a:tr>
               <a:tr h="427980">
                 <a:tc>
@@ -6916,7 +6928,6 @@
                         <a:rPr lang="en-US" dirty="0"/>
                         <a:t>Symbol</a:t>
                       </a:r>
-                      <a:endParaRPr lang="en-US" dirty="0"/>
                     </a:p>
                   </a:txBody>
                   <a:tcPr/>
@@ -6970,11 +6981,15 @@
                         <a:rPr lang="en-US" dirty="0"/>
                         <a:t>”)</a:t>
                       </a:r>
-                      <a:endParaRPr lang="en-US" dirty="0"/>
                     </a:p>
                   </a:txBody>
                   <a:tcPr/>
                 </a:tc>
+                <a:extLst>
+                  <a:ext uri="{0D108BD9-81ED-4DB2-BD59-A6C34878D82A}">
+                    <a16:rowId xmlns:a16="http://schemas.microsoft.com/office/drawing/2014/main" val="10007"/>
+                  </a:ext>
+                </a:extLst>
               </a:tr>
             </a:tbl>
           </a:graphicData>
@@ -7028,7 +7043,6 @@
               <a:rPr lang="en-US" dirty="0"/>
               <a:t> Data Types</a:t>
             </a:r>
-            <a:endParaRPr lang="en-US" dirty="0"/>
           </a:p>
         </p:txBody>
       </p:sp>
@@ -7053,8 +7067,20 @@
                 <a:tableStyleId>{5C22544A-7EE6-4342-B048-85BDC9FD1C3A}</a:tableStyleId>
               </a:tblPr>
               <a:tblGrid>
-                <a:gridCol w="2060986"/>
-                <a:gridCol w="5970494"/>
+                <a:gridCol w="2060986">
+                  <a:extLst>
+                    <a:ext uri="{9D8B030D-6E8A-4147-A177-3AD203B41FA5}">
+                      <a16:colId xmlns:a16="http://schemas.microsoft.com/office/drawing/2014/main" val="20000"/>
+                    </a:ext>
+                  </a:extLst>
+                </a:gridCol>
+                <a:gridCol w="5970494">
+                  <a:extLst>
+                    <a:ext uri="{9D8B030D-6E8A-4147-A177-3AD203B41FA5}">
+                      <a16:colId xmlns:a16="http://schemas.microsoft.com/office/drawing/2014/main" val="20001"/>
+                    </a:ext>
+                  </a:extLst>
+                </a:gridCol>
               </a:tblGrid>
               <a:tr h="247957">
                 <a:tc>
@@ -7066,7 +7092,6 @@
                         <a:rPr lang="en-US" dirty="0"/>
                         <a:t>Data Type	</a:t>
                       </a:r>
-                      <a:endParaRPr lang="en-US" dirty="0"/>
                     </a:p>
                   </a:txBody>
                   <a:tcPr/>
@@ -7080,11 +7105,15 @@
                         <a:rPr lang="en-US" dirty="0"/>
                         <a:t>Description</a:t>
                       </a:r>
-                      <a:endParaRPr lang="en-US" dirty="0"/>
                     </a:p>
                   </a:txBody>
                   <a:tcPr/>
                 </a:tc>
+                <a:extLst>
+                  <a:ext uri="{0D108BD9-81ED-4DB2-BD59-A6C34878D82A}">
+                    <a16:rowId xmlns:a16="http://schemas.microsoft.com/office/drawing/2014/main" val="10000"/>
+                  </a:ext>
+                </a:extLst>
               </a:tr>
               <a:tr h="398201">
                 <a:tc>
@@ -7147,6 +7176,11 @@
                   </a:txBody>
                   <a:tcPr/>
                 </a:tc>
+                <a:extLst>
+                  <a:ext uri="{0D108BD9-81ED-4DB2-BD59-A6C34878D82A}">
+                    <a16:rowId xmlns:a16="http://schemas.microsoft.com/office/drawing/2014/main" val="10001"/>
+                  </a:ext>
+                </a:extLst>
               </a:tr>
               <a:tr h="427980">
                 <a:tc>
@@ -7209,6 +7243,11 @@
                   </a:txBody>
                   <a:tcPr/>
                 </a:tc>
+                <a:extLst>
+                  <a:ext uri="{0D108BD9-81ED-4DB2-BD59-A6C34878D82A}">
+                    <a16:rowId xmlns:a16="http://schemas.microsoft.com/office/drawing/2014/main" val="10002"/>
+                  </a:ext>
+                </a:extLst>
               </a:tr>
             </a:tbl>
           </a:graphicData>
@@ -7262,7 +7301,6 @@
               <a:rPr lang="en-US" dirty="0"/>
               <a:t> Data Types</a:t>
             </a:r>
-            <a:endParaRPr lang="en-US" dirty="0"/>
           </a:p>
         </p:txBody>
       </p:sp>
@@ -7287,8 +7325,20 @@
                 <a:tableStyleId>{5C22544A-7EE6-4342-B048-85BDC9FD1C3A}</a:tableStyleId>
               </a:tblPr>
               <a:tblGrid>
-                <a:gridCol w="2060986"/>
-                <a:gridCol w="5970494"/>
+                <a:gridCol w="2060986">
+                  <a:extLst>
+                    <a:ext uri="{9D8B030D-6E8A-4147-A177-3AD203B41FA5}">
+                      <a16:colId xmlns:a16="http://schemas.microsoft.com/office/drawing/2014/main" val="20000"/>
+                    </a:ext>
+                  </a:extLst>
+                </a:gridCol>
+                <a:gridCol w="5970494">
+                  <a:extLst>
+                    <a:ext uri="{9D8B030D-6E8A-4147-A177-3AD203B41FA5}">
+                      <a16:colId xmlns:a16="http://schemas.microsoft.com/office/drawing/2014/main" val="20001"/>
+                    </a:ext>
+                  </a:extLst>
+                </a:gridCol>
               </a:tblGrid>
               <a:tr h="247957">
                 <a:tc>
@@ -7300,7 +7350,6 @@
                         <a:rPr lang="en-US" dirty="0"/>
                         <a:t>Data Type	</a:t>
                       </a:r>
-                      <a:endParaRPr lang="en-US" dirty="0"/>
                     </a:p>
                   </a:txBody>
                   <a:tcPr/>
@@ -7314,11 +7363,15 @@
                         <a:rPr lang="en-US" dirty="0"/>
                         <a:t>Description</a:t>
                       </a:r>
-                      <a:endParaRPr lang="en-US" dirty="0"/>
                     </a:p>
                   </a:txBody>
                   <a:tcPr/>
                 </a:tc>
+                <a:extLst>
+                  <a:ext uri="{0D108BD9-81ED-4DB2-BD59-A6C34878D82A}">
+                    <a16:rowId xmlns:a16="http://schemas.microsoft.com/office/drawing/2014/main" val="10000"/>
+                  </a:ext>
+                </a:extLst>
               </a:tr>
               <a:tr h="398201">
                 <a:tc>
@@ -7381,6 +7434,11 @@
                   </a:txBody>
                   <a:tcPr/>
                 </a:tc>
+                <a:extLst>
+                  <a:ext uri="{0D108BD9-81ED-4DB2-BD59-A6C34878D82A}">
+                    <a16:rowId xmlns:a16="http://schemas.microsoft.com/office/drawing/2014/main" val="10001"/>
+                  </a:ext>
+                </a:extLst>
               </a:tr>
               <a:tr h="427980">
                 <a:tc>
@@ -7443,6 +7501,11 @@
                   </a:txBody>
                   <a:tcPr/>
                 </a:tc>
+                <a:extLst>
+                  <a:ext uri="{0D108BD9-81ED-4DB2-BD59-A6C34878D82A}">
+                    <a16:rowId xmlns:a16="http://schemas.microsoft.com/office/drawing/2014/main" val="10002"/>
+                  </a:ext>
+                </a:extLst>
               </a:tr>
             </a:tbl>
           </a:graphicData>
@@ -7496,7 +7559,6 @@
               <a:rPr lang="en-US" dirty="0"/>
               <a:t> Typed</a:t>
             </a:r>
-            <a:endParaRPr lang="en-US" dirty="0"/>
           </a:p>
         </p:txBody>
       </p:sp>
@@ -7536,7 +7598,6 @@
               <a:rPr lang="en-US" dirty="0"/>
               <a:t> typed language. This means that we do not have to specify the data type in advance unlike other languages like C++, Java C# etc.</a:t>
             </a:r>
-            <a:endParaRPr lang="en-US" dirty="0"/>
           </a:p>
           <a:p>
             <a:pPr marL="0" indent="0">
@@ -7546,7 +7607,6 @@
               <a:rPr lang="en-US" dirty="0"/>
               <a:t>Example –</a:t>
             </a:r>
-            <a:endParaRPr lang="en-US" dirty="0"/>
           </a:p>
           <a:p>
             <a:pPr marL="0" indent="0">
@@ -7556,7 +7616,6 @@
               <a:rPr lang="en-US" dirty="0"/>
               <a:t>var x;</a:t>
             </a:r>
-            <a:endParaRPr lang="en-US" dirty="0"/>
           </a:p>
           <a:p>
             <a:pPr marL="0" indent="0">
@@ -7566,7 +7625,6 @@
               <a:rPr lang="en-US" dirty="0"/>
               <a:t>x = 5;</a:t>
             </a:r>
-            <a:endParaRPr lang="en-US" dirty="0"/>
           </a:p>
           <a:p>
             <a:pPr marL="0" indent="0">
@@ -7576,7 +7634,6 @@
               <a:rPr lang="en-US" dirty="0"/>
               <a:t>In the above example we can see that we did not have to specify any data type for the variable x in advance.</a:t>
             </a:r>
-            <a:endParaRPr lang="en-US" dirty="0"/>
           </a:p>
         </p:txBody>
       </p:sp>
@@ -7624,7 +7681,6 @@
               <a:rPr lang="en-US" dirty="0"/>
               <a:t>Dynamically Typed</a:t>
             </a:r>
-            <a:endParaRPr lang="en-US" dirty="0"/>
           </a:p>
         </p:txBody>
       </p:sp>
@@ -7668,7 +7724,6 @@
               <a:rPr lang="en-US" dirty="0"/>
               <a:t>.</a:t>
             </a:r>
-            <a:endParaRPr lang="en-US" dirty="0"/>
           </a:p>
           <a:p>
             <a:pPr marL="0" indent="0">
@@ -7678,7 +7733,6 @@
               <a:rPr lang="en-US" dirty="0"/>
               <a:t>Example –</a:t>
             </a:r>
-            <a:endParaRPr lang="en-US" dirty="0"/>
           </a:p>
           <a:p>
             <a:pPr marL="0" indent="0">
@@ -7688,7 +7742,6 @@
               <a:rPr lang="en-US" dirty="0"/>
               <a:t>var num = 5; </a:t>
             </a:r>
-            <a:endParaRPr lang="en-US" dirty="0"/>
           </a:p>
           <a:p>
             <a:pPr marL="0" indent="0">
@@ -7698,7 +7751,6 @@
               <a:rPr lang="en-US" dirty="0"/>
               <a:t>num = "Simple Snippets";</a:t>
             </a:r>
-            <a:endParaRPr lang="en-US" dirty="0"/>
           </a:p>
           <a:p>
             <a:pPr marL="0" indent="0">
@@ -7708,7 +7760,6 @@
               <a:rPr lang="en-US" dirty="0"/>
               <a:t>In this example above, you can see that the data type of the variable num changes from number to string as we pass string data. This it is flexible in nature.</a:t>
             </a:r>
-            <a:endParaRPr lang="en-US" dirty="0"/>
           </a:p>
         </p:txBody>
       </p:sp>
@@ -7764,7 +7815,6 @@
               <a:rPr lang="en-US" dirty="0"/>
               <a:t>Datatype</a:t>
             </a:r>
-            <a:endParaRPr lang="en-US" dirty="0"/>
           </a:p>
         </p:txBody>
       </p:sp>
@@ -7799,21 +7849,18 @@
               <a:rPr lang="en-US" dirty="0"/>
               <a:t>An object or data is considered immutable if its state cannot be modified after it is created.</a:t>
             </a:r>
-            <a:endParaRPr lang="en-US" dirty="0"/>
           </a:p>
           <a:p>
             <a:r>
               <a:rPr lang="en-US" dirty="0"/>
               <a:t>Once an immutable object is created, any attempt to change its value or properties will result in the creation of a new object with the modified value, leaving the original object unchanged.</a:t>
             </a:r>
-            <a:endParaRPr lang="en-US" dirty="0"/>
           </a:p>
           <a:p>
             <a:r>
               <a:rPr lang="en-US" dirty="0"/>
               <a:t>Immutable objects are often preferred in certain scenarios, as they can lead to more predictable and safer code.</a:t>
             </a:r>
-            <a:endParaRPr lang="en-US" dirty="0"/>
           </a:p>
           <a:p>
             <a:r>
@@ -7828,7 +7875,6 @@
               <a:rPr lang="en-US" dirty="0"/>
               <a:t> values. Once created, you cannot change their values directly.</a:t>
             </a:r>
-            <a:endParaRPr lang="en-US" dirty="0"/>
           </a:p>
         </p:txBody>
       </p:sp>
@@ -7876,7 +7922,6 @@
               <a:rPr lang="en-US" dirty="0"/>
               <a:t>Immutable Datatype</a:t>
             </a:r>
-            <a:endParaRPr lang="en-US" dirty="0"/>
           </a:p>
         </p:txBody>
       </p:sp>
@@ -7911,14 +7956,12 @@
               <a:rPr lang="en-US" dirty="0"/>
               <a:t>Numbers: const num = 42;</a:t>
             </a:r>
-            <a:endParaRPr lang="en-US" dirty="0"/>
           </a:p>
           <a:p>
             <a:r>
               <a:rPr lang="en-US" dirty="0"/>
               <a:t>Strings: const message = "Hello";</a:t>
             </a:r>
-            <a:endParaRPr lang="en-US" dirty="0"/>
           </a:p>
           <a:p>
             <a:r>
@@ -7933,7 +7976,6 @@
               <a:rPr lang="en-US" dirty="0"/>
               <a:t> = true;</a:t>
             </a:r>
-            <a:endParaRPr lang="en-US" dirty="0"/>
           </a:p>
         </p:txBody>
       </p:sp>
@@ -7989,7 +8031,6 @@
               <a:rPr lang="en-US" dirty="0"/>
               <a:t>Datatype</a:t>
             </a:r>
-            <a:endParaRPr lang="en-US" dirty="0"/>
           </a:p>
         </p:txBody>
       </p:sp>
@@ -8024,28 +8065,24 @@
               <a:rPr lang="en-US" dirty="0"/>
               <a:t>A mutable object or data can be modified after its creation.</a:t>
             </a:r>
-            <a:endParaRPr lang="en-US" dirty="0"/>
           </a:p>
           <a:p>
             <a:r>
               <a:rPr lang="en-US" dirty="0"/>
               <a:t>Any changes made to a mutable object will directly affect its state, without creating a new object.</a:t>
             </a:r>
-            <a:endParaRPr lang="en-US" dirty="0"/>
           </a:p>
           <a:p>
             <a:r>
               <a:rPr lang="en-US" dirty="0"/>
               <a:t>Mutable objects can be modified in place, which means the same object can be changed with new values or properties.</a:t>
             </a:r>
-            <a:endParaRPr lang="en-US" dirty="0"/>
           </a:p>
           <a:p>
             <a:r>
               <a:rPr lang="en-US" dirty="0"/>
               <a:t>Examples of mutable data types in JavaScript include objects and arrays. You can add, remove, or modify their properties or elements directly.</a:t>
             </a:r>
-            <a:endParaRPr lang="en-US" dirty="0"/>
           </a:p>
         </p:txBody>
       </p:sp>
@@ -8101,7 +8138,6 @@
               <a:rPr lang="en-US" dirty="0"/>
               <a:t>Datatype</a:t>
             </a:r>
-            <a:endParaRPr lang="en-US" dirty="0"/>
           </a:p>
         </p:txBody>
       </p:sp>
@@ -8136,7 +8172,6 @@
               <a:rPr lang="en-US" dirty="0"/>
               <a:t>Object: const person = {</a:t>
             </a:r>
-            <a:endParaRPr lang="en-US" dirty="0"/>
           </a:p>
           <a:p>
             <a:pPr marL="0" indent="0">
@@ -8146,7 +8181,6 @@
               <a:rPr lang="en-US" dirty="0"/>
               <a:t> name: "John",</a:t>
             </a:r>
-            <a:endParaRPr lang="en-US" dirty="0"/>
           </a:p>
           <a:p>
             <a:pPr marL="0" indent="0">
@@ -8156,7 +8190,6 @@
               <a:rPr lang="en-US" dirty="0"/>
               <a:t>age: 30,</a:t>
             </a:r>
-            <a:endParaRPr lang="en-US" dirty="0"/>
           </a:p>
           <a:p>
             <a:pPr marL="0" indent="0">
@@ -8166,17 +8199,19 @@
               <a:rPr lang="en-US" dirty="0"/>
               <a:t>};</a:t>
             </a:r>
-            <a:endParaRPr lang="en-US" dirty="0"/>
           </a:p>
           <a:p>
             <a:pPr marL="0" indent="0">
               <a:buNone/>
             </a:pPr>
             <a:r>
-              <a:rPr lang="en-US" dirty="0"/>
-              <a:t>a=”Ram”</a:t>
-            </a:r>
-            <a:endParaRPr lang="en-US" dirty="0"/>
+              <a:rPr lang="en-US"/>
+              <a:t>person.name</a:t>
+            </a:r>
+            <a:r>
+              <a:rPr lang="en-US" dirty="0"/>
+              <a:t>=”Ram”</a:t>
+            </a:r>
           </a:p>
           <a:p>
             <a:pPr marL="0" indent="0">
@@ -8186,14 +8221,12 @@
               <a:rPr lang="en-US" dirty="0"/>
               <a:t>document.write(a.toUpperCase())</a:t>
             </a:r>
-            <a:endParaRPr lang="en-US" dirty="0"/>
           </a:p>
           <a:p>
             <a:r>
               <a:rPr lang="en-US" dirty="0"/>
               <a:t>Array : const numbers = [1, 2, 3, 4, 5];</a:t>
             </a:r>
-            <a:endParaRPr lang="en-US" dirty="0"/>
           </a:p>
         </p:txBody>
       </p:sp>
@@ -8242,7 +8275,6 @@
               <a:rPr lang="en-US" dirty="0"/>
               <a:t>Variable Scope</a:t>
             </a:r>
-            <a:endParaRPr lang="en-US" dirty="0"/>
           </a:p>
         </p:txBody>
       </p:sp>
@@ -8271,7 +8303,6 @@
               <a:rPr lang="en-US" dirty="0"/>
               <a:t>– Scope outside the outermost function(we will discuss functions in detail in other article) attached to Window.</a:t>
             </a:r>
-            <a:endParaRPr lang="en-US" dirty="0"/>
           </a:p>
           <a:p>
             <a:r>
@@ -8282,7 +8313,6 @@
               <a:rPr lang="en-US" dirty="0"/>
               <a:t>– Inside the function being executed.</a:t>
             </a:r>
-            <a:endParaRPr lang="en-US" dirty="0"/>
           </a:p>
         </p:txBody>
       </p:sp>
@@ -8330,7 +8360,6 @@
               <a:rPr lang="en-US" dirty="0"/>
               <a:t>Introduction</a:t>
             </a:r>
-            <a:endParaRPr lang="en-US" dirty="0"/>
           </a:p>
         </p:txBody>
       </p:sp>
@@ -8345,7 +8374,7 @@
           </p:nvPr>
         </p:nvPicPr>
         <p:blipFill rotWithShape="1">
-          <a:blip r:embed="rId1"/>
+          <a:blip r:embed="rId2"/>
           <a:srcRect t="3572"/>
           <a:stretch>
             <a:fillRect/>
@@ -8406,7 +8435,6 @@
               <a:rPr lang="en-US" dirty="0"/>
               <a:t>Variable Scope</a:t>
             </a:r>
-            <a:endParaRPr lang="en-US" dirty="0"/>
           </a:p>
         </p:txBody>
       </p:sp>
@@ -8442,7 +8470,6 @@
               <a:rPr lang="en-US" dirty="0"/>
               <a:t> = "This is a global variable"; </a:t>
             </a:r>
-            <a:endParaRPr lang="en-US" dirty="0"/>
           </a:p>
           <a:p>
             <a:pPr marL="0" indent="0">
@@ -8452,7 +8479,6 @@
               <a:rPr lang="en-US" dirty="0"/>
               <a:t>function fun() { </a:t>
             </a:r>
-            <a:endParaRPr lang="en-US" dirty="0"/>
           </a:p>
           <a:p>
             <a:pPr marL="0" indent="0">
@@ -8470,7 +8496,6 @@
               <a:rPr lang="en-US" dirty="0"/>
               <a:t> = "This is a local variable"; </a:t>
             </a:r>
-            <a:endParaRPr lang="en-US" dirty="0"/>
           </a:p>
           <a:p>
             <a:pPr marL="0" indent="0">
@@ -8488,7 +8513,6 @@
               <a:rPr lang="en-US" dirty="0"/>
               <a:t>); </a:t>
             </a:r>
-            <a:endParaRPr lang="en-US" dirty="0"/>
           </a:p>
           <a:p>
             <a:pPr marL="0" indent="0">
@@ -8506,7 +8530,6 @@
               <a:rPr lang="en-US" dirty="0"/>
               <a:t>); </a:t>
             </a:r>
-            <a:endParaRPr lang="en-US" dirty="0"/>
           </a:p>
           <a:p>
             <a:pPr marL="0" indent="0">
@@ -8516,7 +8539,6 @@
               <a:rPr lang="en-US" dirty="0"/>
               <a:t>} </a:t>
             </a:r>
-            <a:endParaRPr lang="en-US" dirty="0"/>
           </a:p>
           <a:p>
             <a:pPr marL="0" indent="0">
@@ -8526,7 +8548,6 @@
               <a:rPr lang="en-US" dirty="0"/>
               <a:t>fun();</a:t>
             </a:r>
-            <a:endParaRPr lang="en-US" dirty="0"/>
           </a:p>
           <a:p>
             <a:pPr marL="0" indent="0">
@@ -8544,7 +8565,6 @@
               <a:rPr lang="en-US" dirty="0"/>
               <a:t>); </a:t>
             </a:r>
-            <a:endParaRPr lang="en-US" dirty="0"/>
           </a:p>
           <a:p>
             <a:pPr marL="0" indent="0">
@@ -8599,7 +8619,6 @@
               <a:rPr lang="en-US" dirty="0"/>
               <a:t>Variable Scope</a:t>
             </a:r>
-            <a:endParaRPr lang="en-US" dirty="0"/>
           </a:p>
         </p:txBody>
       </p:sp>
@@ -8627,7 +8646,6 @@
               <a:rPr lang="en-US" b="1" dirty="0"/>
               <a:t>Output:</a:t>
             </a:r>
-            <a:endParaRPr lang="en-US" b="1" dirty="0"/>
           </a:p>
           <a:p>
             <a:pPr marL="0" indent="0">
@@ -8637,7 +8655,6 @@
               <a:rPr lang="en-US" dirty="0"/>
               <a:t>This is a global variable</a:t>
             </a:r>
-            <a:endParaRPr lang="en-US" dirty="0"/>
           </a:p>
           <a:p>
             <a:pPr marL="0" indent="0">
@@ -8647,7 +8664,6 @@
               <a:rPr lang="en-US" dirty="0"/>
               <a:t>This is a local variable</a:t>
             </a:r>
-            <a:endParaRPr lang="en-US" dirty="0"/>
           </a:p>
           <a:p>
             <a:pPr marL="0" indent="0">
@@ -8665,7 +8681,6 @@
               <a:rPr lang="en-US" dirty="0"/>
               <a:t> is not defined</a:t>
             </a:r>
-            <a:endParaRPr lang="en-US" dirty="0"/>
           </a:p>
         </p:txBody>
       </p:sp>
@@ -8696,36 +8711,18 @@
       </p:grpSpPr>
       <p:sp>
         <p:nvSpPr>
-          <p:cNvPr id="2" name="Title 1"/>
+          <p:cNvPr id="2" name="Title 1">
+            <a:extLst>
+              <a:ext uri="{FF2B5EF4-FFF2-40B4-BE49-F238E27FC236}">
+                <a16:creationId xmlns:a16="http://schemas.microsoft.com/office/drawing/2014/main" id="{7D3AE10A-7684-44C2-8BFF-60FDDCD19BB7}"/>
+              </a:ext>
+            </a:extLst>
+          </p:cNvPr>
           <p:cNvSpPr>
             <a:spLocks noGrp="1"/>
           </p:cNvSpPr>
           <p:nvPr>
             <p:ph type="title"/>
-          </p:nvPr>
-        </p:nvSpPr>
-        <p:spPr/>
-        <p:txBody>
-          <a:bodyPr/>
-          <a:lstStyle/>
-          <a:p>
-            <a:pPr fontAlgn="base"/>
-            <a:r>
-              <a:rPr lang="en-US" dirty="0"/>
-              <a:t>Bibliography</a:t>
-            </a:r>
-            <a:endParaRPr lang="en-US" dirty="0"/>
-          </a:p>
-        </p:txBody>
-      </p:sp>
-      <p:sp>
-        <p:nvSpPr>
-          <p:cNvPr id="5" name="Content Placeholder 4"/>
-          <p:cNvSpPr>
-            <a:spLocks noGrp="1"/>
-          </p:cNvSpPr>
-          <p:nvPr>
-            <p:ph idx="1"/>
           </p:nvPr>
         </p:nvSpPr>
         <p:spPr/>
@@ -8735,18 +8732,1040 @@
           </a:bodyPr>
           <a:lstStyle/>
           <a:p>
-            <a:pPr marL="0" indent="0">
-              <a:buNone/>
-            </a:pPr>
-            <a:r>
-              <a:rPr lang="en-US" dirty="0"/>
-              <a:t>“JavaScript Variables &amp; Data Types - Simple Snippets.” Simple Snippets, https://www.facebook.com/simplesnippets/, 11 Oct. 2018, https://simplesnippets.tech/javascript-variables-data-types/.</a:t>
-            </a:r>
-            <a:endParaRPr lang="en-US" dirty="0"/>
-          </a:p>
-        </p:txBody>
-      </p:sp>
+            <a:r>
+              <a:rPr lang="en-US" dirty="0"/>
+              <a:t>Arithmetic Operators</a:t>
+            </a:r>
+          </a:p>
+        </p:txBody>
+      </p:sp>
+      <p:graphicFrame>
+        <p:nvGraphicFramePr>
+          <p:cNvPr id="4" name="Content Placeholder 3">
+            <a:extLst>
+              <a:ext uri="{FF2B5EF4-FFF2-40B4-BE49-F238E27FC236}">
+                <a16:creationId xmlns:a16="http://schemas.microsoft.com/office/drawing/2014/main" id="{22DCC7A5-E44F-45A5-A2E8-247B5EE8316A}"/>
+              </a:ext>
+            </a:extLst>
+          </p:cNvPr>
+          <p:cNvGraphicFramePr>
+            <a:graphicFrameLocks noGrp="1"/>
+          </p:cNvGraphicFramePr>
+          <p:nvPr>
+            <p:ph idx="1"/>
+            <p:extLst>
+              <p:ext uri="{D42A27DB-BD31-4B8C-83A1-F6EECF244321}">
+                <p14:modId xmlns:p14="http://schemas.microsoft.com/office/powerpoint/2010/main" val="17278452"/>
+              </p:ext>
+            </p:extLst>
+          </p:nvPr>
+        </p:nvGraphicFramePr>
+        <p:xfrm>
+          <a:off x="1295400" y="2534919"/>
+          <a:ext cx="9601200" cy="3596640"/>
+        </p:xfrm>
+        <a:graphic>
+          <a:graphicData uri="http://schemas.openxmlformats.org/drawingml/2006/table">
+            <a:tbl>
+              <a:tblPr firstRow="1" bandRow="1">
+                <a:tableStyleId>{5C22544A-7EE6-4342-B048-85BDC9FD1C3A}</a:tableStyleId>
+              </a:tblPr>
+              <a:tblGrid>
+                <a:gridCol w="4800600">
+                  <a:extLst>
+                    <a:ext uri="{9D8B030D-6E8A-4147-A177-3AD203B41FA5}">
+                      <a16:colId xmlns:a16="http://schemas.microsoft.com/office/drawing/2014/main" val="2397726948"/>
+                    </a:ext>
+                  </a:extLst>
+                </a:gridCol>
+                <a:gridCol w="4800600">
+                  <a:extLst>
+                    <a:ext uri="{9D8B030D-6E8A-4147-A177-3AD203B41FA5}">
+                      <a16:colId xmlns:a16="http://schemas.microsoft.com/office/drawing/2014/main" val="3834683194"/>
+                    </a:ext>
+                  </a:extLst>
+                </a:gridCol>
+              </a:tblGrid>
+              <a:tr h="0">
+                <a:tc>
+                  <a:txBody>
+                    <a:bodyPr/>
+                    <a:lstStyle/>
+                    <a:p>
+                      <a:pPr algn="l" fontAlgn="t"/>
+                      <a:r>
+                        <a:rPr lang="en-US" dirty="0">
+                          <a:effectLst/>
+                        </a:rPr>
+                        <a:t>Operator</a:t>
+                      </a:r>
+                    </a:p>
+                  </a:txBody>
+                  <a:tcPr marL="152400" marR="76200" marT="76200" marB="76200"/>
+                </a:tc>
+                <a:tc>
+                  <a:txBody>
+                    <a:bodyPr/>
+                    <a:lstStyle/>
+                    <a:p>
+                      <a:pPr algn="l" fontAlgn="t"/>
+                      <a:r>
+                        <a:rPr lang="en-US">
+                          <a:effectLst/>
+                        </a:rPr>
+                        <a:t>Description</a:t>
+                      </a:r>
+                    </a:p>
+                  </a:txBody>
+                  <a:tcPr marL="76200" marR="76200" marT="76200" marB="76200"/>
+                </a:tc>
+                <a:extLst>
+                  <a:ext uri="{0D108BD9-81ED-4DB2-BD59-A6C34878D82A}">
+                    <a16:rowId xmlns:a16="http://schemas.microsoft.com/office/drawing/2014/main" val="3067269666"/>
+                  </a:ext>
+                </a:extLst>
+              </a:tr>
+              <a:tr h="366395">
+                <a:tc>
+                  <a:txBody>
+                    <a:bodyPr/>
+                    <a:lstStyle/>
+                    <a:p>
+                      <a:pPr algn="l" fontAlgn="t"/>
+                      <a:r>
+                        <a:rPr lang="en-US" sz="1600">
+                          <a:solidFill>
+                            <a:schemeClr val="tx1"/>
+                          </a:solidFill>
+                          <a:effectLst/>
+                        </a:rPr>
+                        <a:t>+</a:t>
+                      </a:r>
+                    </a:p>
+                  </a:txBody>
+                  <a:tcPr marL="152400" marR="76200" marT="76200" marB="76200"/>
+                </a:tc>
+                <a:tc>
+                  <a:txBody>
+                    <a:bodyPr/>
+                    <a:lstStyle/>
+                    <a:p>
+                      <a:pPr algn="l" fontAlgn="t"/>
+                      <a:r>
+                        <a:rPr lang="en-US" sz="1600" dirty="0">
+                          <a:solidFill>
+                            <a:schemeClr val="tx1"/>
+                          </a:solidFill>
+                          <a:effectLst/>
+                        </a:rPr>
+                        <a:t>Addition</a:t>
+                      </a:r>
+                    </a:p>
+                  </a:txBody>
+                  <a:tcPr marL="76200" marR="76200" marT="76200" marB="76200"/>
+                </a:tc>
+                <a:extLst>
+                  <a:ext uri="{0D108BD9-81ED-4DB2-BD59-A6C34878D82A}">
+                    <a16:rowId xmlns:a16="http://schemas.microsoft.com/office/drawing/2014/main" val="1298894319"/>
+                  </a:ext>
+                </a:extLst>
+              </a:tr>
+              <a:tr h="366395">
+                <a:tc>
+                  <a:txBody>
+                    <a:bodyPr/>
+                    <a:lstStyle/>
+                    <a:p>
+                      <a:pPr algn="l" fontAlgn="t"/>
+                      <a:r>
+                        <a:rPr lang="en-US" sz="1600" dirty="0">
+                          <a:solidFill>
+                            <a:schemeClr val="tx1"/>
+                          </a:solidFill>
+                          <a:effectLst/>
+                        </a:rPr>
+                        <a:t>-</a:t>
+                      </a:r>
+                    </a:p>
+                  </a:txBody>
+                  <a:tcPr marL="152400" marR="76200" marT="76200" marB="76200"/>
+                </a:tc>
+                <a:tc>
+                  <a:txBody>
+                    <a:bodyPr/>
+                    <a:lstStyle/>
+                    <a:p>
+                      <a:pPr algn="l" fontAlgn="t"/>
+                      <a:r>
+                        <a:rPr lang="en-US" sz="1600" dirty="0">
+                          <a:solidFill>
+                            <a:schemeClr val="tx1"/>
+                          </a:solidFill>
+                          <a:effectLst/>
+                        </a:rPr>
+                        <a:t>Subtraction</a:t>
+                      </a:r>
+                    </a:p>
+                  </a:txBody>
+                  <a:tcPr marL="76200" marR="76200" marT="76200" marB="76200"/>
+                </a:tc>
+                <a:extLst>
+                  <a:ext uri="{0D108BD9-81ED-4DB2-BD59-A6C34878D82A}">
+                    <a16:rowId xmlns:a16="http://schemas.microsoft.com/office/drawing/2014/main" val="2506882415"/>
+                  </a:ext>
+                </a:extLst>
+              </a:tr>
+              <a:tr h="366395">
+                <a:tc>
+                  <a:txBody>
+                    <a:bodyPr/>
+                    <a:lstStyle/>
+                    <a:p>
+                      <a:pPr algn="l" fontAlgn="t"/>
+                      <a:r>
+                        <a:rPr lang="en-US" sz="1600" dirty="0">
+                          <a:solidFill>
+                            <a:schemeClr val="tx1"/>
+                          </a:solidFill>
+                          <a:effectLst/>
+                        </a:rPr>
+                        <a:t>*</a:t>
+                      </a:r>
+                    </a:p>
+                  </a:txBody>
+                  <a:tcPr marL="152400" marR="76200" marT="76200" marB="76200"/>
+                </a:tc>
+                <a:tc>
+                  <a:txBody>
+                    <a:bodyPr/>
+                    <a:lstStyle/>
+                    <a:p>
+                      <a:pPr algn="l" fontAlgn="t"/>
+                      <a:r>
+                        <a:rPr lang="en-US" sz="1600" dirty="0">
+                          <a:solidFill>
+                            <a:schemeClr val="tx1"/>
+                          </a:solidFill>
+                          <a:effectLst/>
+                        </a:rPr>
+                        <a:t>Multiplication</a:t>
+                      </a:r>
+                    </a:p>
+                  </a:txBody>
+                  <a:tcPr marL="76200" marR="76200" marT="76200" marB="76200"/>
+                </a:tc>
+                <a:extLst>
+                  <a:ext uri="{0D108BD9-81ED-4DB2-BD59-A6C34878D82A}">
+                    <a16:rowId xmlns:a16="http://schemas.microsoft.com/office/drawing/2014/main" val="2234549833"/>
+                  </a:ext>
+                </a:extLst>
+              </a:tr>
+              <a:tr h="366395">
+                <a:tc>
+                  <a:txBody>
+                    <a:bodyPr/>
+                    <a:lstStyle/>
+                    <a:p>
+                      <a:pPr algn="l" fontAlgn="t"/>
+                      <a:r>
+                        <a:rPr lang="en-US" sz="1600" dirty="0">
+                          <a:solidFill>
+                            <a:schemeClr val="tx1"/>
+                          </a:solidFill>
+                          <a:effectLst/>
+                        </a:rPr>
+                        <a:t>**</a:t>
+                      </a:r>
+                    </a:p>
+                  </a:txBody>
+                  <a:tcPr marL="152400" marR="76200" marT="76200" marB="76200"/>
+                </a:tc>
+                <a:tc>
+                  <a:txBody>
+                    <a:bodyPr/>
+                    <a:lstStyle/>
+                    <a:p>
+                      <a:pPr algn="l" fontAlgn="t"/>
+                      <a:r>
+                        <a:rPr lang="en-US" sz="1600" dirty="0">
+                          <a:solidFill>
+                            <a:schemeClr val="tx1"/>
+                          </a:solidFill>
+                          <a:effectLst/>
+                        </a:rPr>
+                        <a:t>Exponentiation (</a:t>
+                      </a:r>
+                      <a:r>
+                        <a:rPr lang="en-US" sz="1600" dirty="0">
+                          <a:solidFill>
+                            <a:schemeClr val="tx1"/>
+                          </a:solidFill>
+                          <a:effectLst/>
+                          <a:hlinkClick r:id="rId2">
+                            <a:extLst>
+                              <a:ext uri="{A12FA001-AC4F-418D-AE19-62706E023703}">
+                                <ahyp:hlinkClr xmlns:ahyp="http://schemas.microsoft.com/office/drawing/2018/hyperlinkcolor" val="tx"/>
+                              </a:ext>
+                            </a:extLst>
+                          </a:hlinkClick>
+                        </a:rPr>
+                        <a:t>ES2016</a:t>
+                      </a:r>
+                      <a:r>
+                        <a:rPr lang="en-US" sz="1600" dirty="0">
+                          <a:solidFill>
+                            <a:schemeClr val="tx1"/>
+                          </a:solidFill>
+                          <a:effectLst/>
+                        </a:rPr>
+                        <a:t>)</a:t>
+                      </a:r>
+                    </a:p>
+                  </a:txBody>
+                  <a:tcPr marL="76200" marR="76200" marT="76200" marB="76200"/>
+                </a:tc>
+                <a:extLst>
+                  <a:ext uri="{0D108BD9-81ED-4DB2-BD59-A6C34878D82A}">
+                    <a16:rowId xmlns:a16="http://schemas.microsoft.com/office/drawing/2014/main" val="528236293"/>
+                  </a:ext>
+                </a:extLst>
+              </a:tr>
+              <a:tr h="366395">
+                <a:tc>
+                  <a:txBody>
+                    <a:bodyPr/>
+                    <a:lstStyle/>
+                    <a:p>
+                      <a:pPr algn="l" fontAlgn="t"/>
+                      <a:r>
+                        <a:rPr lang="en-US" sz="1600" dirty="0">
+                          <a:solidFill>
+                            <a:schemeClr val="tx1"/>
+                          </a:solidFill>
+                          <a:effectLst/>
+                        </a:rPr>
+                        <a:t>/</a:t>
+                      </a:r>
+                    </a:p>
+                  </a:txBody>
+                  <a:tcPr marL="152400" marR="76200" marT="76200" marB="76200"/>
+                </a:tc>
+                <a:tc>
+                  <a:txBody>
+                    <a:bodyPr/>
+                    <a:lstStyle/>
+                    <a:p>
+                      <a:pPr algn="l" fontAlgn="t"/>
+                      <a:r>
+                        <a:rPr lang="en-US" sz="1600" dirty="0">
+                          <a:solidFill>
+                            <a:schemeClr val="tx1"/>
+                          </a:solidFill>
+                          <a:effectLst/>
+                        </a:rPr>
+                        <a:t>Division</a:t>
+                      </a:r>
+                    </a:p>
+                  </a:txBody>
+                  <a:tcPr marL="76200" marR="76200" marT="76200" marB="76200"/>
+                </a:tc>
+                <a:extLst>
+                  <a:ext uri="{0D108BD9-81ED-4DB2-BD59-A6C34878D82A}">
+                    <a16:rowId xmlns:a16="http://schemas.microsoft.com/office/drawing/2014/main" val="4255088044"/>
+                  </a:ext>
+                </a:extLst>
+              </a:tr>
+              <a:tr h="366395">
+                <a:tc>
+                  <a:txBody>
+                    <a:bodyPr/>
+                    <a:lstStyle/>
+                    <a:p>
+                      <a:pPr algn="l" fontAlgn="t"/>
+                      <a:r>
+                        <a:rPr lang="en-US" sz="1600" dirty="0">
+                          <a:solidFill>
+                            <a:schemeClr val="tx1"/>
+                          </a:solidFill>
+                          <a:effectLst/>
+                        </a:rPr>
+                        <a:t>%</a:t>
+                      </a:r>
+                    </a:p>
+                  </a:txBody>
+                  <a:tcPr marL="152400" marR="76200" marT="76200" marB="76200"/>
+                </a:tc>
+                <a:tc>
+                  <a:txBody>
+                    <a:bodyPr/>
+                    <a:lstStyle/>
+                    <a:p>
+                      <a:pPr algn="l" fontAlgn="t"/>
+                      <a:r>
+                        <a:rPr lang="en-US" sz="1600" dirty="0">
+                          <a:solidFill>
+                            <a:schemeClr val="tx1"/>
+                          </a:solidFill>
+                          <a:effectLst/>
+                        </a:rPr>
+                        <a:t>Modulus (Division Remainder)</a:t>
+                      </a:r>
+                    </a:p>
+                  </a:txBody>
+                  <a:tcPr marL="76200" marR="76200" marT="76200" marB="76200"/>
+                </a:tc>
+                <a:extLst>
+                  <a:ext uri="{0D108BD9-81ED-4DB2-BD59-A6C34878D82A}">
+                    <a16:rowId xmlns:a16="http://schemas.microsoft.com/office/drawing/2014/main" val="3238628781"/>
+                  </a:ext>
+                </a:extLst>
+              </a:tr>
+              <a:tr h="366395">
+                <a:tc>
+                  <a:txBody>
+                    <a:bodyPr/>
+                    <a:lstStyle/>
+                    <a:p>
+                      <a:pPr algn="l" fontAlgn="t"/>
+                      <a:r>
+                        <a:rPr lang="en-US" sz="1600">
+                          <a:effectLst/>
+                        </a:rPr>
+                        <a:t>++</a:t>
+                      </a:r>
+                    </a:p>
+                  </a:txBody>
+                  <a:tcPr marL="152400" marR="76200" marT="76200" marB="76200"/>
+                </a:tc>
+                <a:tc>
+                  <a:txBody>
+                    <a:bodyPr/>
+                    <a:lstStyle/>
+                    <a:p>
+                      <a:pPr algn="l" fontAlgn="t"/>
+                      <a:r>
+                        <a:rPr lang="en-US" sz="1600" dirty="0">
+                          <a:effectLst/>
+                        </a:rPr>
+                        <a:t>Increment</a:t>
+                      </a:r>
+                    </a:p>
+                  </a:txBody>
+                  <a:tcPr marL="76200" marR="76200" marT="76200" marB="76200"/>
+                </a:tc>
+                <a:extLst>
+                  <a:ext uri="{0D108BD9-81ED-4DB2-BD59-A6C34878D82A}">
+                    <a16:rowId xmlns:a16="http://schemas.microsoft.com/office/drawing/2014/main" val="4291116926"/>
+                  </a:ext>
+                </a:extLst>
+              </a:tr>
+              <a:tr h="366395">
+                <a:tc>
+                  <a:txBody>
+                    <a:bodyPr/>
+                    <a:lstStyle/>
+                    <a:p>
+                      <a:pPr algn="l" fontAlgn="t"/>
+                      <a:r>
+                        <a:rPr lang="en-US" sz="1600">
+                          <a:effectLst/>
+                        </a:rPr>
+                        <a:t>--</a:t>
+                      </a:r>
+                    </a:p>
+                  </a:txBody>
+                  <a:tcPr marL="152400" marR="76200" marT="76200" marB="76200"/>
+                </a:tc>
+                <a:tc>
+                  <a:txBody>
+                    <a:bodyPr/>
+                    <a:lstStyle/>
+                    <a:p>
+                      <a:pPr algn="l" fontAlgn="t"/>
+                      <a:r>
+                        <a:rPr lang="en-US" sz="1600" dirty="0">
+                          <a:effectLst/>
+                        </a:rPr>
+                        <a:t>Decrement</a:t>
+                      </a:r>
+                    </a:p>
+                  </a:txBody>
+                  <a:tcPr marL="76200" marR="76200" marT="76200" marB="76200"/>
+                </a:tc>
+                <a:extLst>
+                  <a:ext uri="{0D108BD9-81ED-4DB2-BD59-A6C34878D82A}">
+                    <a16:rowId xmlns:a16="http://schemas.microsoft.com/office/drawing/2014/main" val="4250426417"/>
+                  </a:ext>
+                </a:extLst>
+              </a:tr>
+            </a:tbl>
+          </a:graphicData>
+        </a:graphic>
+      </p:graphicFrame>
     </p:spTree>
+    <p:extLst>
+      <p:ext uri="{BB962C8B-B14F-4D97-AF65-F5344CB8AC3E}">
+        <p14:creationId xmlns:p14="http://schemas.microsoft.com/office/powerpoint/2010/main" val="2614634655"/>
+      </p:ext>
+    </p:extLst>
+  </p:cSld>
+  <p:clrMapOvr>
+    <a:masterClrMapping/>
+  </p:clrMapOvr>
+</p:sld>
+</file>
+
+<file path=ppt/slides/slide23.xml><?xml version="1.0" encoding="utf-8"?>
+<p:sld xmlns:a="http://schemas.openxmlformats.org/drawingml/2006/main" xmlns:r="http://schemas.openxmlformats.org/officeDocument/2006/relationships" xmlns:p="http://schemas.openxmlformats.org/presentationml/2006/main">
+  <p:cSld>
+    <p:spTree>
+      <p:nvGrpSpPr>
+        <p:cNvPr id="1" name=""/>
+        <p:cNvGrpSpPr/>
+        <p:nvPr/>
+      </p:nvGrpSpPr>
+      <p:grpSpPr>
+        <a:xfrm>
+          <a:off x="0" y="0"/>
+          <a:ext cx="0" cy="0"/>
+          <a:chOff x="0" y="0"/>
+          <a:chExt cx="0" cy="0"/>
+        </a:xfrm>
+      </p:grpSpPr>
+      <p:sp>
+        <p:nvSpPr>
+          <p:cNvPr id="2" name="Title 1">
+            <a:extLst>
+              <a:ext uri="{FF2B5EF4-FFF2-40B4-BE49-F238E27FC236}">
+                <a16:creationId xmlns:a16="http://schemas.microsoft.com/office/drawing/2014/main" id="{7D3AE10A-7684-44C2-8BFF-60FDDCD19BB7}"/>
+              </a:ext>
+            </a:extLst>
+          </p:cNvPr>
+          <p:cNvSpPr>
+            <a:spLocks noGrp="1"/>
+          </p:cNvSpPr>
+          <p:nvPr>
+            <p:ph type="title"/>
+          </p:nvPr>
+        </p:nvSpPr>
+        <p:spPr/>
+        <p:txBody>
+          <a:bodyPr>
+            <a:normAutofit/>
+          </a:bodyPr>
+          <a:lstStyle/>
+          <a:p>
+            <a:r>
+              <a:rPr lang="en-US" dirty="0"/>
+              <a:t>Assignment Operators</a:t>
+            </a:r>
+          </a:p>
+        </p:txBody>
+      </p:sp>
+      <p:graphicFrame>
+        <p:nvGraphicFramePr>
+          <p:cNvPr id="4" name="Content Placeholder 3">
+            <a:extLst>
+              <a:ext uri="{FF2B5EF4-FFF2-40B4-BE49-F238E27FC236}">
+                <a16:creationId xmlns:a16="http://schemas.microsoft.com/office/drawing/2014/main" id="{22DCC7A5-E44F-45A5-A2E8-247B5EE8316A}"/>
+              </a:ext>
+            </a:extLst>
+          </p:cNvPr>
+          <p:cNvGraphicFramePr>
+            <a:graphicFrameLocks noGrp="1"/>
+          </p:cNvGraphicFramePr>
+          <p:nvPr>
+            <p:ph idx="1"/>
+            <p:extLst>
+              <p:ext uri="{D42A27DB-BD31-4B8C-83A1-F6EECF244321}">
+                <p14:modId xmlns:p14="http://schemas.microsoft.com/office/powerpoint/2010/main" val="904126910"/>
+              </p:ext>
+            </p:extLst>
+          </p:nvPr>
+        </p:nvGraphicFramePr>
+        <p:xfrm>
+          <a:off x="1500187" y="2534919"/>
+          <a:ext cx="9396413" cy="3413760"/>
+        </p:xfrm>
+        <a:graphic>
+          <a:graphicData uri="http://schemas.openxmlformats.org/drawingml/2006/table">
+            <a:tbl>
+              <a:tblPr firstRow="1" bandRow="1">
+                <a:tableStyleId>{5C22544A-7EE6-4342-B048-85BDC9FD1C3A}</a:tableStyleId>
+              </a:tblPr>
+              <a:tblGrid>
+                <a:gridCol w="2995613">
+                  <a:extLst>
+                    <a:ext uri="{9D8B030D-6E8A-4147-A177-3AD203B41FA5}">
+                      <a16:colId xmlns:a16="http://schemas.microsoft.com/office/drawing/2014/main" val="2397726948"/>
+                    </a:ext>
+                  </a:extLst>
+                </a:gridCol>
+                <a:gridCol w="3200400">
+                  <a:extLst>
+                    <a:ext uri="{9D8B030D-6E8A-4147-A177-3AD203B41FA5}">
+                      <a16:colId xmlns:a16="http://schemas.microsoft.com/office/drawing/2014/main" val="3834683194"/>
+                    </a:ext>
+                  </a:extLst>
+                </a:gridCol>
+                <a:gridCol w="3200400">
+                  <a:extLst>
+                    <a:ext uri="{9D8B030D-6E8A-4147-A177-3AD203B41FA5}">
+                      <a16:colId xmlns:a16="http://schemas.microsoft.com/office/drawing/2014/main" val="2992691171"/>
+                    </a:ext>
+                  </a:extLst>
+                </a:gridCol>
+              </a:tblGrid>
+              <a:tr h="0">
+                <a:tc>
+                  <a:txBody>
+                    <a:bodyPr/>
+                    <a:lstStyle/>
+                    <a:p>
+                      <a:pPr algn="l" fontAlgn="t"/>
+                      <a:r>
+                        <a:rPr lang="en-US">
+                          <a:effectLst/>
+                        </a:rPr>
+                        <a:t>Operator</a:t>
+                      </a:r>
+                    </a:p>
+                  </a:txBody>
+                  <a:tcPr marL="152400" marR="76200" marT="76200" marB="76200"/>
+                </a:tc>
+                <a:tc>
+                  <a:txBody>
+                    <a:bodyPr/>
+                    <a:lstStyle/>
+                    <a:p>
+                      <a:pPr algn="l" fontAlgn="t"/>
+                      <a:r>
+                        <a:rPr lang="en-US">
+                          <a:effectLst/>
+                        </a:rPr>
+                        <a:t>Example</a:t>
+                      </a:r>
+                    </a:p>
+                  </a:txBody>
+                  <a:tcPr marL="76200" marR="76200" marT="76200" marB="76200"/>
+                </a:tc>
+                <a:tc>
+                  <a:txBody>
+                    <a:bodyPr/>
+                    <a:lstStyle/>
+                    <a:p>
+                      <a:pPr algn="l" fontAlgn="t"/>
+                      <a:r>
+                        <a:rPr lang="en-US">
+                          <a:effectLst/>
+                        </a:rPr>
+                        <a:t>Same As</a:t>
+                      </a:r>
+                    </a:p>
+                  </a:txBody>
+                  <a:tcPr marL="76200" marR="76200" marT="76200" marB="76200"/>
+                </a:tc>
+                <a:extLst>
+                  <a:ext uri="{0D108BD9-81ED-4DB2-BD59-A6C34878D82A}">
+                    <a16:rowId xmlns:a16="http://schemas.microsoft.com/office/drawing/2014/main" val="3067269666"/>
+                  </a:ext>
+                </a:extLst>
+              </a:tr>
+              <a:tr h="366395">
+                <a:tc>
+                  <a:txBody>
+                    <a:bodyPr/>
+                    <a:lstStyle/>
+                    <a:p>
+                      <a:pPr algn="l" fontAlgn="t"/>
+                      <a:r>
+                        <a:rPr lang="en-US">
+                          <a:effectLst/>
+                        </a:rPr>
+                        <a:t>=</a:t>
+                      </a:r>
+                    </a:p>
+                  </a:txBody>
+                  <a:tcPr marL="152400" marR="76200" marT="76200" marB="76200"/>
+                </a:tc>
+                <a:tc>
+                  <a:txBody>
+                    <a:bodyPr/>
+                    <a:lstStyle/>
+                    <a:p>
+                      <a:pPr algn="l" fontAlgn="t"/>
+                      <a:r>
+                        <a:rPr lang="en-US">
+                          <a:effectLst/>
+                        </a:rPr>
+                        <a:t>x = y</a:t>
+                      </a:r>
+                    </a:p>
+                  </a:txBody>
+                  <a:tcPr marL="76200" marR="76200" marT="76200" marB="76200"/>
+                </a:tc>
+                <a:tc>
+                  <a:txBody>
+                    <a:bodyPr/>
+                    <a:lstStyle/>
+                    <a:p>
+                      <a:pPr algn="l" fontAlgn="t"/>
+                      <a:r>
+                        <a:rPr lang="en-US">
+                          <a:effectLst/>
+                        </a:rPr>
+                        <a:t>x = y</a:t>
+                      </a:r>
+                    </a:p>
+                  </a:txBody>
+                  <a:tcPr marL="76200" marR="76200" marT="76200" marB="76200"/>
+                </a:tc>
+                <a:extLst>
+                  <a:ext uri="{0D108BD9-81ED-4DB2-BD59-A6C34878D82A}">
+                    <a16:rowId xmlns:a16="http://schemas.microsoft.com/office/drawing/2014/main" val="1298894319"/>
+                  </a:ext>
+                </a:extLst>
+              </a:tr>
+              <a:tr h="366395">
+                <a:tc>
+                  <a:txBody>
+                    <a:bodyPr/>
+                    <a:lstStyle/>
+                    <a:p>
+                      <a:pPr algn="l" fontAlgn="t"/>
+                      <a:r>
+                        <a:rPr lang="en-US">
+                          <a:effectLst/>
+                        </a:rPr>
+                        <a:t>+=</a:t>
+                      </a:r>
+                    </a:p>
+                  </a:txBody>
+                  <a:tcPr marL="152400" marR="76200" marT="76200" marB="76200"/>
+                </a:tc>
+                <a:tc>
+                  <a:txBody>
+                    <a:bodyPr/>
+                    <a:lstStyle/>
+                    <a:p>
+                      <a:pPr algn="l" fontAlgn="t"/>
+                      <a:r>
+                        <a:rPr lang="en-US">
+                          <a:effectLst/>
+                        </a:rPr>
+                        <a:t>x += y</a:t>
+                      </a:r>
+                    </a:p>
+                  </a:txBody>
+                  <a:tcPr marL="76200" marR="76200" marT="76200" marB="76200"/>
+                </a:tc>
+                <a:tc>
+                  <a:txBody>
+                    <a:bodyPr/>
+                    <a:lstStyle/>
+                    <a:p>
+                      <a:pPr algn="l" fontAlgn="t"/>
+                      <a:r>
+                        <a:rPr lang="en-US">
+                          <a:effectLst/>
+                        </a:rPr>
+                        <a:t>x = x + y</a:t>
+                      </a:r>
+                    </a:p>
+                  </a:txBody>
+                  <a:tcPr marL="76200" marR="76200" marT="76200" marB="76200"/>
+                </a:tc>
+                <a:extLst>
+                  <a:ext uri="{0D108BD9-81ED-4DB2-BD59-A6C34878D82A}">
+                    <a16:rowId xmlns:a16="http://schemas.microsoft.com/office/drawing/2014/main" val="2506882415"/>
+                  </a:ext>
+                </a:extLst>
+              </a:tr>
+              <a:tr h="366395">
+                <a:tc>
+                  <a:txBody>
+                    <a:bodyPr/>
+                    <a:lstStyle/>
+                    <a:p>
+                      <a:pPr algn="l" fontAlgn="t"/>
+                      <a:r>
+                        <a:rPr lang="en-US">
+                          <a:effectLst/>
+                        </a:rPr>
+                        <a:t>-=</a:t>
+                      </a:r>
+                    </a:p>
+                  </a:txBody>
+                  <a:tcPr marL="152400" marR="76200" marT="76200" marB="76200"/>
+                </a:tc>
+                <a:tc>
+                  <a:txBody>
+                    <a:bodyPr/>
+                    <a:lstStyle/>
+                    <a:p>
+                      <a:pPr algn="l" fontAlgn="t"/>
+                      <a:r>
+                        <a:rPr lang="en-US">
+                          <a:effectLst/>
+                        </a:rPr>
+                        <a:t>x -= y</a:t>
+                      </a:r>
+                    </a:p>
+                  </a:txBody>
+                  <a:tcPr marL="76200" marR="76200" marT="76200" marB="76200"/>
+                </a:tc>
+                <a:tc>
+                  <a:txBody>
+                    <a:bodyPr/>
+                    <a:lstStyle/>
+                    <a:p>
+                      <a:pPr algn="l" fontAlgn="t"/>
+                      <a:r>
+                        <a:rPr lang="en-US">
+                          <a:effectLst/>
+                        </a:rPr>
+                        <a:t>x = x - y</a:t>
+                      </a:r>
+                    </a:p>
+                  </a:txBody>
+                  <a:tcPr marL="76200" marR="76200" marT="76200" marB="76200"/>
+                </a:tc>
+                <a:extLst>
+                  <a:ext uri="{0D108BD9-81ED-4DB2-BD59-A6C34878D82A}">
+                    <a16:rowId xmlns:a16="http://schemas.microsoft.com/office/drawing/2014/main" val="2234549833"/>
+                  </a:ext>
+                </a:extLst>
+              </a:tr>
+              <a:tr h="366395">
+                <a:tc>
+                  <a:txBody>
+                    <a:bodyPr/>
+                    <a:lstStyle/>
+                    <a:p>
+                      <a:pPr algn="l" fontAlgn="t"/>
+                      <a:r>
+                        <a:rPr lang="en-US">
+                          <a:effectLst/>
+                        </a:rPr>
+                        <a:t>*=</a:t>
+                      </a:r>
+                    </a:p>
+                  </a:txBody>
+                  <a:tcPr marL="152400" marR="76200" marT="76200" marB="76200"/>
+                </a:tc>
+                <a:tc>
+                  <a:txBody>
+                    <a:bodyPr/>
+                    <a:lstStyle/>
+                    <a:p>
+                      <a:pPr algn="l" fontAlgn="t"/>
+                      <a:r>
+                        <a:rPr lang="en-US">
+                          <a:effectLst/>
+                        </a:rPr>
+                        <a:t>x *= y</a:t>
+                      </a:r>
+                    </a:p>
+                  </a:txBody>
+                  <a:tcPr marL="76200" marR="76200" marT="76200" marB="76200"/>
+                </a:tc>
+                <a:tc>
+                  <a:txBody>
+                    <a:bodyPr/>
+                    <a:lstStyle/>
+                    <a:p>
+                      <a:pPr algn="l" fontAlgn="t"/>
+                      <a:r>
+                        <a:rPr lang="en-US">
+                          <a:effectLst/>
+                        </a:rPr>
+                        <a:t>x = x * y</a:t>
+                      </a:r>
+                    </a:p>
+                  </a:txBody>
+                  <a:tcPr marL="76200" marR="76200" marT="76200" marB="76200"/>
+                </a:tc>
+                <a:extLst>
+                  <a:ext uri="{0D108BD9-81ED-4DB2-BD59-A6C34878D82A}">
+                    <a16:rowId xmlns:a16="http://schemas.microsoft.com/office/drawing/2014/main" val="528236293"/>
+                  </a:ext>
+                </a:extLst>
+              </a:tr>
+              <a:tr h="366395">
+                <a:tc>
+                  <a:txBody>
+                    <a:bodyPr/>
+                    <a:lstStyle/>
+                    <a:p>
+                      <a:pPr algn="l" fontAlgn="t"/>
+                      <a:r>
+                        <a:rPr lang="en-US">
+                          <a:effectLst/>
+                        </a:rPr>
+                        <a:t>/=</a:t>
+                      </a:r>
+                    </a:p>
+                  </a:txBody>
+                  <a:tcPr marL="152400" marR="76200" marT="76200" marB="76200"/>
+                </a:tc>
+                <a:tc>
+                  <a:txBody>
+                    <a:bodyPr/>
+                    <a:lstStyle/>
+                    <a:p>
+                      <a:pPr algn="l" fontAlgn="t"/>
+                      <a:r>
+                        <a:rPr lang="en-US">
+                          <a:effectLst/>
+                        </a:rPr>
+                        <a:t>x /= y</a:t>
+                      </a:r>
+                    </a:p>
+                  </a:txBody>
+                  <a:tcPr marL="76200" marR="76200" marT="76200" marB="76200"/>
+                </a:tc>
+                <a:tc>
+                  <a:txBody>
+                    <a:bodyPr/>
+                    <a:lstStyle/>
+                    <a:p>
+                      <a:pPr algn="l" fontAlgn="t"/>
+                      <a:r>
+                        <a:rPr lang="en-US">
+                          <a:effectLst/>
+                        </a:rPr>
+                        <a:t>x = x / y</a:t>
+                      </a:r>
+                    </a:p>
+                  </a:txBody>
+                  <a:tcPr marL="76200" marR="76200" marT="76200" marB="76200"/>
+                </a:tc>
+                <a:extLst>
+                  <a:ext uri="{0D108BD9-81ED-4DB2-BD59-A6C34878D82A}">
+                    <a16:rowId xmlns:a16="http://schemas.microsoft.com/office/drawing/2014/main" val="4255088044"/>
+                  </a:ext>
+                </a:extLst>
+              </a:tr>
+              <a:tr h="366395">
+                <a:tc>
+                  <a:txBody>
+                    <a:bodyPr/>
+                    <a:lstStyle/>
+                    <a:p>
+                      <a:pPr algn="l" fontAlgn="t"/>
+                      <a:r>
+                        <a:rPr lang="en-US">
+                          <a:effectLst/>
+                        </a:rPr>
+                        <a:t>%=</a:t>
+                      </a:r>
+                    </a:p>
+                  </a:txBody>
+                  <a:tcPr marL="152400" marR="76200" marT="76200" marB="76200"/>
+                </a:tc>
+                <a:tc>
+                  <a:txBody>
+                    <a:bodyPr/>
+                    <a:lstStyle/>
+                    <a:p>
+                      <a:pPr algn="l" fontAlgn="t"/>
+                      <a:r>
+                        <a:rPr lang="en-US">
+                          <a:effectLst/>
+                        </a:rPr>
+                        <a:t>x %= y</a:t>
+                      </a:r>
+                    </a:p>
+                  </a:txBody>
+                  <a:tcPr marL="76200" marR="76200" marT="76200" marB="76200"/>
+                </a:tc>
+                <a:tc>
+                  <a:txBody>
+                    <a:bodyPr/>
+                    <a:lstStyle/>
+                    <a:p>
+                      <a:pPr algn="l" fontAlgn="t"/>
+                      <a:r>
+                        <a:rPr lang="en-US">
+                          <a:effectLst/>
+                        </a:rPr>
+                        <a:t>x = x % y</a:t>
+                      </a:r>
+                    </a:p>
+                  </a:txBody>
+                  <a:tcPr marL="76200" marR="76200" marT="76200" marB="76200"/>
+                </a:tc>
+                <a:extLst>
+                  <a:ext uri="{0D108BD9-81ED-4DB2-BD59-A6C34878D82A}">
+                    <a16:rowId xmlns:a16="http://schemas.microsoft.com/office/drawing/2014/main" val="3238628781"/>
+                  </a:ext>
+                </a:extLst>
+              </a:tr>
+              <a:tr h="366395">
+                <a:tc>
+                  <a:txBody>
+                    <a:bodyPr/>
+                    <a:lstStyle/>
+                    <a:p>
+                      <a:pPr algn="l" fontAlgn="t"/>
+                      <a:r>
+                        <a:rPr lang="en-US">
+                          <a:effectLst/>
+                        </a:rPr>
+                        <a:t>**=</a:t>
+                      </a:r>
+                    </a:p>
+                  </a:txBody>
+                  <a:tcPr marL="152400" marR="76200" marT="76200" marB="76200"/>
+                </a:tc>
+                <a:tc>
+                  <a:txBody>
+                    <a:bodyPr/>
+                    <a:lstStyle/>
+                    <a:p>
+                      <a:pPr algn="l" fontAlgn="t"/>
+                      <a:r>
+                        <a:rPr lang="en-US">
+                          <a:effectLst/>
+                        </a:rPr>
+                        <a:t>x **= y</a:t>
+                      </a:r>
+                    </a:p>
+                  </a:txBody>
+                  <a:tcPr marL="76200" marR="76200" marT="76200" marB="76200"/>
+                </a:tc>
+                <a:tc>
+                  <a:txBody>
+                    <a:bodyPr/>
+                    <a:lstStyle/>
+                    <a:p>
+                      <a:pPr algn="l" fontAlgn="t"/>
+                      <a:r>
+                        <a:rPr lang="en-US" dirty="0">
+                          <a:effectLst/>
+                        </a:rPr>
+                        <a:t>x = x ** y</a:t>
+                      </a:r>
+                    </a:p>
+                  </a:txBody>
+                  <a:tcPr marL="76200" marR="76200" marT="76200" marB="76200"/>
+                </a:tc>
+                <a:extLst>
+                  <a:ext uri="{0D108BD9-81ED-4DB2-BD59-A6C34878D82A}">
+                    <a16:rowId xmlns:a16="http://schemas.microsoft.com/office/drawing/2014/main" val="4291116926"/>
+                  </a:ext>
+                </a:extLst>
+              </a:tr>
+            </a:tbl>
+          </a:graphicData>
+        </a:graphic>
+      </p:graphicFrame>
+    </p:spTree>
+    <p:extLst>
+      <p:ext uri="{BB962C8B-B14F-4D97-AF65-F5344CB8AC3E}">
+        <p14:creationId xmlns:p14="http://schemas.microsoft.com/office/powerpoint/2010/main" val="422016277"/>
+      </p:ext>
+    </p:extLst>
   </p:cSld>
   <p:clrMapOvr>
     <a:masterClrMapping/>
@@ -8790,7 +9809,6 @@
               <a:rPr lang="en-US" dirty="0"/>
               <a:t>Introduction</a:t>
             </a:r>
-            <a:endParaRPr lang="en-US" dirty="0"/>
           </a:p>
         </p:txBody>
       </p:sp>
@@ -8815,7 +9833,6 @@
               <a:rPr lang="en-US" dirty="0"/>
               <a:t>JavaScript is a high-level, interpreted programming language primarily used for web development.</a:t>
             </a:r>
-            <a:endParaRPr lang="en-US" dirty="0"/>
           </a:p>
           <a:p>
             <a:r>
@@ -8830,35 +9847,30 @@
               <a:rPr lang="en-US" dirty="0"/>
               <a:t> while he was working at Netscape and was first released in 1995.</a:t>
             </a:r>
-            <a:endParaRPr lang="en-US" dirty="0"/>
           </a:p>
           <a:p>
             <a:r>
               <a:rPr lang="en-US" dirty="0"/>
               <a:t>JavaScript is a versatile language that allows developers to add interactivity and dynamic content to websites.</a:t>
             </a:r>
-            <a:endParaRPr lang="en-US" dirty="0"/>
           </a:p>
           <a:p>
             <a:r>
               <a:rPr lang="en-US" dirty="0"/>
               <a:t>It is commonly used for client-side scripting, where code is executed on the user's web browser.</a:t>
             </a:r>
-            <a:endParaRPr lang="en-US" dirty="0"/>
           </a:p>
           <a:p>
             <a:r>
               <a:rPr lang="en-US" dirty="0"/>
               <a:t>JavaScript can also be used on the server-side (with platforms like Node.js) for building server applications.</a:t>
             </a:r>
-            <a:endParaRPr lang="en-US" dirty="0"/>
           </a:p>
           <a:p>
             <a:r>
               <a:rPr lang="en-US" dirty="0"/>
               <a:t>The language is supported by all major web browsers, making it a core component of web development.</a:t>
             </a:r>
-            <a:endParaRPr lang="en-US" dirty="0"/>
           </a:p>
           <a:p>
             <a:r>
@@ -8877,7 +9889,6 @@
               <a:rPr lang="en-US" dirty="0"/>
               <a:t> language.</a:t>
             </a:r>
-            <a:endParaRPr lang="en-US" dirty="0"/>
           </a:p>
         </p:txBody>
       </p:sp>
@@ -8958,42 +9969,36 @@
               <a:rPr lang="en-US" dirty="0"/>
               <a:t> International.</a:t>
             </a:r>
-            <a:endParaRPr lang="en-US" dirty="0"/>
           </a:p>
           <a:p>
             <a:r>
               <a:rPr lang="en-US" dirty="0"/>
               <a:t>It serves as the foundation for JavaScript and other scripting languages like ActionScript (used in Adobe Flash).</a:t>
             </a:r>
-            <a:endParaRPr lang="en-US" dirty="0"/>
           </a:p>
           <a:p>
             <a:r>
               <a:rPr lang="en-US" dirty="0"/>
               <a:t>ECMAScript defines the syntax, semantics, and behavior of the scripting language.</a:t>
             </a:r>
-            <a:endParaRPr lang="en-US" dirty="0"/>
           </a:p>
           <a:p>
             <a:r>
               <a:rPr lang="en-US" dirty="0"/>
               <a:t>JavaScript is the most widely used implementation of ECMAScript, but other implementations exist (e.g., JScript by Microsoft).</a:t>
             </a:r>
-            <a:endParaRPr lang="en-US" dirty="0"/>
           </a:p>
           <a:p>
             <a:r>
               <a:rPr lang="en-US" dirty="0"/>
               <a:t>ECMAScript versions are released over time, each introducing new features and improvements.</a:t>
             </a:r>
-            <a:endParaRPr lang="en-US" dirty="0"/>
           </a:p>
           <a:p>
             <a:r>
               <a:rPr lang="en-US" dirty="0"/>
               <a:t>Popular versions include ES5, ES6 (also known as ES2015), ES2016, ES2017, and so on.</a:t>
             </a:r>
-            <a:endParaRPr lang="en-US" dirty="0"/>
           </a:p>
         </p:txBody>
       </p:sp>
@@ -9041,7 +10046,6 @@
               <a:rPr lang="en-US" dirty="0"/>
               <a:t>Variables</a:t>
             </a:r>
-            <a:endParaRPr lang="en-US" dirty="0"/>
           </a:p>
         </p:txBody>
       </p:sp>
@@ -9054,7 +10058,7 @@
           <p:nvPr/>
         </p:nvPicPr>
         <p:blipFill>
-          <a:blip r:embed="rId1">
+          <a:blip r:embed="rId2">
             <a:extLst>
               <a:ext uri="{28A0092B-C50C-407E-A947-70E740481C1C}">
                 <a14:useLocalDpi xmlns:a14="http://schemas.microsoft.com/office/drawing/2010/main" val="0"/>
@@ -9171,7 +10175,6 @@
               <a:rPr lang="en-US" dirty="0"/>
               <a:t>. We cannot declare a variable without var in older browsers. The variable declared using var can store variable values during the program's execution and can be redeclared anytime.</a:t>
             </a:r>
-            <a:endParaRPr lang="en-US" dirty="0"/>
           </a:p>
           <a:p>
             <a:r>
@@ -9182,7 +10185,6 @@
               <a:rPr lang="en-US" dirty="0"/>
               <a:t> - It is a keyword used to declare constant variables whose value cannot be changed throughout the program.</a:t>
             </a:r>
-            <a:endParaRPr lang="en-US" dirty="0"/>
           </a:p>
           <a:p>
             <a:r>
@@ -9193,7 +10195,6 @@
               <a:rPr lang="en-US" dirty="0"/>
               <a:t> - It is a newer keyword for declaring variables whose values can be changed. In this, a variable cannot be declared multiple times; however, they are declared once in a program.</a:t>
             </a:r>
-            <a:endParaRPr lang="en-US" dirty="0"/>
           </a:p>
         </p:txBody>
       </p:sp>
@@ -9241,7 +10242,6 @@
               <a:rPr lang="en-US" dirty="0"/>
               <a:t>Rules for  Variables</a:t>
             </a:r>
-            <a:endParaRPr lang="en-US" dirty="0"/>
           </a:p>
         </p:txBody>
       </p:sp>
@@ -9266,42 +10266,36 @@
               <a:rPr lang="en-US" dirty="0"/>
               <a:t>Variable names should be short and easy to remember.</a:t>
             </a:r>
-            <a:endParaRPr lang="en-US" dirty="0"/>
           </a:p>
           <a:p>
             <a:r>
               <a:rPr lang="en-US" dirty="0"/>
               <a:t>They should be descriptive enough to tell you what the variable represents.</a:t>
             </a:r>
-            <a:endParaRPr lang="en-US" dirty="0"/>
           </a:p>
           <a:p>
             <a:r>
               <a:rPr lang="en-US" dirty="0"/>
               <a:t>They should not be too generic or too specific to avoid confusion.</a:t>
             </a:r>
-            <a:endParaRPr lang="en-US" dirty="0"/>
           </a:p>
           <a:p>
             <a:r>
               <a:rPr lang="en-US" dirty="0"/>
               <a:t>They should not include any special characters like $, %, or @, except underscore.</a:t>
             </a:r>
-            <a:endParaRPr lang="en-US" dirty="0"/>
           </a:p>
           <a:p>
             <a:r>
               <a:rPr lang="en-US" dirty="0"/>
               <a:t>They should not contain spaces.</a:t>
             </a:r>
-            <a:endParaRPr lang="en-US" dirty="0"/>
           </a:p>
           <a:p>
             <a:r>
               <a:rPr lang="en-US" dirty="0"/>
               <a:t>They should not start with a number.</a:t>
             </a:r>
-            <a:endParaRPr lang="en-US" dirty="0"/>
           </a:p>
         </p:txBody>
       </p:sp>
@@ -9349,7 +10343,6 @@
               <a:rPr lang="en-US" dirty="0"/>
               <a:t>Rules for  Variables</a:t>
             </a:r>
-            <a:endParaRPr lang="en-US" dirty="0"/>
           </a:p>
         </p:txBody>
       </p:sp>
@@ -9374,7 +10367,6 @@
               <a:rPr lang="en-US" dirty="0"/>
               <a:t>Start a variable name with a letter or underscore(_).</a:t>
             </a:r>
-            <a:endParaRPr lang="en-US" dirty="0"/>
           </a:p>
           <a:p>
             <a:r>
@@ -9385,28 +10377,24 @@
               <a:rPr lang="en-US" dirty="0"/>
               <a:t> variables are case-sensitive, i.e., x is not equal to X.</a:t>
             </a:r>
-            <a:endParaRPr lang="en-US" dirty="0"/>
           </a:p>
           <a:p>
             <a:r>
               <a:rPr lang="en-US" dirty="0"/>
               <a:t>They should be unique and not used by other variables in the code.</a:t>
             </a:r>
-            <a:endParaRPr lang="en-US" dirty="0"/>
           </a:p>
           <a:p>
             <a:r>
               <a:rPr lang="en-US" dirty="0"/>
               <a:t>They could either be camel-cased or lowercase.</a:t>
             </a:r>
-            <a:endParaRPr lang="en-US" dirty="0"/>
           </a:p>
           <a:p>
             <a:r>
               <a:rPr lang="en-US" dirty="0"/>
               <a:t>They should not start with a capital letter.</a:t>
             </a:r>
-            <a:endParaRPr lang="en-US" dirty="0"/>
           </a:p>
         </p:txBody>
       </p:sp>
@@ -9454,7 +10442,6 @@
               <a:rPr lang="en-US" dirty="0"/>
               <a:t>Datatypes</a:t>
             </a:r>
-            <a:endParaRPr lang="en-US" dirty="0"/>
           </a:p>
         </p:txBody>
       </p:sp>
@@ -9469,7 +10456,7 @@
           </p:nvPr>
         </p:nvPicPr>
         <p:blipFill>
-          <a:blip r:embed="rId1">
+          <a:blip r:embed="rId2">
             <a:extLst>
               <a:ext uri="{28A0092B-C50C-407E-A947-70E740481C1C}">
                 <a14:useLocalDpi xmlns:a14="http://schemas.microsoft.com/office/drawing/2010/main" val="0"/>
@@ -9734,6 +10721,8 @@
       </a:bgFillStyleLst>
     </a:fmtScheme>
   </a:themeElements>
+  <a:objectDefaults/>
+  <a:extraClrSchemeLst/>
   <a:extLst>
     <a:ext uri="{05A4C25C-085E-4340-85A3-A5531E510DB2}">
       <thm15:themeFamily xmlns:thm15="http://schemas.microsoft.com/office/thememl/2012/main" name="Office Theme" id="{62F939B6-93AF-4DB8-9C6B-D6C7DFDC589F}" vid="{4A3C46E8-61CC-4603-A589-7422A47A8E4A}"/>
@@ -9993,6 +10982,8 @@
       </a:bgFillStyleLst>
     </a:fmtScheme>
   </a:themeElements>
+  <a:objectDefaults/>
+  <a:extraClrSchemeLst/>
   <a:extLst>
     <a:ext uri="{05A4C25C-085E-4340-85A3-A5531E510DB2}">
       <thm15:themeFamily xmlns:thm15="http://schemas.microsoft.com/office/thememl/2012/main" name="Office Theme" id="{62F939B6-93AF-4DB8-9C6B-D6C7DFDC589F}" vid="{4A3C46E8-61CC-4603-A589-7422A47A8E4A}"/>
@@ -10252,6 +11243,8 @@
       </a:bgFillStyleLst>
     </a:fmtScheme>
   </a:themeElements>
+  <a:objectDefaults/>
+  <a:extraClrSchemeLst/>
   <a:extLst>
     <a:ext uri="{05A4C25C-085E-4340-85A3-A5531E510DB2}">
       <thm15:themeFamily xmlns:thm15="http://schemas.microsoft.com/office/thememl/2012/main" name="Office Theme" id="{62F939B6-93AF-4DB8-9C6B-D6C7DFDC589F}" vid="{4A3C46E8-61CC-4603-A589-7422A47A8E4A}"/>

--- a/js.pptx
+++ b/js.pptx
@@ -5,35 +5,36 @@
     <p:sldMasterId id="2147483648" r:id="rId1"/>
   </p:sldMasterIdLst>
   <p:notesMasterIdLst>
-    <p:notesMasterId r:id="rId25"/>
+    <p:notesMasterId r:id="rId20"/>
   </p:notesMasterIdLst>
   <p:handoutMasterIdLst>
-    <p:handoutMasterId r:id="rId26"/>
+    <p:handoutMasterId r:id="rId28"/>
   </p:handoutMasterIdLst>
   <p:sldIdLst>
-    <p:sldId id="340" r:id="rId2"/>
-    <p:sldId id="341" r:id="rId3"/>
-    <p:sldId id="344" r:id="rId4"/>
-    <p:sldId id="347" r:id="rId5"/>
-    <p:sldId id="348" r:id="rId6"/>
-    <p:sldId id="357" r:id="rId7"/>
-    <p:sldId id="359" r:id="rId8"/>
-    <p:sldId id="360" r:id="rId9"/>
-    <p:sldId id="358" r:id="rId10"/>
-    <p:sldId id="356" r:id="rId11"/>
-    <p:sldId id="363" r:id="rId12"/>
-    <p:sldId id="364" r:id="rId13"/>
-    <p:sldId id="361" r:id="rId14"/>
-    <p:sldId id="365" r:id="rId15"/>
-    <p:sldId id="362" r:id="rId16"/>
-    <p:sldId id="349" r:id="rId17"/>
-    <p:sldId id="350" r:id="rId18"/>
-    <p:sldId id="351" r:id="rId19"/>
-    <p:sldId id="354" r:id="rId20"/>
-    <p:sldId id="352" r:id="rId21"/>
-    <p:sldId id="353" r:id="rId22"/>
-    <p:sldId id="367" r:id="rId23"/>
-    <p:sldId id="368" r:id="rId24"/>
+    <p:sldId id="340" r:id="rId3"/>
+    <p:sldId id="341" r:id="rId4"/>
+    <p:sldId id="344" r:id="rId5"/>
+    <p:sldId id="347" r:id="rId6"/>
+    <p:sldId id="348" r:id="rId7"/>
+    <p:sldId id="357" r:id="rId8"/>
+    <p:sldId id="359" r:id="rId9"/>
+    <p:sldId id="360" r:id="rId10"/>
+    <p:sldId id="358" r:id="rId11"/>
+    <p:sldId id="356" r:id="rId12"/>
+    <p:sldId id="363" r:id="rId13"/>
+    <p:sldId id="364" r:id="rId14"/>
+    <p:sldId id="361" r:id="rId15"/>
+    <p:sldId id="365" r:id="rId16"/>
+    <p:sldId id="362" r:id="rId17"/>
+    <p:sldId id="349" r:id="rId18"/>
+    <p:sldId id="350" r:id="rId19"/>
+    <p:sldId id="351" r:id="rId21"/>
+    <p:sldId id="354" r:id="rId22"/>
+    <p:sldId id="352" r:id="rId23"/>
+    <p:sldId id="353" r:id="rId24"/>
+    <p:sldId id="367" r:id="rId25"/>
+    <p:sldId id="368" r:id="rId26"/>
+    <p:sldId id="376" r:id="rId27"/>
   </p:sldIdLst>
   <p:sldSz cx="12192000" cy="6858000"/>
   <p:notesSz cx="6858000" cy="9144000"/>
@@ -132,11 +133,6 @@
       </a:defRPr>
     </a:lvl9pPr>
   </p:defaultTextStyle>
-  <p:extLst>
-    <p:ext uri="{EFAFB233-063F-42B5-8137-9DF3F51BA10A}">
-      <p15:sldGuideLst xmlns:p15="http://schemas.microsoft.com/office/powerpoint/2012/main"/>
-    </p:ext>
-  </p:extLst>
 </p:presentation>
 </file>
 
@@ -222,7 +218,6 @@
           <a:p>
             <a:fld id="{696C064A-D61B-4B21-B757-51A9B82445B8}" type="datetimeFigureOut">
               <a:rPr lang="en-US" smtClean="0"/>
-              <a:t>8/3/2023</a:t>
             </a:fld>
             <a:endParaRPr lang="en-US"/>
           </a:p>
@@ -288,7 +283,6 @@
           <a:p>
             <a:fld id="{50305E07-67EA-4042-A3F6-853A8AD8D209}" type="slidenum">
               <a:rPr lang="en-US" smtClean="0"/>
-              <a:t>‹#›</a:t>
             </a:fld>
             <a:endParaRPr lang="en-US"/>
           </a:p>
@@ -382,7 +376,6 @@
           <a:p>
             <a:fld id="{3EFD42F7-718C-4B98-AAEC-167E6DDD60A7}" type="datetimeFigureOut">
               <a:rPr lang="en-US" smtClean="0"/>
-              <a:t>8/3/2023</a:t>
             </a:fld>
             <a:endParaRPr lang="en-US"/>
           </a:p>
@@ -449,6 +442,7 @@
               <a:rPr lang="en-US"/>
               <a:t>Click to edit Master text styles</a:t>
             </a:r>
+            <a:endParaRPr lang="en-US"/>
           </a:p>
           <a:p>
             <a:pPr lvl="1"/>
@@ -456,6 +450,7 @@
               <a:rPr lang="en-US"/>
               <a:t>Second level</a:t>
             </a:r>
+            <a:endParaRPr lang="en-US"/>
           </a:p>
           <a:p>
             <a:pPr lvl="2"/>
@@ -463,6 +458,7 @@
               <a:rPr lang="en-US"/>
               <a:t>Third level</a:t>
             </a:r>
+            <a:endParaRPr lang="en-US"/>
           </a:p>
           <a:p>
             <a:pPr lvl="3"/>
@@ -470,6 +466,7 @@
               <a:rPr lang="en-US"/>
               <a:t>Fourth level</a:t>
             </a:r>
+            <a:endParaRPr lang="en-US"/>
           </a:p>
           <a:p>
             <a:pPr lvl="4"/>
@@ -477,6 +474,7 @@
               <a:rPr lang="en-US"/>
               <a:t>Fifth level</a:t>
             </a:r>
+            <a:endParaRPr lang="en-US"/>
           </a:p>
         </p:txBody>
       </p:sp>
@@ -540,7 +538,6 @@
           <a:p>
             <a:fld id="{21B2AA4F-B828-4D7C-AFD3-893933DAFCB4}" type="slidenum">
               <a:rPr lang="en-US" smtClean="0"/>
-              <a:t>‹#›</a:t>
             </a:fld>
             <a:endParaRPr lang="en-US"/>
           </a:p>
@@ -765,7 +762,6 @@
           <a:p>
             <a:fld id="{21B2AA4F-B828-4D7C-AFD3-893933DAFCB4}" type="slidenum">
               <a:rPr lang="en-US" smtClean="0"/>
-              <a:t>21</a:t>
             </a:fld>
             <a:endParaRPr lang="en-US"/>
           </a:p>
@@ -780,7 +776,7 @@
 </file>
 
 <file path=ppt/slideLayouts/slideLayout1.xml><?xml version="1.0" encoding="utf-8"?>
-<p:sldLayout xmlns:a="http://schemas.openxmlformats.org/drawingml/2006/main" xmlns:r="http://schemas.openxmlformats.org/officeDocument/2006/relationships" xmlns:p="http://schemas.openxmlformats.org/presentationml/2006/main" showMasterSp="0" type="title" preserve="1">
+<p:sldLayout xmlns:a="http://schemas.openxmlformats.org/drawingml/2006/main" xmlns:r="http://schemas.openxmlformats.org/officeDocument/2006/relationships" xmlns:p="http://schemas.openxmlformats.org/presentationml/2006/main" type="title" preserve="1" showMasterSp="0">
   <p:cSld name="Title Slide">
     <p:spTree>
       <p:nvGrpSpPr>
@@ -1114,7 +1110,6 @@
           <a:p>
             <a:fld id="{B61BEF0D-F0BB-DE4B-95CE-6DB70DBA9567}" type="datetimeFigureOut">
               <a:rPr lang="en-US" dirty="0"/>
-              <a:t>8/3/2023</a:t>
             </a:fld>
             <a:endParaRPr lang="en-US" dirty="0"/>
           </a:p>
@@ -1166,7 +1161,6 @@
           <a:p>
             <a:fld id="{D57F1E4F-1CFF-5643-939E-217C01CDF565}" type="slidenum">
               <a:rPr lang="en-US" dirty="0"/>
-              <a:t>‹#›</a:t>
             </a:fld>
             <a:endParaRPr lang="en-US" dirty="0"/>
           </a:p>
@@ -1413,6 +1407,7 @@
               <a:rPr lang="en-US"/>
               <a:t>Edit Master text styles</a:t>
             </a:r>
+            <a:endParaRPr lang="en-US"/>
           </a:p>
         </p:txBody>
       </p:sp>
@@ -1433,7 +1428,6 @@
           <a:p>
             <a:fld id="{B61BEF0D-F0BB-DE4B-95CE-6DB70DBA9567}" type="datetimeFigureOut">
               <a:rPr lang="en-US" dirty="0"/>
-              <a:t>8/3/2023</a:t>
             </a:fld>
             <a:endParaRPr lang="en-US" dirty="0"/>
           </a:p>
@@ -1475,7 +1469,6 @@
           <a:p>
             <a:fld id="{D57F1E4F-1CFF-5643-939E-217C01CDF565}" type="slidenum">
               <a:rPr lang="en-US" dirty="0"/>
-              <a:t>‹#›</a:t>
             </a:fld>
             <a:endParaRPr lang="en-US" dirty="0"/>
           </a:p>
@@ -1656,6 +1649,7 @@
               <a:rPr lang="en-US"/>
               <a:t>Edit Master text styles</a:t>
             </a:r>
+            <a:endParaRPr lang="en-US"/>
           </a:p>
         </p:txBody>
       </p:sp>
@@ -1676,7 +1670,6 @@
           <a:p>
             <a:fld id="{B61BEF0D-F0BB-DE4B-95CE-6DB70DBA9567}" type="datetimeFigureOut">
               <a:rPr lang="en-US" dirty="0"/>
-              <a:t>8/3/2023</a:t>
             </a:fld>
             <a:endParaRPr lang="en-US" dirty="0"/>
           </a:p>
@@ -1718,7 +1711,6 @@
           <a:p>
             <a:fld id="{D57F1E4F-1CFF-5643-939E-217C01CDF565}" type="slidenum">
               <a:rPr lang="en-US" dirty="0"/>
-              <a:t>‹#›</a:t>
             </a:fld>
             <a:endParaRPr lang="en-US" dirty="0"/>
           </a:p>
@@ -1871,6 +1863,7 @@
               <a:rPr lang="en-US"/>
               <a:t>Edit Master text styles</a:t>
             </a:r>
+            <a:endParaRPr lang="en-US"/>
           </a:p>
         </p:txBody>
       </p:sp>
@@ -1990,6 +1983,7 @@
               <a:rPr lang="en-US"/>
               <a:t>Edit Master text styles</a:t>
             </a:r>
+            <a:endParaRPr lang="en-US"/>
           </a:p>
         </p:txBody>
       </p:sp>
@@ -2010,7 +2004,6 @@
           <a:p>
             <a:fld id="{B61BEF0D-F0BB-DE4B-95CE-6DB70DBA9567}" type="datetimeFigureOut">
               <a:rPr lang="en-US" dirty="0"/>
-              <a:t>8/3/2023</a:t>
             </a:fld>
             <a:endParaRPr lang="en-US" dirty="0"/>
           </a:p>
@@ -2052,7 +2045,6 @@
           <a:p>
             <a:fld id="{D57F1E4F-1CFF-5643-939E-217C01CDF565}" type="slidenum">
               <a:rPr lang="en-US" dirty="0"/>
-              <a:t>‹#›</a:t>
             </a:fld>
             <a:endParaRPr lang="en-US" dirty="0"/>
           </a:p>
@@ -2089,6 +2081,12 @@
               </a:rPr>
               <a:t>“</a:t>
             </a:r>
+            <a:endParaRPr lang="en-US" sz="8000" dirty="0">
+              <a:solidFill>
+                <a:schemeClr val="tx1"/>
+              </a:solidFill>
+              <a:effectLst/>
+            </a:endParaRPr>
           </a:p>
         </p:txBody>
       </p:sp>
@@ -2123,6 +2121,12 @@
               </a:rPr>
               <a:t>”</a:t>
             </a:r>
+            <a:endParaRPr lang="en-US" sz="8000" dirty="0">
+              <a:solidFill>
+                <a:schemeClr val="tx1"/>
+              </a:solidFill>
+              <a:effectLst/>
+            </a:endParaRPr>
           </a:p>
         </p:txBody>
       </p:sp>
@@ -2332,6 +2336,7 @@
               <a:rPr lang="en-US"/>
               <a:t>Edit Master text styles</a:t>
             </a:r>
+            <a:endParaRPr lang="en-US"/>
           </a:p>
         </p:txBody>
       </p:sp>
@@ -2352,7 +2357,6 @@
           <a:p>
             <a:fld id="{B61BEF0D-F0BB-DE4B-95CE-6DB70DBA9567}" type="datetimeFigureOut">
               <a:rPr lang="en-US" dirty="0"/>
-              <a:t>8/3/2023</a:t>
             </a:fld>
             <a:endParaRPr lang="en-US" dirty="0"/>
           </a:p>
@@ -2394,7 +2398,6 @@
           <a:p>
             <a:fld id="{D57F1E4F-1CFF-5643-939E-217C01CDF565}" type="slidenum">
               <a:rPr lang="en-US" dirty="0"/>
-              <a:t>‹#›</a:t>
             </a:fld>
             <a:endParaRPr lang="en-US" dirty="0"/>
           </a:p>
@@ -2582,6 +2585,7 @@
               <a:rPr lang="en-US"/>
               <a:t>Edit Master text styles</a:t>
             </a:r>
+            <a:endParaRPr lang="en-US"/>
           </a:p>
         </p:txBody>
       </p:sp>
@@ -2701,6 +2705,7 @@
               <a:rPr lang="en-US"/>
               <a:t>Edit Master text styles</a:t>
             </a:r>
+            <a:endParaRPr lang="en-US"/>
           </a:p>
         </p:txBody>
       </p:sp>
@@ -2721,7 +2726,6 @@
           <a:p>
             <a:fld id="{B61BEF0D-F0BB-DE4B-95CE-6DB70DBA9567}" type="datetimeFigureOut">
               <a:rPr lang="en-US" dirty="0"/>
-              <a:t>8/3/2023</a:t>
             </a:fld>
             <a:endParaRPr lang="en-US" dirty="0"/>
           </a:p>
@@ -2763,7 +2767,6 @@
           <a:p>
             <a:fld id="{D57F1E4F-1CFF-5643-939E-217C01CDF565}" type="slidenum">
               <a:rPr lang="en-US" dirty="0"/>
-              <a:t>‹#›</a:t>
             </a:fld>
             <a:endParaRPr lang="en-US" dirty="0"/>
           </a:p>
@@ -2800,6 +2803,12 @@
               </a:rPr>
               <a:t>“</a:t>
             </a:r>
+            <a:endParaRPr lang="en-US" sz="8000" dirty="0">
+              <a:solidFill>
+                <a:schemeClr val="tx1"/>
+              </a:solidFill>
+              <a:effectLst/>
+            </a:endParaRPr>
           </a:p>
         </p:txBody>
       </p:sp>
@@ -2834,6 +2843,12 @@
               </a:rPr>
               <a:t>”</a:t>
             </a:r>
+            <a:endParaRPr lang="en-US" sz="8000" dirty="0">
+              <a:solidFill>
+                <a:schemeClr val="tx1"/>
+              </a:solidFill>
+              <a:effectLst/>
+            </a:endParaRPr>
           </a:p>
         </p:txBody>
       </p:sp>
@@ -3047,6 +3062,7 @@
               <a:rPr lang="en-US"/>
               <a:t>Edit Master text styles</a:t>
             </a:r>
+            <a:endParaRPr lang="en-US"/>
           </a:p>
         </p:txBody>
       </p:sp>
@@ -3166,6 +3182,7 @@
               <a:rPr lang="en-US"/>
               <a:t>Edit Master text styles</a:t>
             </a:r>
+            <a:endParaRPr lang="en-US"/>
           </a:p>
         </p:txBody>
       </p:sp>
@@ -3186,7 +3203,6 @@
           <a:p>
             <a:fld id="{B61BEF0D-F0BB-DE4B-95CE-6DB70DBA9567}" type="datetimeFigureOut">
               <a:rPr lang="en-US" dirty="0"/>
-              <a:t>8/3/2023</a:t>
             </a:fld>
             <a:endParaRPr lang="en-US" dirty="0"/>
           </a:p>
@@ -3228,7 +3244,6 @@
           <a:p>
             <a:fld id="{D57F1E4F-1CFF-5643-939E-217C01CDF565}" type="slidenum">
               <a:rPr lang="en-US" dirty="0"/>
-              <a:t>‹#›</a:t>
             </a:fld>
             <a:endParaRPr lang="en-US" dirty="0"/>
           </a:p>
@@ -3337,6 +3352,7 @@
               <a:rPr lang="en-US"/>
               <a:t>Edit Master text styles</a:t>
             </a:r>
+            <a:endParaRPr lang="en-US"/>
           </a:p>
           <a:p>
             <a:pPr lvl="1"/>
@@ -3344,6 +3360,7 @@
               <a:rPr lang="en-US"/>
               <a:t>Second level</a:t>
             </a:r>
+            <a:endParaRPr lang="en-US"/>
           </a:p>
           <a:p>
             <a:pPr lvl="2"/>
@@ -3351,6 +3368,7 @@
               <a:rPr lang="en-US"/>
               <a:t>Third level</a:t>
             </a:r>
+            <a:endParaRPr lang="en-US"/>
           </a:p>
           <a:p>
             <a:pPr lvl="3"/>
@@ -3358,6 +3376,7 @@
               <a:rPr lang="en-US"/>
               <a:t>Fourth level</a:t>
             </a:r>
+            <a:endParaRPr lang="en-US"/>
           </a:p>
           <a:p>
             <a:pPr lvl="4"/>
@@ -3386,7 +3405,6 @@
           <a:p>
             <a:fld id="{B61BEF0D-F0BB-DE4B-95CE-6DB70DBA9567}" type="datetimeFigureOut">
               <a:rPr lang="en-US" dirty="0"/>
-              <a:t>8/3/2023</a:t>
             </a:fld>
             <a:endParaRPr lang="en-US" dirty="0"/>
           </a:p>
@@ -3428,7 +3446,6 @@
           <a:p>
             <a:fld id="{D57F1E4F-1CFF-5643-939E-217C01CDF565}" type="slidenum">
               <a:rPr lang="en-US" dirty="0"/>
-              <a:t>‹#›</a:t>
             </a:fld>
             <a:endParaRPr lang="en-US" dirty="0"/>
           </a:p>
@@ -3543,6 +3560,7 @@
               <a:rPr lang="en-US"/>
               <a:t>Edit Master text styles</a:t>
             </a:r>
+            <a:endParaRPr lang="en-US"/>
           </a:p>
           <a:p>
             <a:pPr lvl="1"/>
@@ -3550,6 +3568,7 @@
               <a:rPr lang="en-US"/>
               <a:t>Second level</a:t>
             </a:r>
+            <a:endParaRPr lang="en-US"/>
           </a:p>
           <a:p>
             <a:pPr lvl="2"/>
@@ -3557,6 +3576,7 @@
               <a:rPr lang="en-US"/>
               <a:t>Third level</a:t>
             </a:r>
+            <a:endParaRPr lang="en-US"/>
           </a:p>
           <a:p>
             <a:pPr lvl="3"/>
@@ -3564,6 +3584,7 @@
               <a:rPr lang="en-US"/>
               <a:t>Fourth level</a:t>
             </a:r>
+            <a:endParaRPr lang="en-US"/>
           </a:p>
           <a:p>
             <a:pPr lvl="4"/>
@@ -3592,7 +3613,6 @@
           <a:p>
             <a:fld id="{B61BEF0D-F0BB-DE4B-95CE-6DB70DBA9567}" type="datetimeFigureOut">
               <a:rPr lang="en-US" dirty="0"/>
-              <a:t>8/3/2023</a:t>
             </a:fld>
             <a:endParaRPr lang="en-US" dirty="0"/>
           </a:p>
@@ -3634,7 +3654,6 @@
           <a:p>
             <a:fld id="{D57F1E4F-1CFF-5643-939E-217C01CDF565}" type="slidenum">
               <a:rPr lang="en-US" dirty="0"/>
-              <a:t>‹#›</a:t>
             </a:fld>
             <a:endParaRPr lang="en-US" dirty="0"/>
           </a:p>
@@ -3770,6 +3789,7 @@
               <a:rPr lang="en-US"/>
               <a:t>Edit Master text styles</a:t>
             </a:r>
+            <a:endParaRPr lang="en-US"/>
           </a:p>
           <a:p>
             <a:pPr lvl="1"/>
@@ -3777,6 +3797,7 @@
               <a:rPr lang="en-US"/>
               <a:t>Second level</a:t>
             </a:r>
+            <a:endParaRPr lang="en-US"/>
           </a:p>
           <a:p>
             <a:pPr lvl="2"/>
@@ -3784,6 +3805,7 @@
               <a:rPr lang="en-US"/>
               <a:t>Third level</a:t>
             </a:r>
+            <a:endParaRPr lang="en-US"/>
           </a:p>
           <a:p>
             <a:pPr lvl="3"/>
@@ -3791,6 +3813,7 @@
               <a:rPr lang="en-US"/>
               <a:t>Fourth level</a:t>
             </a:r>
+            <a:endParaRPr lang="en-US"/>
           </a:p>
           <a:p>
             <a:pPr lvl="4"/>
@@ -3819,7 +3842,6 @@
           <a:p>
             <a:fld id="{52647F38-B617-4D2F-AE0A-013F0C4D2C57}" type="datetimeFigureOut">
               <a:rPr lang="en-US" dirty="0"/>
-              <a:t>8/3/2023</a:t>
             </a:fld>
             <a:endParaRPr lang="en-US" dirty="0"/>
           </a:p>
@@ -3861,7 +3883,6 @@
           <a:p>
             <a:fld id="{E97799C9-84D9-46D2-A11E-BCF8A720529D}" type="slidenum">
               <a:rPr lang="en-US" dirty="0"/>
-              <a:t>‹#›</a:t>
             </a:fld>
             <a:endParaRPr lang="en-US" dirty="0"/>
           </a:p>
@@ -4042,6 +4063,7 @@
               <a:rPr lang="en-US"/>
               <a:t>Edit Master text styles</a:t>
             </a:r>
+            <a:endParaRPr lang="en-US"/>
           </a:p>
         </p:txBody>
       </p:sp>
@@ -4062,7 +4084,6 @@
           <a:p>
             <a:fld id="{B61BEF0D-F0BB-DE4B-95CE-6DB70DBA9567}" type="datetimeFigureOut">
               <a:rPr lang="en-US" dirty="0"/>
-              <a:t>8/3/2023</a:t>
             </a:fld>
             <a:endParaRPr lang="en-US" dirty="0"/>
           </a:p>
@@ -4104,7 +4125,6 @@
           <a:p>
             <a:fld id="{D57F1E4F-1CFF-5643-939E-217C01CDF565}" type="slidenum">
               <a:rPr lang="en-US" dirty="0"/>
-              <a:t>‹#›</a:t>
             </a:fld>
             <a:endParaRPr lang="en-US" dirty="0"/>
           </a:p>
@@ -4247,6 +4267,7 @@
               <a:rPr lang="en-US"/>
               <a:t>Edit Master text styles</a:t>
             </a:r>
+            <a:endParaRPr lang="en-US"/>
           </a:p>
           <a:p>
             <a:pPr lvl="1"/>
@@ -4254,6 +4275,7 @@
               <a:rPr lang="en-US"/>
               <a:t>Second level</a:t>
             </a:r>
+            <a:endParaRPr lang="en-US"/>
           </a:p>
           <a:p>
             <a:pPr lvl="2"/>
@@ -4261,6 +4283,7 @@
               <a:rPr lang="en-US"/>
               <a:t>Third level</a:t>
             </a:r>
+            <a:endParaRPr lang="en-US"/>
           </a:p>
           <a:p>
             <a:pPr lvl="3"/>
@@ -4268,6 +4291,7 @@
               <a:rPr lang="en-US"/>
               <a:t>Fourth level</a:t>
             </a:r>
+            <a:endParaRPr lang="en-US"/>
           </a:p>
           <a:p>
             <a:pPr lvl="4"/>
@@ -4306,6 +4330,7 @@
               <a:rPr lang="en-US"/>
               <a:t>Edit Master text styles</a:t>
             </a:r>
+            <a:endParaRPr lang="en-US"/>
           </a:p>
           <a:p>
             <a:pPr lvl="1"/>
@@ -4313,6 +4338,7 @@
               <a:rPr lang="en-US"/>
               <a:t>Second level</a:t>
             </a:r>
+            <a:endParaRPr lang="en-US"/>
           </a:p>
           <a:p>
             <a:pPr lvl="2"/>
@@ -4320,6 +4346,7 @@
               <a:rPr lang="en-US"/>
               <a:t>Third level</a:t>
             </a:r>
+            <a:endParaRPr lang="en-US"/>
           </a:p>
           <a:p>
             <a:pPr lvl="3"/>
@@ -4327,6 +4354,7 @@
               <a:rPr lang="en-US"/>
               <a:t>Fourth level</a:t>
             </a:r>
+            <a:endParaRPr lang="en-US"/>
           </a:p>
           <a:p>
             <a:pPr lvl="4"/>
@@ -4355,7 +4383,6 @@
           <a:p>
             <a:fld id="{05BFA754-D5C3-4E66-96A6-867B257F58DC}" type="datetimeFigureOut">
               <a:rPr lang="en-US" dirty="0"/>
-              <a:t>8/3/2023</a:t>
             </a:fld>
             <a:endParaRPr lang="en-US" dirty="0"/>
           </a:p>
@@ -4397,7 +4424,6 @@
           <a:p>
             <a:fld id="{5D84065D-F351-4B03-BD91-D8A6B8D4B362}" type="slidenum">
               <a:rPr lang="en-US" dirty="0"/>
-              <a:t>‹#›</a:t>
             </a:fld>
             <a:endParaRPr lang="en-US" dirty="0"/>
           </a:p>
@@ -4529,6 +4555,7 @@
               <a:rPr lang="en-US"/>
               <a:t>Edit Master text styles</a:t>
             </a:r>
+            <a:endParaRPr lang="en-US"/>
           </a:p>
         </p:txBody>
       </p:sp>
@@ -4559,6 +4586,7 @@
               <a:rPr lang="en-US"/>
               <a:t>Edit Master text styles</a:t>
             </a:r>
+            <a:endParaRPr lang="en-US"/>
           </a:p>
           <a:p>
             <a:pPr lvl="1"/>
@@ -4566,6 +4594,7 @@
               <a:rPr lang="en-US"/>
               <a:t>Second level</a:t>
             </a:r>
+            <a:endParaRPr lang="en-US"/>
           </a:p>
           <a:p>
             <a:pPr lvl="2"/>
@@ -4573,6 +4602,7 @@
               <a:rPr lang="en-US"/>
               <a:t>Third level</a:t>
             </a:r>
+            <a:endParaRPr lang="en-US"/>
           </a:p>
           <a:p>
             <a:pPr lvl="3"/>
@@ -4580,6 +4610,7 @@
               <a:rPr lang="en-US"/>
               <a:t>Fourth level</a:t>
             </a:r>
+            <a:endParaRPr lang="en-US"/>
           </a:p>
           <a:p>
             <a:pPr lvl="4"/>
@@ -4665,6 +4696,7 @@
               <a:rPr lang="en-US"/>
               <a:t>Edit Master text styles</a:t>
             </a:r>
+            <a:endParaRPr lang="en-US"/>
           </a:p>
         </p:txBody>
       </p:sp>
@@ -4695,6 +4727,7 @@
               <a:rPr lang="en-US"/>
               <a:t>Edit Master text styles</a:t>
             </a:r>
+            <a:endParaRPr lang="en-US"/>
           </a:p>
           <a:p>
             <a:pPr lvl="1"/>
@@ -4702,6 +4735,7 @@
               <a:rPr lang="en-US"/>
               <a:t>Second level</a:t>
             </a:r>
+            <a:endParaRPr lang="en-US"/>
           </a:p>
           <a:p>
             <a:pPr lvl="2"/>
@@ -4709,6 +4743,7 @@
               <a:rPr lang="en-US"/>
               <a:t>Third level</a:t>
             </a:r>
+            <a:endParaRPr lang="en-US"/>
           </a:p>
           <a:p>
             <a:pPr lvl="3"/>
@@ -4716,6 +4751,7 @@
               <a:rPr lang="en-US"/>
               <a:t>Fourth level</a:t>
             </a:r>
+            <a:endParaRPr lang="en-US"/>
           </a:p>
           <a:p>
             <a:pPr lvl="4"/>
@@ -4744,7 +4780,6 @@
           <a:p>
             <a:fld id="{B61BEF0D-F0BB-DE4B-95CE-6DB70DBA9567}" type="datetimeFigureOut">
               <a:rPr lang="en-US" dirty="0"/>
-              <a:t>8/3/2023</a:t>
             </a:fld>
             <a:endParaRPr lang="en-US" dirty="0"/>
           </a:p>
@@ -4786,7 +4821,6 @@
           <a:p>
             <a:fld id="{D57F1E4F-1CFF-5643-939E-217C01CDF565}" type="slidenum">
               <a:rPr lang="en-US" dirty="0"/>
-              <a:t>‹#›</a:t>
             </a:fld>
             <a:endParaRPr lang="en-US" dirty="0"/>
           </a:p>
@@ -4888,7 +4922,6 @@
           <a:p>
             <a:fld id="{B61BEF0D-F0BB-DE4B-95CE-6DB70DBA9567}" type="datetimeFigureOut">
               <a:rPr lang="en-US" dirty="0"/>
-              <a:t>8/3/2023</a:t>
             </a:fld>
             <a:endParaRPr lang="en-US" dirty="0"/>
           </a:p>
@@ -4930,7 +4963,6 @@
           <a:p>
             <a:fld id="{D57F1E4F-1CFF-5643-939E-217C01CDF565}" type="slidenum">
               <a:rPr lang="en-US" dirty="0"/>
-              <a:t>‹#›</a:t>
             </a:fld>
             <a:endParaRPr lang="en-US" dirty="0"/>
           </a:p>
@@ -5009,7 +5041,6 @@
           <a:p>
             <a:fld id="{B61BEF0D-F0BB-DE4B-95CE-6DB70DBA9567}" type="datetimeFigureOut">
               <a:rPr lang="en-US" dirty="0"/>
-              <a:t>8/3/2023</a:t>
             </a:fld>
             <a:endParaRPr lang="en-US" dirty="0"/>
           </a:p>
@@ -5051,7 +5082,6 @@
           <a:p>
             <a:fld id="{D57F1E4F-1CFF-5643-939E-217C01CDF565}" type="slidenum">
               <a:rPr lang="en-US" dirty="0"/>
-              <a:t>‹#›</a:t>
             </a:fld>
             <a:endParaRPr lang="en-US" dirty="0"/>
           </a:p>
@@ -5143,6 +5173,7 @@
               <a:rPr lang="en-US"/>
               <a:t>Edit Master text styles</a:t>
             </a:r>
+            <a:endParaRPr lang="en-US"/>
           </a:p>
           <a:p>
             <a:pPr lvl="1"/>
@@ -5150,6 +5181,7 @@
               <a:rPr lang="en-US"/>
               <a:t>Second level</a:t>
             </a:r>
+            <a:endParaRPr lang="en-US"/>
           </a:p>
           <a:p>
             <a:pPr lvl="2"/>
@@ -5157,6 +5189,7 @@
               <a:rPr lang="en-US"/>
               <a:t>Third level</a:t>
             </a:r>
+            <a:endParaRPr lang="en-US"/>
           </a:p>
           <a:p>
             <a:pPr lvl="3"/>
@@ -5164,6 +5197,7 @@
               <a:rPr lang="en-US"/>
               <a:t>Fourth level</a:t>
             </a:r>
+            <a:endParaRPr lang="en-US"/>
           </a:p>
           <a:p>
             <a:pPr lvl="4"/>
@@ -5239,6 +5273,7 @@
               <a:rPr lang="en-US"/>
               <a:t>Edit Master text styles</a:t>
             </a:r>
+            <a:endParaRPr lang="en-US"/>
           </a:p>
         </p:txBody>
       </p:sp>
@@ -5259,7 +5294,6 @@
           <a:p>
             <a:fld id="{B61BEF0D-F0BB-DE4B-95CE-6DB70DBA9567}" type="datetimeFigureOut">
               <a:rPr lang="en-US" dirty="0"/>
-              <a:t>8/3/2023</a:t>
             </a:fld>
             <a:endParaRPr lang="en-US" dirty="0"/>
           </a:p>
@@ -5301,7 +5335,6 @@
           <a:p>
             <a:fld id="{D57F1E4F-1CFF-5643-939E-217C01CDF565}" type="slidenum">
               <a:rPr lang="en-US" dirty="0"/>
-              <a:t>‹#›</a:t>
             </a:fld>
             <a:endParaRPr lang="en-US" dirty="0"/>
           </a:p>
@@ -5549,6 +5582,7 @@
               <a:rPr lang="en-US"/>
               <a:t>Edit Master text styles</a:t>
             </a:r>
+            <a:endParaRPr lang="en-US"/>
           </a:p>
         </p:txBody>
       </p:sp>
@@ -5569,7 +5603,6 @@
           <a:p>
             <a:fld id="{B61BEF0D-F0BB-DE4B-95CE-6DB70DBA9567}" type="datetimeFigureOut">
               <a:rPr lang="en-US" dirty="0"/>
-              <a:t>8/3/2023</a:t>
             </a:fld>
             <a:endParaRPr lang="en-US" dirty="0"/>
           </a:p>
@@ -5611,7 +5644,6 @@
           <a:p>
             <a:fld id="{D57F1E4F-1CFF-5643-939E-217C01CDF565}" type="slidenum">
               <a:rPr lang="en-US" dirty="0"/>
-              <a:t>‹#›</a:t>
             </a:fld>
             <a:endParaRPr lang="en-US" dirty="0"/>
           </a:p>
@@ -5670,7 +5702,7 @@
             <p:nvPr/>
           </p:nvPicPr>
           <p:blipFill>
-            <a:blip r:embed="rId19">
+            <a:blip r:embed="rId18">
               <a:extLst>
                 <a:ext uri="{28A0092B-C50C-407E-A947-70E740481C1C}">
                   <a14:useLocalDpi xmlns:a14="http://schemas.microsoft.com/office/drawing/2010/main" val="0"/>
@@ -5734,7 +5766,7 @@
             <p:nvPr/>
           </p:nvPicPr>
           <p:blipFill rotWithShape="1">
-            <a:blip r:embed="rId20">
+            <a:blip r:embed="rId19">
               <a:extLst>
                 <a:ext uri="{28A0092B-C50C-407E-A947-70E740481C1C}">
                   <a14:useLocalDpi xmlns:a14="http://schemas.microsoft.com/office/drawing/2010/main" val="0"/>
@@ -5765,7 +5797,7 @@
             <p:nvPr/>
           </p:nvPicPr>
           <p:blipFill rotWithShape="1">
-            <a:blip r:embed="rId20">
+            <a:blip r:embed="rId19">
               <a:extLst>
                 <a:ext uri="{28A0092B-C50C-407E-A947-70E740481C1C}">
                   <a14:useLocalDpi xmlns:a14="http://schemas.microsoft.com/office/drawing/2010/main" val="0"/>
@@ -5852,6 +5884,7 @@
               <a:rPr lang="en-US"/>
               <a:t>Edit Master text styles</a:t>
             </a:r>
+            <a:endParaRPr lang="en-US"/>
           </a:p>
           <a:p>
             <a:pPr lvl="1"/>
@@ -5859,6 +5892,7 @@
               <a:rPr lang="en-US"/>
               <a:t>Second level</a:t>
             </a:r>
+            <a:endParaRPr lang="en-US"/>
           </a:p>
           <a:p>
             <a:pPr lvl="2"/>
@@ -5866,6 +5900,7 @@
               <a:rPr lang="en-US"/>
               <a:t>Third level</a:t>
             </a:r>
+            <a:endParaRPr lang="en-US"/>
           </a:p>
           <a:p>
             <a:pPr lvl="3"/>
@@ -5873,6 +5908,7 @@
               <a:rPr lang="en-US"/>
               <a:t>Fourth level</a:t>
             </a:r>
+            <a:endParaRPr lang="en-US"/>
           </a:p>
           <a:p>
             <a:pPr lvl="4"/>
@@ -5919,7 +5955,6 @@
           <a:p>
             <a:fld id="{B61BEF0D-F0BB-DE4B-95CE-6DB70DBA9567}" type="datetimeFigureOut">
               <a:rPr lang="en-US" dirty="0"/>
-              <a:t>8/3/2023</a:t>
             </a:fld>
             <a:endParaRPr lang="en-US" dirty="0"/>
           </a:p>
@@ -5997,7 +6032,6 @@
           <a:p>
             <a:fld id="{D57F1E4F-1CFF-5643-939E-217C01CDF565}" type="slidenum">
               <a:rPr lang="en-US" dirty="0"/>
-              <a:t>‹#›</a:t>
             </a:fld>
             <a:endParaRPr lang="en-US" dirty="0"/>
           </a:p>
@@ -6480,6 +6514,7 @@
               <a:rPr lang="en-US" dirty="0"/>
               <a:t> (JS)</a:t>
             </a:r>
+            <a:endParaRPr lang="en-US" dirty="0"/>
           </a:p>
         </p:txBody>
       </p:sp>
@@ -6527,6 +6562,7 @@
               <a:rPr lang="en-US" dirty="0"/>
               <a:t>Primitive Datatypes</a:t>
             </a:r>
+            <a:endParaRPr lang="en-US" dirty="0"/>
           </a:p>
         </p:txBody>
       </p:sp>
@@ -6551,20 +6587,8 @@
                 <a:tableStyleId>{5C22544A-7EE6-4342-B048-85BDC9FD1C3A}</a:tableStyleId>
               </a:tblPr>
               <a:tblGrid>
-                <a:gridCol w="2060986">
-                  <a:extLst>
-                    <a:ext uri="{9D8B030D-6E8A-4147-A177-3AD203B41FA5}">
-                      <a16:colId xmlns:a16="http://schemas.microsoft.com/office/drawing/2014/main" val="20000"/>
-                    </a:ext>
-                  </a:extLst>
-                </a:gridCol>
-                <a:gridCol w="5970494">
-                  <a:extLst>
-                    <a:ext uri="{9D8B030D-6E8A-4147-A177-3AD203B41FA5}">
-                      <a16:colId xmlns:a16="http://schemas.microsoft.com/office/drawing/2014/main" val="20001"/>
-                    </a:ext>
-                  </a:extLst>
-                </a:gridCol>
+                <a:gridCol w="2060986"/>
+                <a:gridCol w="5970494"/>
               </a:tblGrid>
               <a:tr h="247957">
                 <a:tc>
@@ -6576,6 +6600,7 @@
                         <a:rPr lang="en-US" dirty="0"/>
                         <a:t>Data Type	</a:t>
                       </a:r>
+                      <a:endParaRPr lang="en-US" dirty="0"/>
                     </a:p>
                   </a:txBody>
                   <a:tcPr/>
@@ -6589,15 +6614,11 @@
                         <a:rPr lang="en-US" dirty="0"/>
                         <a:t>Description</a:t>
                       </a:r>
+                      <a:endParaRPr lang="en-US" dirty="0"/>
                     </a:p>
                   </a:txBody>
                   <a:tcPr/>
                 </a:tc>
-                <a:extLst>
-                  <a:ext uri="{0D108BD9-81ED-4DB2-BD59-A6C34878D82A}">
-                    <a16:rowId xmlns:a16="http://schemas.microsoft.com/office/drawing/2014/main" val="10000"/>
-                  </a:ext>
-                </a:extLst>
               </a:tr>
               <a:tr h="398201">
                 <a:tc>
@@ -6609,6 +6630,7 @@
                         <a:rPr lang="en-US" dirty="0"/>
                         <a:t>String</a:t>
                       </a:r>
+                      <a:endParaRPr lang="en-US" dirty="0"/>
                     </a:p>
                   </a:txBody>
                   <a:tcPr/>
@@ -6638,15 +6660,11 @@
                         <a:rPr lang="en-US" dirty="0"/>
                         <a:t>represents sequence of characters e.g. “hello”</a:t>
                       </a:r>
+                      <a:endParaRPr lang="en-US" dirty="0"/>
                     </a:p>
                   </a:txBody>
                   <a:tcPr/>
                 </a:tc>
-                <a:extLst>
-                  <a:ext uri="{0D108BD9-81ED-4DB2-BD59-A6C34878D82A}">
-                    <a16:rowId xmlns:a16="http://schemas.microsoft.com/office/drawing/2014/main" val="10001"/>
-                  </a:ext>
-                </a:extLst>
               </a:tr>
               <a:tr h="427980">
                 <a:tc>
@@ -6658,6 +6676,7 @@
                         <a:rPr lang="en-US" dirty="0"/>
                         <a:t>Number</a:t>
                       </a:r>
+                      <a:endParaRPr lang="en-US" dirty="0"/>
                     </a:p>
                   </a:txBody>
                   <a:tcPr/>
@@ -6687,15 +6706,11 @@
                         <a:rPr lang="en-US" dirty="0"/>
                         <a:t>represents numeric values e.g. 100</a:t>
                       </a:r>
+                      <a:endParaRPr lang="en-US" dirty="0"/>
                     </a:p>
                   </a:txBody>
                   <a:tcPr/>
                 </a:tc>
-                <a:extLst>
-                  <a:ext uri="{0D108BD9-81ED-4DB2-BD59-A6C34878D82A}">
-                    <a16:rowId xmlns:a16="http://schemas.microsoft.com/office/drawing/2014/main" val="10002"/>
-                  </a:ext>
-                </a:extLst>
               </a:tr>
               <a:tr h="457710">
                 <a:tc>
@@ -6707,6 +6722,7 @@
                         <a:rPr lang="en-US" dirty="0"/>
                         <a:t>Boolean</a:t>
                       </a:r>
+                      <a:endParaRPr lang="en-US" dirty="0"/>
                     </a:p>
                   </a:txBody>
                   <a:tcPr/>
@@ -6744,15 +6760,11 @@
                         <a:rPr lang="en-US" dirty="0"/>
                         <a:t> value either false or true</a:t>
                       </a:r>
+                      <a:endParaRPr lang="en-US" dirty="0"/>
                     </a:p>
                   </a:txBody>
                   <a:tcPr/>
                 </a:tc>
-                <a:extLst>
-                  <a:ext uri="{0D108BD9-81ED-4DB2-BD59-A6C34878D82A}">
-                    <a16:rowId xmlns:a16="http://schemas.microsoft.com/office/drawing/2014/main" val="10003"/>
-                  </a:ext>
-                </a:extLst>
               </a:tr>
               <a:tr h="427980">
                 <a:tc>
@@ -6764,6 +6776,7 @@
                         <a:rPr lang="en-US" dirty="0"/>
                         <a:t>Undefined</a:t>
                       </a:r>
+                      <a:endParaRPr lang="en-US" dirty="0"/>
                     </a:p>
                   </a:txBody>
                   <a:tcPr/>
@@ -6793,15 +6806,11 @@
                         <a:rPr lang="en-US" dirty="0"/>
                         <a:t>represents undefined value</a:t>
                       </a:r>
+                      <a:endParaRPr lang="en-US" dirty="0"/>
                     </a:p>
                   </a:txBody>
                   <a:tcPr/>
                 </a:tc>
-                <a:extLst>
-                  <a:ext uri="{0D108BD9-81ED-4DB2-BD59-A6C34878D82A}">
-                    <a16:rowId xmlns:a16="http://schemas.microsoft.com/office/drawing/2014/main" val="10004"/>
-                  </a:ext>
-                </a:extLst>
               </a:tr>
               <a:tr h="427980">
                 <a:tc>
@@ -6813,6 +6822,7 @@
                         <a:rPr lang="en-US" dirty="0"/>
                         <a:t>Null</a:t>
                       </a:r>
+                      <a:endParaRPr lang="en-US" dirty="0"/>
                     </a:p>
                   </a:txBody>
                   <a:tcPr/>
@@ -6842,15 +6852,11 @@
                         <a:rPr lang="en-US" dirty="0"/>
                         <a:t>represents null i.e. no value at all</a:t>
                       </a:r>
+                      <a:endParaRPr lang="en-US" dirty="0"/>
                     </a:p>
                   </a:txBody>
                   <a:tcPr/>
                 </a:tc>
-                <a:extLst>
-                  <a:ext uri="{0D108BD9-81ED-4DB2-BD59-A6C34878D82A}">
-                    <a16:rowId xmlns:a16="http://schemas.microsoft.com/office/drawing/2014/main" val="10005"/>
-                  </a:ext>
-                </a:extLst>
               </a:tr>
               <a:tr h="427980">
                 <a:tc>
@@ -6908,15 +6914,11 @@
                         <a:rPr lang="en-US" dirty="0"/>
                         <a:t>(“543”)</a:t>
                       </a:r>
+                      <a:endParaRPr lang="en-US" dirty="0"/>
                     </a:p>
                   </a:txBody>
                   <a:tcPr/>
                 </a:tc>
-                <a:extLst>
-                  <a:ext uri="{0D108BD9-81ED-4DB2-BD59-A6C34878D82A}">
-                    <a16:rowId xmlns:a16="http://schemas.microsoft.com/office/drawing/2014/main" val="10006"/>
-                  </a:ext>
-                </a:extLst>
               </a:tr>
               <a:tr h="427980">
                 <a:tc>
@@ -6928,6 +6930,7 @@
                         <a:rPr lang="en-US" dirty="0"/>
                         <a:t>Symbol</a:t>
                       </a:r>
+                      <a:endParaRPr lang="en-US" dirty="0"/>
                     </a:p>
                   </a:txBody>
                   <a:tcPr/>
@@ -6981,15 +6984,11 @@
                         <a:rPr lang="en-US" dirty="0"/>
                         <a:t>”)</a:t>
                       </a:r>
+                      <a:endParaRPr lang="en-US" dirty="0"/>
                     </a:p>
                   </a:txBody>
                   <a:tcPr/>
                 </a:tc>
-                <a:extLst>
-                  <a:ext uri="{0D108BD9-81ED-4DB2-BD59-A6C34878D82A}">
-                    <a16:rowId xmlns:a16="http://schemas.microsoft.com/office/drawing/2014/main" val="10007"/>
-                  </a:ext>
-                </a:extLst>
               </a:tr>
             </a:tbl>
           </a:graphicData>
@@ -7043,6 +7042,7 @@
               <a:rPr lang="en-US" dirty="0"/>
               <a:t> Data Types</a:t>
             </a:r>
+            <a:endParaRPr lang="en-US" dirty="0"/>
           </a:p>
         </p:txBody>
       </p:sp>
@@ -7067,20 +7067,8 @@
                 <a:tableStyleId>{5C22544A-7EE6-4342-B048-85BDC9FD1C3A}</a:tableStyleId>
               </a:tblPr>
               <a:tblGrid>
-                <a:gridCol w="2060986">
-                  <a:extLst>
-                    <a:ext uri="{9D8B030D-6E8A-4147-A177-3AD203B41FA5}">
-                      <a16:colId xmlns:a16="http://schemas.microsoft.com/office/drawing/2014/main" val="20000"/>
-                    </a:ext>
-                  </a:extLst>
-                </a:gridCol>
-                <a:gridCol w="5970494">
-                  <a:extLst>
-                    <a:ext uri="{9D8B030D-6E8A-4147-A177-3AD203B41FA5}">
-                      <a16:colId xmlns:a16="http://schemas.microsoft.com/office/drawing/2014/main" val="20001"/>
-                    </a:ext>
-                  </a:extLst>
-                </a:gridCol>
+                <a:gridCol w="2060986"/>
+                <a:gridCol w="5970494"/>
               </a:tblGrid>
               <a:tr h="247957">
                 <a:tc>
@@ -7092,6 +7080,7 @@
                         <a:rPr lang="en-US" dirty="0"/>
                         <a:t>Data Type	</a:t>
                       </a:r>
+                      <a:endParaRPr lang="en-US" dirty="0"/>
                     </a:p>
                   </a:txBody>
                   <a:tcPr/>
@@ -7105,15 +7094,11 @@
                         <a:rPr lang="en-US" dirty="0"/>
                         <a:t>Description</a:t>
                       </a:r>
+                      <a:endParaRPr lang="en-US" dirty="0"/>
                     </a:p>
                   </a:txBody>
                   <a:tcPr/>
                 </a:tc>
-                <a:extLst>
-                  <a:ext uri="{0D108BD9-81ED-4DB2-BD59-A6C34878D82A}">
-                    <a16:rowId xmlns:a16="http://schemas.microsoft.com/office/drawing/2014/main" val="10000"/>
-                  </a:ext>
-                </a:extLst>
               </a:tr>
               <a:tr h="398201">
                 <a:tc>
@@ -7176,11 +7161,6 @@
                   </a:txBody>
                   <a:tcPr/>
                 </a:tc>
-                <a:extLst>
-                  <a:ext uri="{0D108BD9-81ED-4DB2-BD59-A6C34878D82A}">
-                    <a16:rowId xmlns:a16="http://schemas.microsoft.com/office/drawing/2014/main" val="10001"/>
-                  </a:ext>
-                </a:extLst>
               </a:tr>
               <a:tr h="427980">
                 <a:tc>
@@ -7243,11 +7223,6 @@
                   </a:txBody>
                   <a:tcPr/>
                 </a:tc>
-                <a:extLst>
-                  <a:ext uri="{0D108BD9-81ED-4DB2-BD59-A6C34878D82A}">
-                    <a16:rowId xmlns:a16="http://schemas.microsoft.com/office/drawing/2014/main" val="10002"/>
-                  </a:ext>
-                </a:extLst>
               </a:tr>
             </a:tbl>
           </a:graphicData>
@@ -7301,6 +7276,7 @@
               <a:rPr lang="en-US" dirty="0"/>
               <a:t> Data Types</a:t>
             </a:r>
+            <a:endParaRPr lang="en-US" dirty="0"/>
           </a:p>
         </p:txBody>
       </p:sp>
@@ -7325,20 +7301,8 @@
                 <a:tableStyleId>{5C22544A-7EE6-4342-B048-85BDC9FD1C3A}</a:tableStyleId>
               </a:tblPr>
               <a:tblGrid>
-                <a:gridCol w="2060986">
-                  <a:extLst>
-                    <a:ext uri="{9D8B030D-6E8A-4147-A177-3AD203B41FA5}">
-                      <a16:colId xmlns:a16="http://schemas.microsoft.com/office/drawing/2014/main" val="20000"/>
-                    </a:ext>
-                  </a:extLst>
-                </a:gridCol>
-                <a:gridCol w="5970494">
-                  <a:extLst>
-                    <a:ext uri="{9D8B030D-6E8A-4147-A177-3AD203B41FA5}">
-                      <a16:colId xmlns:a16="http://schemas.microsoft.com/office/drawing/2014/main" val="20001"/>
-                    </a:ext>
-                  </a:extLst>
-                </a:gridCol>
+                <a:gridCol w="2060986"/>
+                <a:gridCol w="5970494"/>
               </a:tblGrid>
               <a:tr h="247957">
                 <a:tc>
@@ -7350,6 +7314,7 @@
                         <a:rPr lang="en-US" dirty="0"/>
                         <a:t>Data Type	</a:t>
                       </a:r>
+                      <a:endParaRPr lang="en-US" dirty="0"/>
                     </a:p>
                   </a:txBody>
                   <a:tcPr/>
@@ -7363,15 +7328,11 @@
                         <a:rPr lang="en-US" dirty="0"/>
                         <a:t>Description</a:t>
                       </a:r>
+                      <a:endParaRPr lang="en-US" dirty="0"/>
                     </a:p>
                   </a:txBody>
                   <a:tcPr/>
                 </a:tc>
-                <a:extLst>
-                  <a:ext uri="{0D108BD9-81ED-4DB2-BD59-A6C34878D82A}">
-                    <a16:rowId xmlns:a16="http://schemas.microsoft.com/office/drawing/2014/main" val="10000"/>
-                  </a:ext>
-                </a:extLst>
               </a:tr>
               <a:tr h="398201">
                 <a:tc>
@@ -7434,11 +7395,6 @@
                   </a:txBody>
                   <a:tcPr/>
                 </a:tc>
-                <a:extLst>
-                  <a:ext uri="{0D108BD9-81ED-4DB2-BD59-A6C34878D82A}">
-                    <a16:rowId xmlns:a16="http://schemas.microsoft.com/office/drawing/2014/main" val="10001"/>
-                  </a:ext>
-                </a:extLst>
               </a:tr>
               <a:tr h="427980">
                 <a:tc>
@@ -7501,11 +7457,6 @@
                   </a:txBody>
                   <a:tcPr/>
                 </a:tc>
-                <a:extLst>
-                  <a:ext uri="{0D108BD9-81ED-4DB2-BD59-A6C34878D82A}">
-                    <a16:rowId xmlns:a16="http://schemas.microsoft.com/office/drawing/2014/main" val="10002"/>
-                  </a:ext>
-                </a:extLst>
               </a:tr>
             </a:tbl>
           </a:graphicData>
@@ -7559,6 +7510,7 @@
               <a:rPr lang="en-US" dirty="0"/>
               <a:t> Typed</a:t>
             </a:r>
+            <a:endParaRPr lang="en-US" dirty="0"/>
           </a:p>
         </p:txBody>
       </p:sp>
@@ -7598,6 +7550,7 @@
               <a:rPr lang="en-US" dirty="0"/>
               <a:t> typed language. This means that we do not have to specify the data type in advance unlike other languages like C++, Java C# etc.</a:t>
             </a:r>
+            <a:endParaRPr lang="en-US" dirty="0"/>
           </a:p>
           <a:p>
             <a:pPr marL="0" indent="0">
@@ -7607,6 +7560,7 @@
               <a:rPr lang="en-US" dirty="0"/>
               <a:t>Example –</a:t>
             </a:r>
+            <a:endParaRPr lang="en-US" dirty="0"/>
           </a:p>
           <a:p>
             <a:pPr marL="0" indent="0">
@@ -7616,6 +7570,7 @@
               <a:rPr lang="en-US" dirty="0"/>
               <a:t>var x;</a:t>
             </a:r>
+            <a:endParaRPr lang="en-US" dirty="0"/>
           </a:p>
           <a:p>
             <a:pPr marL="0" indent="0">
@@ -7625,6 +7580,7 @@
               <a:rPr lang="en-US" dirty="0"/>
               <a:t>x = 5;</a:t>
             </a:r>
+            <a:endParaRPr lang="en-US" dirty="0"/>
           </a:p>
           <a:p>
             <a:pPr marL="0" indent="0">
@@ -7634,6 +7590,7 @@
               <a:rPr lang="en-US" dirty="0"/>
               <a:t>In the above example we can see that we did not have to specify any data type for the variable x in advance.</a:t>
             </a:r>
+            <a:endParaRPr lang="en-US" dirty="0"/>
           </a:p>
         </p:txBody>
       </p:sp>
@@ -7681,6 +7638,7 @@
               <a:rPr lang="en-US" dirty="0"/>
               <a:t>Dynamically Typed</a:t>
             </a:r>
+            <a:endParaRPr lang="en-US" dirty="0"/>
           </a:p>
         </p:txBody>
       </p:sp>
@@ -7724,6 +7682,7 @@
               <a:rPr lang="en-US" dirty="0"/>
               <a:t>.</a:t>
             </a:r>
+            <a:endParaRPr lang="en-US" dirty="0"/>
           </a:p>
           <a:p>
             <a:pPr marL="0" indent="0">
@@ -7733,6 +7692,7 @@
               <a:rPr lang="en-US" dirty="0"/>
               <a:t>Example –</a:t>
             </a:r>
+            <a:endParaRPr lang="en-US" dirty="0"/>
           </a:p>
           <a:p>
             <a:pPr marL="0" indent="0">
@@ -7742,6 +7702,7 @@
               <a:rPr lang="en-US" dirty="0"/>
               <a:t>var num = 5; </a:t>
             </a:r>
+            <a:endParaRPr lang="en-US" dirty="0"/>
           </a:p>
           <a:p>
             <a:pPr marL="0" indent="0">
@@ -7751,6 +7712,7 @@
               <a:rPr lang="en-US" dirty="0"/>
               <a:t>num = "Simple Snippets";</a:t>
             </a:r>
+            <a:endParaRPr lang="en-US" dirty="0"/>
           </a:p>
           <a:p>
             <a:pPr marL="0" indent="0">
@@ -7760,6 +7722,7 @@
               <a:rPr lang="en-US" dirty="0"/>
               <a:t>In this example above, you can see that the data type of the variable num changes from number to string as we pass string data. This it is flexible in nature.</a:t>
             </a:r>
+            <a:endParaRPr lang="en-US" dirty="0"/>
           </a:p>
         </p:txBody>
       </p:sp>
@@ -7815,6 +7778,7 @@
               <a:rPr lang="en-US" dirty="0"/>
               <a:t>Datatype</a:t>
             </a:r>
+            <a:endParaRPr lang="en-US" dirty="0"/>
           </a:p>
         </p:txBody>
       </p:sp>
@@ -7849,18 +7813,21 @@
               <a:rPr lang="en-US" dirty="0"/>
               <a:t>An object or data is considered immutable if its state cannot be modified after it is created.</a:t>
             </a:r>
+            <a:endParaRPr lang="en-US" dirty="0"/>
           </a:p>
           <a:p>
             <a:r>
               <a:rPr lang="en-US" dirty="0"/>
               <a:t>Once an immutable object is created, any attempt to change its value or properties will result in the creation of a new object with the modified value, leaving the original object unchanged.</a:t>
             </a:r>
+            <a:endParaRPr lang="en-US" dirty="0"/>
           </a:p>
           <a:p>
             <a:r>
               <a:rPr lang="en-US" dirty="0"/>
               <a:t>Immutable objects are often preferred in certain scenarios, as they can lead to more predictable and safer code.</a:t>
             </a:r>
+            <a:endParaRPr lang="en-US" dirty="0"/>
           </a:p>
           <a:p>
             <a:r>
@@ -7875,6 +7842,7 @@
               <a:rPr lang="en-US" dirty="0"/>
               <a:t> values. Once created, you cannot change their values directly.</a:t>
             </a:r>
+            <a:endParaRPr lang="en-US" dirty="0"/>
           </a:p>
         </p:txBody>
       </p:sp>
@@ -7922,6 +7890,7 @@
               <a:rPr lang="en-US" dirty="0"/>
               <a:t>Immutable Datatype</a:t>
             </a:r>
+            <a:endParaRPr lang="en-US" dirty="0"/>
           </a:p>
         </p:txBody>
       </p:sp>
@@ -7956,12 +7925,14 @@
               <a:rPr lang="en-US" dirty="0"/>
               <a:t>Numbers: const num = 42;</a:t>
             </a:r>
+            <a:endParaRPr lang="en-US" dirty="0"/>
           </a:p>
           <a:p>
             <a:r>
               <a:rPr lang="en-US" dirty="0"/>
               <a:t>Strings: const message = "Hello";</a:t>
             </a:r>
+            <a:endParaRPr lang="en-US" dirty="0"/>
           </a:p>
           <a:p>
             <a:r>
@@ -7976,6 +7947,7 @@
               <a:rPr lang="en-US" dirty="0"/>
               <a:t> = true;</a:t>
             </a:r>
+            <a:endParaRPr lang="en-US" dirty="0"/>
           </a:p>
         </p:txBody>
       </p:sp>
@@ -8031,6 +8003,7 @@
               <a:rPr lang="en-US" dirty="0"/>
               <a:t>Datatype</a:t>
             </a:r>
+            <a:endParaRPr lang="en-US" dirty="0"/>
           </a:p>
         </p:txBody>
       </p:sp>
@@ -8065,24 +8038,28 @@
               <a:rPr lang="en-US" dirty="0"/>
               <a:t>A mutable object or data can be modified after its creation.</a:t>
             </a:r>
+            <a:endParaRPr lang="en-US" dirty="0"/>
           </a:p>
           <a:p>
             <a:r>
               <a:rPr lang="en-US" dirty="0"/>
               <a:t>Any changes made to a mutable object will directly affect its state, without creating a new object.</a:t>
             </a:r>
+            <a:endParaRPr lang="en-US" dirty="0"/>
           </a:p>
           <a:p>
             <a:r>
               <a:rPr lang="en-US" dirty="0"/>
               <a:t>Mutable objects can be modified in place, which means the same object can be changed with new values or properties.</a:t>
             </a:r>
+            <a:endParaRPr lang="en-US" dirty="0"/>
           </a:p>
           <a:p>
             <a:r>
               <a:rPr lang="en-US" dirty="0"/>
               <a:t>Examples of mutable data types in JavaScript include objects and arrays. You can add, remove, or modify their properties or elements directly.</a:t>
             </a:r>
+            <a:endParaRPr lang="en-US" dirty="0"/>
           </a:p>
         </p:txBody>
       </p:sp>
@@ -8138,6 +8115,7 @@
               <a:rPr lang="en-US" dirty="0"/>
               <a:t>Datatype</a:t>
             </a:r>
+            <a:endParaRPr lang="en-US" dirty="0"/>
           </a:p>
         </p:txBody>
       </p:sp>
@@ -8172,6 +8150,7 @@
               <a:rPr lang="en-US" dirty="0"/>
               <a:t>Object: const person = {</a:t>
             </a:r>
+            <a:endParaRPr lang="en-US" dirty="0"/>
           </a:p>
           <a:p>
             <a:pPr marL="0" indent="0">
@@ -8181,6 +8160,7 @@
               <a:rPr lang="en-US" dirty="0"/>
               <a:t> name: "John",</a:t>
             </a:r>
+            <a:endParaRPr lang="en-US" dirty="0"/>
           </a:p>
           <a:p>
             <a:pPr marL="0" indent="0">
@@ -8190,6 +8170,7 @@
               <a:rPr lang="en-US" dirty="0"/>
               <a:t>age: 30,</a:t>
             </a:r>
+            <a:endParaRPr lang="en-US" dirty="0"/>
           </a:p>
           <a:p>
             <a:pPr marL="0" indent="0">
@@ -8199,6 +8180,7 @@
               <a:rPr lang="en-US" dirty="0"/>
               <a:t>};</a:t>
             </a:r>
+            <a:endParaRPr lang="en-US" dirty="0"/>
           </a:p>
           <a:p>
             <a:pPr marL="0" indent="0">
@@ -8212,6 +8194,7 @@
               <a:rPr lang="en-US" dirty="0"/>
               <a:t>=”Ram”</a:t>
             </a:r>
+            <a:endParaRPr lang="en-US" dirty="0"/>
           </a:p>
           <a:p>
             <a:pPr marL="0" indent="0">
@@ -8221,12 +8204,14 @@
               <a:rPr lang="en-US" dirty="0"/>
               <a:t>document.write(a.toUpperCase())</a:t>
             </a:r>
+            <a:endParaRPr lang="en-US" dirty="0"/>
           </a:p>
           <a:p>
             <a:r>
               <a:rPr lang="en-US" dirty="0"/>
               <a:t>Array : const numbers = [1, 2, 3, 4, 5];</a:t>
             </a:r>
+            <a:endParaRPr lang="en-US" dirty="0"/>
           </a:p>
         </p:txBody>
       </p:sp>
@@ -8275,6 +8260,7 @@
               <a:rPr lang="en-US" dirty="0"/>
               <a:t>Variable Scope</a:t>
             </a:r>
+            <a:endParaRPr lang="en-US" dirty="0"/>
           </a:p>
         </p:txBody>
       </p:sp>
@@ -8303,6 +8289,7 @@
               <a:rPr lang="en-US" dirty="0"/>
               <a:t>– Scope outside the outermost function(we will discuss functions in detail in other article) attached to Window.</a:t>
             </a:r>
+            <a:endParaRPr lang="en-US" dirty="0"/>
           </a:p>
           <a:p>
             <a:r>
@@ -8313,6 +8300,7 @@
               <a:rPr lang="en-US" dirty="0"/>
               <a:t>– Inside the function being executed.</a:t>
             </a:r>
+            <a:endParaRPr lang="en-US" dirty="0"/>
           </a:p>
         </p:txBody>
       </p:sp>
@@ -8360,6 +8348,7 @@
               <a:rPr lang="en-US" dirty="0"/>
               <a:t>Introduction</a:t>
             </a:r>
+            <a:endParaRPr lang="en-US" dirty="0"/>
           </a:p>
         </p:txBody>
       </p:sp>
@@ -8374,7 +8363,7 @@
           </p:nvPr>
         </p:nvPicPr>
         <p:blipFill rotWithShape="1">
-          <a:blip r:embed="rId2"/>
+          <a:blip r:embed="rId1"/>
           <a:srcRect t="3572"/>
           <a:stretch>
             <a:fillRect/>
@@ -8435,6 +8424,7 @@
               <a:rPr lang="en-US" dirty="0"/>
               <a:t>Variable Scope</a:t>
             </a:r>
+            <a:endParaRPr lang="en-US" dirty="0"/>
           </a:p>
         </p:txBody>
       </p:sp>
@@ -8470,6 +8460,7 @@
               <a:rPr lang="en-US" dirty="0"/>
               <a:t> = "This is a global variable"; </a:t>
             </a:r>
+            <a:endParaRPr lang="en-US" dirty="0"/>
           </a:p>
           <a:p>
             <a:pPr marL="0" indent="0">
@@ -8479,6 +8470,7 @@
               <a:rPr lang="en-US" dirty="0"/>
               <a:t>function fun() { </a:t>
             </a:r>
+            <a:endParaRPr lang="en-US" dirty="0"/>
           </a:p>
           <a:p>
             <a:pPr marL="0" indent="0">
@@ -8496,6 +8488,7 @@
               <a:rPr lang="en-US" dirty="0"/>
               <a:t> = "This is a local variable"; </a:t>
             </a:r>
+            <a:endParaRPr lang="en-US" dirty="0"/>
           </a:p>
           <a:p>
             <a:pPr marL="0" indent="0">
@@ -8513,6 +8506,7 @@
               <a:rPr lang="en-US" dirty="0"/>
               <a:t>); </a:t>
             </a:r>
+            <a:endParaRPr lang="en-US" dirty="0"/>
           </a:p>
           <a:p>
             <a:pPr marL="0" indent="0">
@@ -8530,6 +8524,7 @@
               <a:rPr lang="en-US" dirty="0"/>
               <a:t>); </a:t>
             </a:r>
+            <a:endParaRPr lang="en-US" dirty="0"/>
           </a:p>
           <a:p>
             <a:pPr marL="0" indent="0">
@@ -8539,6 +8534,7 @@
               <a:rPr lang="en-US" dirty="0"/>
               <a:t>} </a:t>
             </a:r>
+            <a:endParaRPr lang="en-US" dirty="0"/>
           </a:p>
           <a:p>
             <a:pPr marL="0" indent="0">
@@ -8548,6 +8544,7 @@
               <a:rPr lang="en-US" dirty="0"/>
               <a:t>fun();</a:t>
             </a:r>
+            <a:endParaRPr lang="en-US" dirty="0"/>
           </a:p>
           <a:p>
             <a:pPr marL="0" indent="0">
@@ -8565,6 +8562,7 @@
               <a:rPr lang="en-US" dirty="0"/>
               <a:t>); </a:t>
             </a:r>
+            <a:endParaRPr lang="en-US" dirty="0"/>
           </a:p>
           <a:p>
             <a:pPr marL="0" indent="0">
@@ -8619,6 +8617,7 @@
               <a:rPr lang="en-US" dirty="0"/>
               <a:t>Variable Scope</a:t>
             </a:r>
+            <a:endParaRPr lang="en-US" dirty="0"/>
           </a:p>
         </p:txBody>
       </p:sp>
@@ -8646,6 +8645,7 @@
               <a:rPr lang="en-US" b="1" dirty="0"/>
               <a:t>Output:</a:t>
             </a:r>
+            <a:endParaRPr lang="en-US" b="1" dirty="0"/>
           </a:p>
           <a:p>
             <a:pPr marL="0" indent="0">
@@ -8655,6 +8655,7 @@
               <a:rPr lang="en-US" dirty="0"/>
               <a:t>This is a global variable</a:t>
             </a:r>
+            <a:endParaRPr lang="en-US" dirty="0"/>
           </a:p>
           <a:p>
             <a:pPr marL="0" indent="0">
@@ -8664,6 +8665,7 @@
               <a:rPr lang="en-US" dirty="0"/>
               <a:t>This is a local variable</a:t>
             </a:r>
+            <a:endParaRPr lang="en-US" dirty="0"/>
           </a:p>
           <a:p>
             <a:pPr marL="0" indent="0">
@@ -8681,6 +8683,7 @@
               <a:rPr lang="en-US" dirty="0"/>
               <a:t> is not defined</a:t>
             </a:r>
+            <a:endParaRPr lang="en-US" dirty="0"/>
           </a:p>
         </p:txBody>
       </p:sp>
@@ -8711,13 +8714,7 @@
       </p:grpSpPr>
       <p:sp>
         <p:nvSpPr>
-          <p:cNvPr id="2" name="Title 1">
-            <a:extLst>
-              <a:ext uri="{FF2B5EF4-FFF2-40B4-BE49-F238E27FC236}">
-                <a16:creationId xmlns:a16="http://schemas.microsoft.com/office/drawing/2014/main" id="{7D3AE10A-7684-44C2-8BFF-60FDDCD19BB7}"/>
-              </a:ext>
-            </a:extLst>
-          </p:cNvPr>
+          <p:cNvPr id="2" name="Title 1"/>
           <p:cNvSpPr>
             <a:spLocks noGrp="1"/>
           </p:cNvSpPr>
@@ -8736,28 +8733,18 @@
               <a:rPr lang="en-US" dirty="0"/>
               <a:t>Arithmetic Operators</a:t>
             </a:r>
+            <a:endParaRPr lang="en-US" dirty="0"/>
           </a:p>
         </p:txBody>
       </p:sp>
       <p:graphicFrame>
         <p:nvGraphicFramePr>
-          <p:cNvPr id="4" name="Content Placeholder 3">
-            <a:extLst>
-              <a:ext uri="{FF2B5EF4-FFF2-40B4-BE49-F238E27FC236}">
-                <a16:creationId xmlns:a16="http://schemas.microsoft.com/office/drawing/2014/main" id="{22DCC7A5-E44F-45A5-A2E8-247B5EE8316A}"/>
-              </a:ext>
-            </a:extLst>
-          </p:cNvPr>
+          <p:cNvPr id="4" name="Content Placeholder 3"/>
           <p:cNvGraphicFramePr>
             <a:graphicFrameLocks noGrp="1"/>
           </p:cNvGraphicFramePr>
           <p:nvPr>
             <p:ph idx="1"/>
-            <p:extLst>
-              <p:ext uri="{D42A27DB-BD31-4B8C-83A1-F6EECF244321}">
-                <p14:modId xmlns:p14="http://schemas.microsoft.com/office/powerpoint/2010/main" val="17278452"/>
-              </p:ext>
-            </p:extLst>
           </p:nvPr>
         </p:nvGraphicFramePr>
         <p:xfrm>
@@ -8771,20 +8758,8 @@
                 <a:tableStyleId>{5C22544A-7EE6-4342-B048-85BDC9FD1C3A}</a:tableStyleId>
               </a:tblPr>
               <a:tblGrid>
-                <a:gridCol w="4800600">
-                  <a:extLst>
-                    <a:ext uri="{9D8B030D-6E8A-4147-A177-3AD203B41FA5}">
-                      <a16:colId xmlns:a16="http://schemas.microsoft.com/office/drawing/2014/main" val="2397726948"/>
-                    </a:ext>
-                  </a:extLst>
-                </a:gridCol>
-                <a:gridCol w="4800600">
-                  <a:extLst>
-                    <a:ext uri="{9D8B030D-6E8A-4147-A177-3AD203B41FA5}">
-                      <a16:colId xmlns:a16="http://schemas.microsoft.com/office/drawing/2014/main" val="3834683194"/>
-                    </a:ext>
-                  </a:extLst>
-                </a:gridCol>
+                <a:gridCol w="4800600"/>
+                <a:gridCol w="4800600"/>
               </a:tblGrid>
               <a:tr h="0">
                 <a:tc>
@@ -8799,6 +8774,9 @@
                         </a:rPr>
                         <a:t>Operator</a:t>
                       </a:r>
+                      <a:endParaRPr lang="en-US" dirty="0">
+                        <a:effectLst/>
+                      </a:endParaRPr>
                     </a:p>
                   </a:txBody>
                   <a:tcPr marL="152400" marR="76200" marT="76200" marB="76200"/>
@@ -8815,15 +8793,13 @@
                         </a:rPr>
                         <a:t>Description</a:t>
                       </a:r>
+                      <a:endParaRPr lang="en-US">
+                        <a:effectLst/>
+                      </a:endParaRPr>
                     </a:p>
                   </a:txBody>
                   <a:tcPr marL="76200" marR="76200" marT="76200" marB="76200"/>
                 </a:tc>
-                <a:extLst>
-                  <a:ext uri="{0D108BD9-81ED-4DB2-BD59-A6C34878D82A}">
-                    <a16:rowId xmlns:a16="http://schemas.microsoft.com/office/drawing/2014/main" val="3067269666"/>
-                  </a:ext>
-                </a:extLst>
               </a:tr>
               <a:tr h="366395">
                 <a:tc>
@@ -8841,6 +8817,12 @@
                         </a:rPr>
                         <a:t>+</a:t>
                       </a:r>
+                      <a:endParaRPr lang="en-US" sz="1600">
+                        <a:solidFill>
+                          <a:schemeClr val="tx1"/>
+                        </a:solidFill>
+                        <a:effectLst/>
+                      </a:endParaRPr>
                     </a:p>
                   </a:txBody>
                   <a:tcPr marL="152400" marR="76200" marT="76200" marB="76200"/>
@@ -8860,15 +8842,16 @@
                         </a:rPr>
                         <a:t>Addition</a:t>
                       </a:r>
+                      <a:endParaRPr lang="en-US" sz="1600" dirty="0">
+                        <a:solidFill>
+                          <a:schemeClr val="tx1"/>
+                        </a:solidFill>
+                        <a:effectLst/>
+                      </a:endParaRPr>
                     </a:p>
                   </a:txBody>
                   <a:tcPr marL="76200" marR="76200" marT="76200" marB="76200"/>
                 </a:tc>
-                <a:extLst>
-                  <a:ext uri="{0D108BD9-81ED-4DB2-BD59-A6C34878D82A}">
-                    <a16:rowId xmlns:a16="http://schemas.microsoft.com/office/drawing/2014/main" val="1298894319"/>
-                  </a:ext>
-                </a:extLst>
               </a:tr>
               <a:tr h="366395">
                 <a:tc>
@@ -8886,6 +8869,12 @@
                         </a:rPr>
                         <a:t>-</a:t>
                       </a:r>
+                      <a:endParaRPr lang="en-US" sz="1600" dirty="0">
+                        <a:solidFill>
+                          <a:schemeClr val="tx1"/>
+                        </a:solidFill>
+                        <a:effectLst/>
+                      </a:endParaRPr>
                     </a:p>
                   </a:txBody>
                   <a:tcPr marL="152400" marR="76200" marT="76200" marB="76200"/>
@@ -8905,15 +8894,16 @@
                         </a:rPr>
                         <a:t>Subtraction</a:t>
                       </a:r>
+                      <a:endParaRPr lang="en-US" sz="1600" dirty="0">
+                        <a:solidFill>
+                          <a:schemeClr val="tx1"/>
+                        </a:solidFill>
+                        <a:effectLst/>
+                      </a:endParaRPr>
                     </a:p>
                   </a:txBody>
                   <a:tcPr marL="76200" marR="76200" marT="76200" marB="76200"/>
                 </a:tc>
-                <a:extLst>
-                  <a:ext uri="{0D108BD9-81ED-4DB2-BD59-A6C34878D82A}">
-                    <a16:rowId xmlns:a16="http://schemas.microsoft.com/office/drawing/2014/main" val="2506882415"/>
-                  </a:ext>
-                </a:extLst>
               </a:tr>
               <a:tr h="366395">
                 <a:tc>
@@ -8931,6 +8921,12 @@
                         </a:rPr>
                         <a:t>*</a:t>
                       </a:r>
+                      <a:endParaRPr lang="en-US" sz="1600" dirty="0">
+                        <a:solidFill>
+                          <a:schemeClr val="tx1"/>
+                        </a:solidFill>
+                        <a:effectLst/>
+                      </a:endParaRPr>
                     </a:p>
                   </a:txBody>
                   <a:tcPr marL="152400" marR="76200" marT="76200" marB="76200"/>
@@ -8950,15 +8946,16 @@
                         </a:rPr>
                         <a:t>Multiplication</a:t>
                       </a:r>
+                      <a:endParaRPr lang="en-US" sz="1600" dirty="0">
+                        <a:solidFill>
+                          <a:schemeClr val="tx1"/>
+                        </a:solidFill>
+                        <a:effectLst/>
+                      </a:endParaRPr>
                     </a:p>
                   </a:txBody>
                   <a:tcPr marL="76200" marR="76200" marT="76200" marB="76200"/>
                 </a:tc>
-                <a:extLst>
-                  <a:ext uri="{0D108BD9-81ED-4DB2-BD59-A6C34878D82A}">
-                    <a16:rowId xmlns:a16="http://schemas.microsoft.com/office/drawing/2014/main" val="2234549833"/>
-                  </a:ext>
-                </a:extLst>
               </a:tr>
               <a:tr h="366395">
                 <a:tc>
@@ -8976,6 +8973,12 @@
                         </a:rPr>
                         <a:t>**</a:t>
                       </a:r>
+                      <a:endParaRPr lang="en-US" sz="1600" dirty="0">
+                        <a:solidFill>
+                          <a:schemeClr val="tx1"/>
+                        </a:solidFill>
+                        <a:effectLst/>
+                      </a:endParaRPr>
                     </a:p>
                   </a:txBody>
                   <a:tcPr marL="152400" marR="76200" marT="76200" marB="76200"/>
@@ -9001,13 +9004,7 @@
                             <a:schemeClr val="tx1"/>
                           </a:solidFill>
                           <a:effectLst/>
-                          <a:hlinkClick r:id="rId2">
-                            <a:extLst>
-                              <a:ext uri="{A12FA001-AC4F-418D-AE19-62706E023703}">
-                                <ahyp:hlinkClr xmlns:ahyp="http://schemas.microsoft.com/office/drawing/2018/hyperlinkcolor" val="tx"/>
-                              </a:ext>
-                            </a:extLst>
-                          </a:hlinkClick>
+                          <a:hlinkClick r:id="rId1"/>
                         </a:rPr>
                         <a:t>ES2016</a:t>
                       </a:r>
@@ -9020,15 +9017,16 @@
                         </a:rPr>
                         <a:t>)</a:t>
                       </a:r>
+                      <a:endParaRPr lang="en-US" sz="1600" dirty="0">
+                        <a:solidFill>
+                          <a:schemeClr val="tx1"/>
+                        </a:solidFill>
+                        <a:effectLst/>
+                      </a:endParaRPr>
                     </a:p>
                   </a:txBody>
                   <a:tcPr marL="76200" marR="76200" marT="76200" marB="76200"/>
                 </a:tc>
-                <a:extLst>
-                  <a:ext uri="{0D108BD9-81ED-4DB2-BD59-A6C34878D82A}">
-                    <a16:rowId xmlns:a16="http://schemas.microsoft.com/office/drawing/2014/main" val="528236293"/>
-                  </a:ext>
-                </a:extLst>
               </a:tr>
               <a:tr h="366395">
                 <a:tc>
@@ -9046,6 +9044,12 @@
                         </a:rPr>
                         <a:t>/</a:t>
                       </a:r>
+                      <a:endParaRPr lang="en-US" sz="1600" dirty="0">
+                        <a:solidFill>
+                          <a:schemeClr val="tx1"/>
+                        </a:solidFill>
+                        <a:effectLst/>
+                      </a:endParaRPr>
                     </a:p>
                   </a:txBody>
                   <a:tcPr marL="152400" marR="76200" marT="76200" marB="76200"/>
@@ -9065,15 +9069,16 @@
                         </a:rPr>
                         <a:t>Division</a:t>
                       </a:r>
+                      <a:endParaRPr lang="en-US" sz="1600" dirty="0">
+                        <a:solidFill>
+                          <a:schemeClr val="tx1"/>
+                        </a:solidFill>
+                        <a:effectLst/>
+                      </a:endParaRPr>
                     </a:p>
                   </a:txBody>
                   <a:tcPr marL="76200" marR="76200" marT="76200" marB="76200"/>
                 </a:tc>
-                <a:extLst>
-                  <a:ext uri="{0D108BD9-81ED-4DB2-BD59-A6C34878D82A}">
-                    <a16:rowId xmlns:a16="http://schemas.microsoft.com/office/drawing/2014/main" val="4255088044"/>
-                  </a:ext>
-                </a:extLst>
               </a:tr>
               <a:tr h="366395">
                 <a:tc>
@@ -9091,6 +9096,12 @@
                         </a:rPr>
                         <a:t>%</a:t>
                       </a:r>
+                      <a:endParaRPr lang="en-US" sz="1600" dirty="0">
+                        <a:solidFill>
+                          <a:schemeClr val="tx1"/>
+                        </a:solidFill>
+                        <a:effectLst/>
+                      </a:endParaRPr>
                     </a:p>
                   </a:txBody>
                   <a:tcPr marL="152400" marR="76200" marT="76200" marB="76200"/>
@@ -9110,15 +9121,16 @@
                         </a:rPr>
                         <a:t>Modulus (Division Remainder)</a:t>
                       </a:r>
+                      <a:endParaRPr lang="en-US" sz="1600" dirty="0">
+                        <a:solidFill>
+                          <a:schemeClr val="tx1"/>
+                        </a:solidFill>
+                        <a:effectLst/>
+                      </a:endParaRPr>
                     </a:p>
                   </a:txBody>
                   <a:tcPr marL="76200" marR="76200" marT="76200" marB="76200"/>
                 </a:tc>
-                <a:extLst>
-                  <a:ext uri="{0D108BD9-81ED-4DB2-BD59-A6C34878D82A}">
-                    <a16:rowId xmlns:a16="http://schemas.microsoft.com/office/drawing/2014/main" val="3238628781"/>
-                  </a:ext>
-                </a:extLst>
               </a:tr>
               <a:tr h="366395">
                 <a:tc>
@@ -9133,6 +9145,9 @@
                         </a:rPr>
                         <a:t>++</a:t>
                       </a:r>
+                      <a:endParaRPr lang="en-US" sz="1600">
+                        <a:effectLst/>
+                      </a:endParaRPr>
                     </a:p>
                   </a:txBody>
                   <a:tcPr marL="152400" marR="76200" marT="76200" marB="76200"/>
@@ -9149,15 +9164,13 @@
                         </a:rPr>
                         <a:t>Increment</a:t>
                       </a:r>
+                      <a:endParaRPr lang="en-US" sz="1600" dirty="0">
+                        <a:effectLst/>
+                      </a:endParaRPr>
                     </a:p>
                   </a:txBody>
                   <a:tcPr marL="76200" marR="76200" marT="76200" marB="76200"/>
                 </a:tc>
-                <a:extLst>
-                  <a:ext uri="{0D108BD9-81ED-4DB2-BD59-A6C34878D82A}">
-                    <a16:rowId xmlns:a16="http://schemas.microsoft.com/office/drawing/2014/main" val="4291116926"/>
-                  </a:ext>
-                </a:extLst>
               </a:tr>
               <a:tr h="366395">
                 <a:tc>
@@ -9172,6 +9185,9 @@
                         </a:rPr>
                         <a:t>--</a:t>
                       </a:r>
+                      <a:endParaRPr lang="en-US" sz="1600">
+                        <a:effectLst/>
+                      </a:endParaRPr>
                     </a:p>
                   </a:txBody>
                   <a:tcPr marL="152400" marR="76200" marT="76200" marB="76200"/>
@@ -9188,26 +9204,19 @@
                         </a:rPr>
                         <a:t>Decrement</a:t>
                       </a:r>
+                      <a:endParaRPr lang="en-US" sz="1600" dirty="0">
+                        <a:effectLst/>
+                      </a:endParaRPr>
                     </a:p>
                   </a:txBody>
                   <a:tcPr marL="76200" marR="76200" marT="76200" marB="76200"/>
                 </a:tc>
-                <a:extLst>
-                  <a:ext uri="{0D108BD9-81ED-4DB2-BD59-A6C34878D82A}">
-                    <a16:rowId xmlns:a16="http://schemas.microsoft.com/office/drawing/2014/main" val="4250426417"/>
-                  </a:ext>
-                </a:extLst>
               </a:tr>
             </a:tbl>
           </a:graphicData>
         </a:graphic>
       </p:graphicFrame>
     </p:spTree>
-    <p:extLst>
-      <p:ext uri="{BB962C8B-B14F-4D97-AF65-F5344CB8AC3E}">
-        <p14:creationId xmlns:p14="http://schemas.microsoft.com/office/powerpoint/2010/main" val="2614634655"/>
-      </p:ext>
-    </p:extLst>
   </p:cSld>
   <p:clrMapOvr>
     <a:masterClrMapping/>
@@ -9234,13 +9243,7 @@
       </p:grpSpPr>
       <p:sp>
         <p:nvSpPr>
-          <p:cNvPr id="2" name="Title 1">
-            <a:extLst>
-              <a:ext uri="{FF2B5EF4-FFF2-40B4-BE49-F238E27FC236}">
-                <a16:creationId xmlns:a16="http://schemas.microsoft.com/office/drawing/2014/main" id="{7D3AE10A-7684-44C2-8BFF-60FDDCD19BB7}"/>
-              </a:ext>
-            </a:extLst>
-          </p:cNvPr>
+          <p:cNvPr id="2" name="Title 1"/>
           <p:cNvSpPr>
             <a:spLocks noGrp="1"/>
           </p:cNvSpPr>
@@ -9259,28 +9262,18 @@
               <a:rPr lang="en-US" dirty="0"/>
               <a:t>Assignment Operators</a:t>
             </a:r>
+            <a:endParaRPr lang="en-US" dirty="0"/>
           </a:p>
         </p:txBody>
       </p:sp>
       <p:graphicFrame>
         <p:nvGraphicFramePr>
-          <p:cNvPr id="4" name="Content Placeholder 3">
-            <a:extLst>
-              <a:ext uri="{FF2B5EF4-FFF2-40B4-BE49-F238E27FC236}">
-                <a16:creationId xmlns:a16="http://schemas.microsoft.com/office/drawing/2014/main" id="{22DCC7A5-E44F-45A5-A2E8-247B5EE8316A}"/>
-              </a:ext>
-            </a:extLst>
-          </p:cNvPr>
+          <p:cNvPr id="4" name="Content Placeholder 3"/>
           <p:cNvGraphicFramePr>
             <a:graphicFrameLocks noGrp="1"/>
           </p:cNvGraphicFramePr>
           <p:nvPr>
             <p:ph idx="1"/>
-            <p:extLst>
-              <p:ext uri="{D42A27DB-BD31-4B8C-83A1-F6EECF244321}">
-                <p14:modId xmlns:p14="http://schemas.microsoft.com/office/powerpoint/2010/main" val="904126910"/>
-              </p:ext>
-            </p:extLst>
           </p:nvPr>
         </p:nvGraphicFramePr>
         <p:xfrm>
@@ -9294,27 +9287,9 @@
                 <a:tableStyleId>{5C22544A-7EE6-4342-B048-85BDC9FD1C3A}</a:tableStyleId>
               </a:tblPr>
               <a:tblGrid>
-                <a:gridCol w="2995613">
-                  <a:extLst>
-                    <a:ext uri="{9D8B030D-6E8A-4147-A177-3AD203B41FA5}">
-                      <a16:colId xmlns:a16="http://schemas.microsoft.com/office/drawing/2014/main" val="2397726948"/>
-                    </a:ext>
-                  </a:extLst>
-                </a:gridCol>
-                <a:gridCol w="3200400">
-                  <a:extLst>
-                    <a:ext uri="{9D8B030D-6E8A-4147-A177-3AD203B41FA5}">
-                      <a16:colId xmlns:a16="http://schemas.microsoft.com/office/drawing/2014/main" val="3834683194"/>
-                    </a:ext>
-                  </a:extLst>
-                </a:gridCol>
-                <a:gridCol w="3200400">
-                  <a:extLst>
-                    <a:ext uri="{9D8B030D-6E8A-4147-A177-3AD203B41FA5}">
-                      <a16:colId xmlns:a16="http://schemas.microsoft.com/office/drawing/2014/main" val="2992691171"/>
-                    </a:ext>
-                  </a:extLst>
-                </a:gridCol>
+                <a:gridCol w="2995613"/>
+                <a:gridCol w="3200400"/>
+                <a:gridCol w="3200400"/>
               </a:tblGrid>
               <a:tr h="0">
                 <a:tc>
@@ -9329,6 +9304,9 @@
                         </a:rPr>
                         <a:t>Operator</a:t>
                       </a:r>
+                      <a:endParaRPr lang="en-US">
+                        <a:effectLst/>
+                      </a:endParaRPr>
                     </a:p>
                   </a:txBody>
                   <a:tcPr marL="152400" marR="76200" marT="76200" marB="76200"/>
@@ -9345,6 +9323,9 @@
                         </a:rPr>
                         <a:t>Example</a:t>
                       </a:r>
+                      <a:endParaRPr lang="en-US">
+                        <a:effectLst/>
+                      </a:endParaRPr>
                     </a:p>
                   </a:txBody>
                   <a:tcPr marL="76200" marR="76200" marT="76200" marB="76200"/>
@@ -9361,15 +9342,13 @@
                         </a:rPr>
                         <a:t>Same As</a:t>
                       </a:r>
+                      <a:endParaRPr lang="en-US">
+                        <a:effectLst/>
+                      </a:endParaRPr>
                     </a:p>
                   </a:txBody>
                   <a:tcPr marL="76200" marR="76200" marT="76200" marB="76200"/>
                 </a:tc>
-                <a:extLst>
-                  <a:ext uri="{0D108BD9-81ED-4DB2-BD59-A6C34878D82A}">
-                    <a16:rowId xmlns:a16="http://schemas.microsoft.com/office/drawing/2014/main" val="3067269666"/>
-                  </a:ext>
-                </a:extLst>
               </a:tr>
               <a:tr h="366395">
                 <a:tc>
@@ -9384,6 +9363,9 @@
                         </a:rPr>
                         <a:t>=</a:t>
                       </a:r>
+                      <a:endParaRPr lang="en-US">
+                        <a:effectLst/>
+                      </a:endParaRPr>
                     </a:p>
                   </a:txBody>
                   <a:tcPr marL="152400" marR="76200" marT="76200" marB="76200"/>
@@ -9400,6 +9382,9 @@
                         </a:rPr>
                         <a:t>x = y</a:t>
                       </a:r>
+                      <a:endParaRPr lang="en-US">
+                        <a:effectLst/>
+                      </a:endParaRPr>
                     </a:p>
                   </a:txBody>
                   <a:tcPr marL="76200" marR="76200" marT="76200" marB="76200"/>
@@ -9416,15 +9401,13 @@
                         </a:rPr>
                         <a:t>x = y</a:t>
                       </a:r>
+                      <a:endParaRPr lang="en-US">
+                        <a:effectLst/>
+                      </a:endParaRPr>
                     </a:p>
                   </a:txBody>
                   <a:tcPr marL="76200" marR="76200" marT="76200" marB="76200"/>
                 </a:tc>
-                <a:extLst>
-                  <a:ext uri="{0D108BD9-81ED-4DB2-BD59-A6C34878D82A}">
-                    <a16:rowId xmlns:a16="http://schemas.microsoft.com/office/drawing/2014/main" val="1298894319"/>
-                  </a:ext>
-                </a:extLst>
               </a:tr>
               <a:tr h="366395">
                 <a:tc>
@@ -9439,6 +9422,9 @@
                         </a:rPr>
                         <a:t>+=</a:t>
                       </a:r>
+                      <a:endParaRPr lang="en-US">
+                        <a:effectLst/>
+                      </a:endParaRPr>
                     </a:p>
                   </a:txBody>
                   <a:tcPr marL="152400" marR="76200" marT="76200" marB="76200"/>
@@ -9455,6 +9441,9 @@
                         </a:rPr>
                         <a:t>x += y</a:t>
                       </a:r>
+                      <a:endParaRPr lang="en-US">
+                        <a:effectLst/>
+                      </a:endParaRPr>
                     </a:p>
                   </a:txBody>
                   <a:tcPr marL="76200" marR="76200" marT="76200" marB="76200"/>
@@ -9471,15 +9460,13 @@
                         </a:rPr>
                         <a:t>x = x + y</a:t>
                       </a:r>
+                      <a:endParaRPr lang="en-US">
+                        <a:effectLst/>
+                      </a:endParaRPr>
                     </a:p>
                   </a:txBody>
                   <a:tcPr marL="76200" marR="76200" marT="76200" marB="76200"/>
                 </a:tc>
-                <a:extLst>
-                  <a:ext uri="{0D108BD9-81ED-4DB2-BD59-A6C34878D82A}">
-                    <a16:rowId xmlns:a16="http://schemas.microsoft.com/office/drawing/2014/main" val="2506882415"/>
-                  </a:ext>
-                </a:extLst>
               </a:tr>
               <a:tr h="366395">
                 <a:tc>
@@ -9494,6 +9481,9 @@
                         </a:rPr>
                         <a:t>-=</a:t>
                       </a:r>
+                      <a:endParaRPr lang="en-US">
+                        <a:effectLst/>
+                      </a:endParaRPr>
                     </a:p>
                   </a:txBody>
                   <a:tcPr marL="152400" marR="76200" marT="76200" marB="76200"/>
@@ -9510,6 +9500,9 @@
                         </a:rPr>
                         <a:t>x -= y</a:t>
                       </a:r>
+                      <a:endParaRPr lang="en-US">
+                        <a:effectLst/>
+                      </a:endParaRPr>
                     </a:p>
                   </a:txBody>
                   <a:tcPr marL="76200" marR="76200" marT="76200" marB="76200"/>
@@ -9526,15 +9519,13 @@
                         </a:rPr>
                         <a:t>x = x - y</a:t>
                       </a:r>
+                      <a:endParaRPr lang="en-US">
+                        <a:effectLst/>
+                      </a:endParaRPr>
                     </a:p>
                   </a:txBody>
                   <a:tcPr marL="76200" marR="76200" marT="76200" marB="76200"/>
                 </a:tc>
-                <a:extLst>
-                  <a:ext uri="{0D108BD9-81ED-4DB2-BD59-A6C34878D82A}">
-                    <a16:rowId xmlns:a16="http://schemas.microsoft.com/office/drawing/2014/main" val="2234549833"/>
-                  </a:ext>
-                </a:extLst>
               </a:tr>
               <a:tr h="366395">
                 <a:tc>
@@ -9549,6 +9540,9 @@
                         </a:rPr>
                         <a:t>*=</a:t>
                       </a:r>
+                      <a:endParaRPr lang="en-US">
+                        <a:effectLst/>
+                      </a:endParaRPr>
                     </a:p>
                   </a:txBody>
                   <a:tcPr marL="152400" marR="76200" marT="76200" marB="76200"/>
@@ -9565,6 +9559,9 @@
                         </a:rPr>
                         <a:t>x *= y</a:t>
                       </a:r>
+                      <a:endParaRPr lang="en-US">
+                        <a:effectLst/>
+                      </a:endParaRPr>
                     </a:p>
                   </a:txBody>
                   <a:tcPr marL="76200" marR="76200" marT="76200" marB="76200"/>
@@ -9581,15 +9578,13 @@
                         </a:rPr>
                         <a:t>x = x * y</a:t>
                       </a:r>
+                      <a:endParaRPr lang="en-US">
+                        <a:effectLst/>
+                      </a:endParaRPr>
                     </a:p>
                   </a:txBody>
                   <a:tcPr marL="76200" marR="76200" marT="76200" marB="76200"/>
                 </a:tc>
-                <a:extLst>
-                  <a:ext uri="{0D108BD9-81ED-4DB2-BD59-A6C34878D82A}">
-                    <a16:rowId xmlns:a16="http://schemas.microsoft.com/office/drawing/2014/main" val="528236293"/>
-                  </a:ext>
-                </a:extLst>
               </a:tr>
               <a:tr h="366395">
                 <a:tc>
@@ -9604,6 +9599,9 @@
                         </a:rPr>
                         <a:t>/=</a:t>
                       </a:r>
+                      <a:endParaRPr lang="en-US">
+                        <a:effectLst/>
+                      </a:endParaRPr>
                     </a:p>
                   </a:txBody>
                   <a:tcPr marL="152400" marR="76200" marT="76200" marB="76200"/>
@@ -9620,6 +9618,9 @@
                         </a:rPr>
                         <a:t>x /= y</a:t>
                       </a:r>
+                      <a:endParaRPr lang="en-US">
+                        <a:effectLst/>
+                      </a:endParaRPr>
                     </a:p>
                   </a:txBody>
                   <a:tcPr marL="76200" marR="76200" marT="76200" marB="76200"/>
@@ -9636,15 +9637,13 @@
                         </a:rPr>
                         <a:t>x = x / y</a:t>
                       </a:r>
+                      <a:endParaRPr lang="en-US">
+                        <a:effectLst/>
+                      </a:endParaRPr>
                     </a:p>
                   </a:txBody>
                   <a:tcPr marL="76200" marR="76200" marT="76200" marB="76200"/>
                 </a:tc>
-                <a:extLst>
-                  <a:ext uri="{0D108BD9-81ED-4DB2-BD59-A6C34878D82A}">
-                    <a16:rowId xmlns:a16="http://schemas.microsoft.com/office/drawing/2014/main" val="4255088044"/>
-                  </a:ext>
-                </a:extLst>
               </a:tr>
               <a:tr h="366395">
                 <a:tc>
@@ -9659,6 +9658,9 @@
                         </a:rPr>
                         <a:t>%=</a:t>
                       </a:r>
+                      <a:endParaRPr lang="en-US">
+                        <a:effectLst/>
+                      </a:endParaRPr>
                     </a:p>
                   </a:txBody>
                   <a:tcPr marL="152400" marR="76200" marT="76200" marB="76200"/>
@@ -9675,6 +9677,9 @@
                         </a:rPr>
                         <a:t>x %= y</a:t>
                       </a:r>
+                      <a:endParaRPr lang="en-US">
+                        <a:effectLst/>
+                      </a:endParaRPr>
                     </a:p>
                   </a:txBody>
                   <a:tcPr marL="76200" marR="76200" marT="76200" marB="76200"/>
@@ -9691,15 +9696,13 @@
                         </a:rPr>
                         <a:t>x = x % y</a:t>
                       </a:r>
+                      <a:endParaRPr lang="en-US">
+                        <a:effectLst/>
+                      </a:endParaRPr>
                     </a:p>
                   </a:txBody>
                   <a:tcPr marL="76200" marR="76200" marT="76200" marB="76200"/>
                 </a:tc>
-                <a:extLst>
-                  <a:ext uri="{0D108BD9-81ED-4DB2-BD59-A6C34878D82A}">
-                    <a16:rowId xmlns:a16="http://schemas.microsoft.com/office/drawing/2014/main" val="3238628781"/>
-                  </a:ext>
-                </a:extLst>
               </a:tr>
               <a:tr h="366395">
                 <a:tc>
@@ -9714,6 +9717,9 @@
                         </a:rPr>
                         <a:t>**=</a:t>
                       </a:r>
+                      <a:endParaRPr lang="en-US">
+                        <a:effectLst/>
+                      </a:endParaRPr>
                     </a:p>
                   </a:txBody>
                   <a:tcPr marL="152400" marR="76200" marT="76200" marB="76200"/>
@@ -9730,6 +9736,9 @@
                         </a:rPr>
                         <a:t>x **= y</a:t>
                       </a:r>
+                      <a:endParaRPr lang="en-US">
+                        <a:effectLst/>
+                      </a:endParaRPr>
                     </a:p>
                   </a:txBody>
                   <a:tcPr marL="76200" marR="76200" marT="76200" marB="76200"/>
@@ -9746,26 +9755,140 @@
                         </a:rPr>
                         <a:t>x = x ** y</a:t>
                       </a:r>
+                      <a:endParaRPr lang="en-US" dirty="0">
+                        <a:effectLst/>
+                      </a:endParaRPr>
                     </a:p>
                   </a:txBody>
                   <a:tcPr marL="76200" marR="76200" marT="76200" marB="76200"/>
                 </a:tc>
-                <a:extLst>
-                  <a:ext uri="{0D108BD9-81ED-4DB2-BD59-A6C34878D82A}">
-                    <a16:rowId xmlns:a16="http://schemas.microsoft.com/office/drawing/2014/main" val="4291116926"/>
-                  </a:ext>
-                </a:extLst>
               </a:tr>
             </a:tbl>
           </a:graphicData>
         </a:graphic>
       </p:graphicFrame>
     </p:spTree>
-    <p:extLst>
-      <p:ext uri="{BB962C8B-B14F-4D97-AF65-F5344CB8AC3E}">
-        <p14:creationId xmlns:p14="http://schemas.microsoft.com/office/powerpoint/2010/main" val="422016277"/>
-      </p:ext>
-    </p:extLst>
+  </p:cSld>
+  <p:clrMapOvr>
+    <a:masterClrMapping/>
+  </p:clrMapOvr>
+</p:sld>
+</file>
+
+<file path=ppt/slides/slide24.xml><?xml version="1.0" encoding="utf-8"?>
+<p:sld xmlns:a="http://schemas.openxmlformats.org/drawingml/2006/main" xmlns:r="http://schemas.openxmlformats.org/officeDocument/2006/relationships" xmlns:p="http://schemas.openxmlformats.org/presentationml/2006/main">
+  <p:cSld>
+    <p:spTree>
+      <p:nvGrpSpPr>
+        <p:cNvPr id="1" name=""/>
+        <p:cNvGrpSpPr/>
+        <p:nvPr/>
+      </p:nvGrpSpPr>
+      <p:grpSpPr/>
+      <p:sp>
+        <p:nvSpPr>
+          <p:cNvPr id="2" name="Title 1"/>
+          <p:cNvSpPr>
+            <a:spLocks noGrp="1"/>
+          </p:cNvSpPr>
+          <p:nvPr>
+            <p:ph type="title"/>
+          </p:nvPr>
+        </p:nvSpPr>
+        <p:spPr/>
+        <p:txBody>
+          <a:bodyPr/>
+          <a:p>
+            <a:r>
+              <a:rPr lang="en-US"/>
+              <a:t>Functions</a:t>
+            </a:r>
+            <a:endParaRPr lang="en-US"/>
+          </a:p>
+        </p:txBody>
+      </p:sp>
+      <p:sp>
+        <p:nvSpPr>
+          <p:cNvPr id="3" name="Content Placeholder 2"/>
+          <p:cNvSpPr>
+            <a:spLocks noGrp="1"/>
+          </p:cNvSpPr>
+          <p:nvPr>
+            <p:ph idx="1"/>
+          </p:nvPr>
+        </p:nvSpPr>
+        <p:spPr/>
+        <p:txBody>
+          <a:bodyPr>
+            <a:normAutofit fontScale="90000"/>
+          </a:bodyPr>
+          <a:p>
+            <a:r>
+              <a:rPr lang="en-US"/>
+              <a:t>A JavaScript function is a block of code designed to perform a particular task.</a:t>
+            </a:r>
+            <a:endParaRPr lang="en-US"/>
+          </a:p>
+          <a:p>
+            <a:r>
+              <a:rPr lang="en-US"/>
+              <a:t>A JavaScript function is executed when "something" invokes it (calls it).</a:t>
+            </a:r>
+            <a:endParaRPr lang="en-US"/>
+          </a:p>
+          <a:p>
+            <a:pPr marL="0" indent="0">
+              <a:buNone/>
+            </a:pPr>
+            <a:r>
+              <a:rPr lang="en-US"/>
+              <a:t>function name(parameter1, parameter2, parameter3) {</a:t>
+            </a:r>
+            <a:endParaRPr lang="en-US"/>
+          </a:p>
+          <a:p>
+            <a:pPr marL="0" indent="0">
+              <a:buNone/>
+            </a:pPr>
+            <a:r>
+              <a:rPr lang="en-US"/>
+              <a:t>// code to be executed</a:t>
+            </a:r>
+            <a:endParaRPr lang="en-US"/>
+          </a:p>
+          <a:p>
+            <a:pPr marL="0" indent="0">
+              <a:buNone/>
+            </a:pPr>
+            <a:r>
+              <a:rPr lang="en-US"/>
+              <a:t>}</a:t>
+            </a:r>
+            <a:endParaRPr lang="en-US"/>
+          </a:p>
+          <a:p>
+            <a:pPr marL="0" indent="0">
+              <a:buNone/>
+            </a:pPr>
+            <a:r>
+              <a:rPr lang="en-US"/>
+              <a:t>name(argument1,</a:t>
+            </a:r>
+            <a:r>
+              <a:rPr lang="en-US">
+                <a:sym typeface="+mn-ea"/>
+              </a:rPr>
+              <a:t>argument2,argument3</a:t>
+            </a:r>
+            <a:r>
+              <a:rPr lang="en-US"/>
+              <a:t>)</a:t>
+            </a:r>
+            <a:endParaRPr lang="en-US"/>
+          </a:p>
+        </p:txBody>
+      </p:sp>
+    </p:spTree>
   </p:cSld>
   <p:clrMapOvr>
     <a:masterClrMapping/>
@@ -9809,6 +9932,7 @@
               <a:rPr lang="en-US" dirty="0"/>
               <a:t>Introduction</a:t>
             </a:r>
+            <a:endParaRPr lang="en-US" dirty="0"/>
           </a:p>
         </p:txBody>
       </p:sp>
@@ -9833,6 +9957,7 @@
               <a:rPr lang="en-US" dirty="0"/>
               <a:t>JavaScript is a high-level, interpreted programming language primarily used for web development.</a:t>
             </a:r>
+            <a:endParaRPr lang="en-US" dirty="0"/>
           </a:p>
           <a:p>
             <a:r>
@@ -9847,30 +9972,35 @@
               <a:rPr lang="en-US" dirty="0"/>
               <a:t> while he was working at Netscape and was first released in 1995.</a:t>
             </a:r>
+            <a:endParaRPr lang="en-US" dirty="0"/>
           </a:p>
           <a:p>
             <a:r>
               <a:rPr lang="en-US" dirty="0"/>
               <a:t>JavaScript is a versatile language that allows developers to add interactivity and dynamic content to websites.</a:t>
             </a:r>
+            <a:endParaRPr lang="en-US" dirty="0"/>
           </a:p>
           <a:p>
             <a:r>
               <a:rPr lang="en-US" dirty="0"/>
               <a:t>It is commonly used for client-side scripting, where code is executed on the user's web browser.</a:t>
             </a:r>
+            <a:endParaRPr lang="en-US" dirty="0"/>
           </a:p>
           <a:p>
             <a:r>
               <a:rPr lang="en-US" dirty="0"/>
               <a:t>JavaScript can also be used on the server-side (with platforms like Node.js) for building server applications.</a:t>
             </a:r>
+            <a:endParaRPr lang="en-US" dirty="0"/>
           </a:p>
           <a:p>
             <a:r>
               <a:rPr lang="en-US" dirty="0"/>
               <a:t>The language is supported by all major web browsers, making it a core component of web development.</a:t>
             </a:r>
+            <a:endParaRPr lang="en-US" dirty="0"/>
           </a:p>
           <a:p>
             <a:r>
@@ -9889,6 +10019,7 @@
               <a:rPr lang="en-US" dirty="0"/>
               <a:t> language.</a:t>
             </a:r>
+            <a:endParaRPr lang="en-US" dirty="0"/>
           </a:p>
         </p:txBody>
       </p:sp>
@@ -9969,36 +10100,42 @@
               <a:rPr lang="en-US" dirty="0"/>
               <a:t> International.</a:t>
             </a:r>
+            <a:endParaRPr lang="en-US" dirty="0"/>
           </a:p>
           <a:p>
             <a:r>
               <a:rPr lang="en-US" dirty="0"/>
               <a:t>It serves as the foundation for JavaScript and other scripting languages like ActionScript (used in Adobe Flash).</a:t>
             </a:r>
+            <a:endParaRPr lang="en-US" dirty="0"/>
           </a:p>
           <a:p>
             <a:r>
               <a:rPr lang="en-US" dirty="0"/>
               <a:t>ECMAScript defines the syntax, semantics, and behavior of the scripting language.</a:t>
             </a:r>
+            <a:endParaRPr lang="en-US" dirty="0"/>
           </a:p>
           <a:p>
             <a:r>
               <a:rPr lang="en-US" dirty="0"/>
               <a:t>JavaScript is the most widely used implementation of ECMAScript, but other implementations exist (e.g., JScript by Microsoft).</a:t>
             </a:r>
+            <a:endParaRPr lang="en-US" dirty="0"/>
           </a:p>
           <a:p>
             <a:r>
               <a:rPr lang="en-US" dirty="0"/>
               <a:t>ECMAScript versions are released over time, each introducing new features and improvements.</a:t>
             </a:r>
+            <a:endParaRPr lang="en-US" dirty="0"/>
           </a:p>
           <a:p>
             <a:r>
               <a:rPr lang="en-US" dirty="0"/>
               <a:t>Popular versions include ES5, ES6 (also known as ES2015), ES2016, ES2017, and so on.</a:t>
             </a:r>
+            <a:endParaRPr lang="en-US" dirty="0"/>
           </a:p>
         </p:txBody>
       </p:sp>
@@ -10046,6 +10183,7 @@
               <a:rPr lang="en-US" dirty="0"/>
               <a:t>Variables</a:t>
             </a:r>
+            <a:endParaRPr lang="en-US" dirty="0"/>
           </a:p>
         </p:txBody>
       </p:sp>
@@ -10058,7 +10196,7 @@
           <p:nvPr/>
         </p:nvPicPr>
         <p:blipFill>
-          <a:blip r:embed="rId2">
+          <a:blip r:embed="rId1">
             <a:extLst>
               <a:ext uri="{28A0092B-C50C-407E-A947-70E740481C1C}">
                 <a14:useLocalDpi xmlns:a14="http://schemas.microsoft.com/office/drawing/2010/main" val="0"/>
@@ -10175,6 +10313,7 @@
               <a:rPr lang="en-US" dirty="0"/>
               <a:t>. We cannot declare a variable without var in older browsers. The variable declared using var can store variable values during the program's execution and can be redeclared anytime.</a:t>
             </a:r>
+            <a:endParaRPr lang="en-US" dirty="0"/>
           </a:p>
           <a:p>
             <a:r>
@@ -10185,6 +10324,7 @@
               <a:rPr lang="en-US" dirty="0"/>
               <a:t> - It is a keyword used to declare constant variables whose value cannot be changed throughout the program.</a:t>
             </a:r>
+            <a:endParaRPr lang="en-US" dirty="0"/>
           </a:p>
           <a:p>
             <a:r>
@@ -10195,6 +10335,7 @@
               <a:rPr lang="en-US" dirty="0"/>
               <a:t> - It is a newer keyword for declaring variables whose values can be changed. In this, a variable cannot be declared multiple times; however, they are declared once in a program.</a:t>
             </a:r>
+            <a:endParaRPr lang="en-US" dirty="0"/>
           </a:p>
         </p:txBody>
       </p:sp>
@@ -10242,6 +10383,7 @@
               <a:rPr lang="en-US" dirty="0"/>
               <a:t>Rules for  Variables</a:t>
             </a:r>
+            <a:endParaRPr lang="en-US" dirty="0"/>
           </a:p>
         </p:txBody>
       </p:sp>
@@ -10266,36 +10408,42 @@
               <a:rPr lang="en-US" dirty="0"/>
               <a:t>Variable names should be short and easy to remember.</a:t>
             </a:r>
+            <a:endParaRPr lang="en-US" dirty="0"/>
           </a:p>
           <a:p>
             <a:r>
               <a:rPr lang="en-US" dirty="0"/>
               <a:t>They should be descriptive enough to tell you what the variable represents.</a:t>
             </a:r>
+            <a:endParaRPr lang="en-US" dirty="0"/>
           </a:p>
           <a:p>
             <a:r>
               <a:rPr lang="en-US" dirty="0"/>
               <a:t>They should not be too generic or too specific to avoid confusion.</a:t>
             </a:r>
+            <a:endParaRPr lang="en-US" dirty="0"/>
           </a:p>
           <a:p>
             <a:r>
               <a:rPr lang="en-US" dirty="0"/>
               <a:t>They should not include any special characters like $, %, or @, except underscore.</a:t>
             </a:r>
+            <a:endParaRPr lang="en-US" dirty="0"/>
           </a:p>
           <a:p>
             <a:r>
               <a:rPr lang="en-US" dirty="0"/>
               <a:t>They should not contain spaces.</a:t>
             </a:r>
+            <a:endParaRPr lang="en-US" dirty="0"/>
           </a:p>
           <a:p>
             <a:r>
               <a:rPr lang="en-US" dirty="0"/>
               <a:t>They should not start with a number.</a:t>
             </a:r>
+            <a:endParaRPr lang="en-US" dirty="0"/>
           </a:p>
         </p:txBody>
       </p:sp>
@@ -10343,6 +10491,7 @@
               <a:rPr lang="en-US" dirty="0"/>
               <a:t>Rules for  Variables</a:t>
             </a:r>
+            <a:endParaRPr lang="en-US" dirty="0"/>
           </a:p>
         </p:txBody>
       </p:sp>
@@ -10367,6 +10516,7 @@
               <a:rPr lang="en-US" dirty="0"/>
               <a:t>Start a variable name with a letter or underscore(_).</a:t>
             </a:r>
+            <a:endParaRPr lang="en-US" dirty="0"/>
           </a:p>
           <a:p>
             <a:r>
@@ -10377,24 +10527,28 @@
               <a:rPr lang="en-US" dirty="0"/>
               <a:t> variables are case-sensitive, i.e., x is not equal to X.</a:t>
             </a:r>
+            <a:endParaRPr lang="en-US" dirty="0"/>
           </a:p>
           <a:p>
             <a:r>
               <a:rPr lang="en-US" dirty="0"/>
               <a:t>They should be unique and not used by other variables in the code.</a:t>
             </a:r>
+            <a:endParaRPr lang="en-US" dirty="0"/>
           </a:p>
           <a:p>
             <a:r>
               <a:rPr lang="en-US" dirty="0"/>
               <a:t>They could either be camel-cased or lowercase.</a:t>
             </a:r>
+            <a:endParaRPr lang="en-US" dirty="0"/>
           </a:p>
           <a:p>
             <a:r>
               <a:rPr lang="en-US" dirty="0"/>
               <a:t>They should not start with a capital letter.</a:t>
             </a:r>
+            <a:endParaRPr lang="en-US" dirty="0"/>
           </a:p>
         </p:txBody>
       </p:sp>
@@ -10442,6 +10596,7 @@
               <a:rPr lang="en-US" dirty="0"/>
               <a:t>Datatypes</a:t>
             </a:r>
+            <a:endParaRPr lang="en-US" dirty="0"/>
           </a:p>
         </p:txBody>
       </p:sp>
@@ -10456,7 +10611,7 @@
           </p:nvPr>
         </p:nvPicPr>
         <p:blipFill>
-          <a:blip r:embed="rId2">
+          <a:blip r:embed="rId1">
             <a:extLst>
               <a:ext uri="{28A0092B-C50C-407E-A947-70E740481C1C}">
                 <a14:useLocalDpi xmlns:a14="http://schemas.microsoft.com/office/drawing/2010/main" val="0"/>
@@ -10721,8 +10876,6 @@
       </a:bgFillStyleLst>
     </a:fmtScheme>
   </a:themeElements>
-  <a:objectDefaults/>
-  <a:extraClrSchemeLst/>
   <a:extLst>
     <a:ext uri="{05A4C25C-085E-4340-85A3-A5531E510DB2}">
       <thm15:themeFamily xmlns:thm15="http://schemas.microsoft.com/office/thememl/2012/main" name="Office Theme" id="{62F939B6-93AF-4DB8-9C6B-D6C7DFDC589F}" vid="{4A3C46E8-61CC-4603-A589-7422A47A8E4A}"/>
@@ -10982,8 +11135,6 @@
       </a:bgFillStyleLst>
     </a:fmtScheme>
   </a:themeElements>
-  <a:objectDefaults/>
-  <a:extraClrSchemeLst/>
   <a:extLst>
     <a:ext uri="{05A4C25C-085E-4340-85A3-A5531E510DB2}">
       <thm15:themeFamily xmlns:thm15="http://schemas.microsoft.com/office/thememl/2012/main" name="Office Theme" id="{62F939B6-93AF-4DB8-9C6B-D6C7DFDC589F}" vid="{4A3C46E8-61CC-4603-A589-7422A47A8E4A}"/>
@@ -11243,8 +11394,6 @@
       </a:bgFillStyleLst>
     </a:fmtScheme>
   </a:themeElements>
-  <a:objectDefaults/>
-  <a:extraClrSchemeLst/>
   <a:extLst>
     <a:ext uri="{05A4C25C-085E-4340-85A3-A5531E510DB2}">
       <thm15:themeFamily xmlns:thm15="http://schemas.microsoft.com/office/thememl/2012/main" name="Office Theme" id="{62F939B6-93AF-4DB8-9C6B-D6C7DFDC589F}" vid="{4A3C46E8-61CC-4603-A589-7422A47A8E4A}"/>
